--- a/documents/基于音频预处理过程的语音识别系统攻击3.1.pptx
+++ b/documents/基于音频预处理过程的语音识别系统攻击3.1.pptx
@@ -5,7 +5,7 @@
     <p:sldMasterId id="2147483648" r:id="rId1"/>
   </p:sldMasterIdLst>
   <p:notesMasterIdLst>
-    <p:notesMasterId r:id="rId76"/>
+    <p:notesMasterId r:id="rId78"/>
   </p:notesMasterIdLst>
   <p:sldIdLst>
     <p:sldId id="337" r:id="rId2"/>
@@ -81,7 +81,9 @@
     <p:sldId id="409" r:id="rId72"/>
     <p:sldId id="410" r:id="rId73"/>
     <p:sldId id="419" r:id="rId74"/>
-    <p:sldId id="418" r:id="rId75"/>
+    <p:sldId id="420" r:id="rId75"/>
+    <p:sldId id="421" r:id="rId76"/>
+    <p:sldId id="418" r:id="rId77"/>
   </p:sldIdLst>
   <p:sldSz cx="12192000" cy="6858000"/>
   <p:notesSz cx="9874250" cy="6797675"/>
@@ -273,7 +275,7 @@
           <a:p>
             <a:fld id="{8F4F2EAB-82EF-4749-B0A6-32E8CB1FB1E4}" type="datetimeFigureOut">
               <a:rPr lang="zh-CN" altLang="en-US" smtClean="0"/>
-              <a:t>2020/5/20</a:t>
+              <a:t>2020/5/21</a:t>
             </a:fld>
             <a:endParaRPr lang="zh-CN" altLang="en-US"/>
           </a:p>
@@ -6578,6 +6580,190 @@
             <a:fld id="{2E13179B-82BD-4567-A6FC-5FF2E5270D1F}" type="slidenum">
               <a:rPr lang="zh-CN" altLang="en-US" smtClean="0"/>
               <a:t>74</a:t>
+            </a:fld>
+            <a:endParaRPr lang="zh-CN" altLang="en-US"/>
+          </a:p>
+        </p:txBody>
+      </p:sp>
+    </p:spTree>
+    <p:extLst>
+      <p:ext uri="{BB962C8B-B14F-4D97-AF65-F5344CB8AC3E}">
+        <p14:creationId xmlns:p14="http://schemas.microsoft.com/office/powerpoint/2010/main" val="2786746519"/>
+      </p:ext>
+    </p:extLst>
+  </p:cSld>
+  <p:clrMapOvr>
+    <a:masterClrMapping/>
+  </p:clrMapOvr>
+</p:notes>
+</file>
+
+<file path=ppt/notesSlides/notesSlide67.xml><?xml version="1.0" encoding="utf-8"?>
+<p:notes xmlns:a="http://schemas.openxmlformats.org/drawingml/2006/main" xmlns:r="http://schemas.openxmlformats.org/officeDocument/2006/relationships" xmlns:p="http://schemas.openxmlformats.org/presentationml/2006/main">
+  <p:cSld>
+    <p:spTree>
+      <p:nvGrpSpPr>
+        <p:cNvPr id="1" name=""/>
+        <p:cNvGrpSpPr/>
+        <p:nvPr/>
+      </p:nvGrpSpPr>
+      <p:grpSpPr>
+        <a:xfrm>
+          <a:off x="0" y="0"/>
+          <a:ext cx="0" cy="0"/>
+          <a:chOff x="0" y="0"/>
+          <a:chExt cx="0" cy="0"/>
+        </a:xfrm>
+      </p:grpSpPr>
+      <p:sp>
+        <p:nvSpPr>
+          <p:cNvPr id="2" name="幻灯片图像占位符 1"/>
+          <p:cNvSpPr>
+            <a:spLocks noGrp="1" noRot="1" noChangeAspect="1"/>
+          </p:cNvSpPr>
+          <p:nvPr>
+            <p:ph type="sldImg"/>
+          </p:nvPr>
+        </p:nvSpPr>
+        <p:spPr/>
+      </p:sp>
+      <p:sp>
+        <p:nvSpPr>
+          <p:cNvPr id="3" name="备注占位符 2"/>
+          <p:cNvSpPr>
+            <a:spLocks noGrp="1"/>
+          </p:cNvSpPr>
+          <p:nvPr>
+            <p:ph type="body" idx="1"/>
+          </p:nvPr>
+        </p:nvSpPr>
+        <p:spPr/>
+        <p:txBody>
+          <a:bodyPr/>
+          <a:lstStyle/>
+          <a:p>
+            <a:r>
+              <a:rPr lang="en-US" altLang="zh-CN" dirty="0" smtClean="0"/>
+              <a:t>1.</a:t>
+            </a:r>
+            <a:r>
+              <a:rPr lang="zh-CN" altLang="en-US" dirty="0" smtClean="0"/>
+              <a:t>正常功能即能识别对无处理语音样本</a:t>
+            </a:r>
+            <a:endParaRPr lang="zh-CN" altLang="en-US" dirty="0"/>
+          </a:p>
+        </p:txBody>
+      </p:sp>
+      <p:sp>
+        <p:nvSpPr>
+          <p:cNvPr id="4" name="灯片编号占位符 3"/>
+          <p:cNvSpPr>
+            <a:spLocks noGrp="1"/>
+          </p:cNvSpPr>
+          <p:nvPr>
+            <p:ph type="sldNum" sz="quarter" idx="10"/>
+          </p:nvPr>
+        </p:nvSpPr>
+        <p:spPr/>
+        <p:txBody>
+          <a:bodyPr/>
+          <a:lstStyle/>
+          <a:p>
+            <a:fld id="{2E13179B-82BD-4567-A6FC-5FF2E5270D1F}" type="slidenum">
+              <a:rPr lang="zh-CN" altLang="en-US" smtClean="0"/>
+              <a:t>75</a:t>
+            </a:fld>
+            <a:endParaRPr lang="zh-CN" altLang="en-US"/>
+          </a:p>
+        </p:txBody>
+      </p:sp>
+    </p:spTree>
+    <p:extLst>
+      <p:ext uri="{BB962C8B-B14F-4D97-AF65-F5344CB8AC3E}">
+        <p14:creationId xmlns:p14="http://schemas.microsoft.com/office/powerpoint/2010/main" val="455445236"/>
+      </p:ext>
+    </p:extLst>
+  </p:cSld>
+  <p:clrMapOvr>
+    <a:masterClrMapping/>
+  </p:clrMapOvr>
+</p:notes>
+</file>
+
+<file path=ppt/notesSlides/notesSlide68.xml><?xml version="1.0" encoding="utf-8"?>
+<p:notes xmlns:a="http://schemas.openxmlformats.org/drawingml/2006/main" xmlns:r="http://schemas.openxmlformats.org/officeDocument/2006/relationships" xmlns:p="http://schemas.openxmlformats.org/presentationml/2006/main">
+  <p:cSld>
+    <p:spTree>
+      <p:nvGrpSpPr>
+        <p:cNvPr id="1" name=""/>
+        <p:cNvGrpSpPr/>
+        <p:nvPr/>
+      </p:nvGrpSpPr>
+      <p:grpSpPr>
+        <a:xfrm>
+          <a:off x="0" y="0"/>
+          <a:ext cx="0" cy="0"/>
+          <a:chOff x="0" y="0"/>
+          <a:chExt cx="0" cy="0"/>
+        </a:xfrm>
+      </p:grpSpPr>
+      <p:sp>
+        <p:nvSpPr>
+          <p:cNvPr id="2" name="幻灯片图像占位符 1"/>
+          <p:cNvSpPr>
+            <a:spLocks noGrp="1" noRot="1" noChangeAspect="1"/>
+          </p:cNvSpPr>
+          <p:nvPr>
+            <p:ph type="sldImg"/>
+          </p:nvPr>
+        </p:nvSpPr>
+        <p:spPr/>
+      </p:sp>
+      <p:sp>
+        <p:nvSpPr>
+          <p:cNvPr id="3" name="备注占位符 2"/>
+          <p:cNvSpPr>
+            <a:spLocks noGrp="1"/>
+          </p:cNvSpPr>
+          <p:nvPr>
+            <p:ph type="body" idx="1"/>
+          </p:nvPr>
+        </p:nvSpPr>
+        <p:spPr/>
+        <p:txBody>
+          <a:bodyPr/>
+          <a:lstStyle/>
+          <a:p>
+            <a:r>
+              <a:rPr lang="en-US" altLang="zh-CN" dirty="0" smtClean="0"/>
+              <a:t>1.</a:t>
+            </a:r>
+            <a:r>
+              <a:rPr lang="zh-CN" altLang="en-US" dirty="0" smtClean="0"/>
+              <a:t>正常功能即能识别对无处理语音样本</a:t>
+            </a:r>
+            <a:endParaRPr lang="zh-CN" altLang="en-US" dirty="0"/>
+          </a:p>
+        </p:txBody>
+      </p:sp>
+      <p:sp>
+        <p:nvSpPr>
+          <p:cNvPr id="4" name="灯片编号占位符 3"/>
+          <p:cNvSpPr>
+            <a:spLocks noGrp="1"/>
+          </p:cNvSpPr>
+          <p:nvPr>
+            <p:ph type="sldNum" sz="quarter" idx="10"/>
+          </p:nvPr>
+        </p:nvSpPr>
+        <p:spPr/>
+        <p:txBody>
+          <a:bodyPr/>
+          <a:lstStyle/>
+          <a:p>
+            <a:fld id="{2E13179B-82BD-4567-A6FC-5FF2E5270D1F}" type="slidenum">
+              <a:rPr lang="zh-CN" altLang="en-US" smtClean="0"/>
+              <a:t>76</a:t>
             </a:fld>
             <a:endParaRPr lang="zh-CN" altLang="en-US"/>
           </a:p>
@@ -9141,7 +9327,7 @@
           <p:cNvPr id="5" name="矩形 4">
             <a:extLst>
               <a:ext uri="{FF2B5EF4-FFF2-40B4-BE49-F238E27FC236}">
-                <a16:creationId xmlns:a16="http://schemas.microsoft.com/office/drawing/2014/main" xmlns="" id="{AB1DF3D9-EC08-40CA-853D-48B16F99EE56}"/>
+                <a16:creationId xmlns="" xmlns:a16="http://schemas.microsoft.com/office/drawing/2014/main" id="{AB1DF3D9-EC08-40CA-853D-48B16F99EE56}"/>
               </a:ext>
             </a:extLst>
           </p:cNvPr>
@@ -9317,7 +9503,7 @@
           <p:cNvPr id="8" name="矩形 7">
             <a:extLst>
               <a:ext uri="{FF2B5EF4-FFF2-40B4-BE49-F238E27FC236}">
-                <a16:creationId xmlns:a16="http://schemas.microsoft.com/office/drawing/2014/main" xmlns="" id="{0FDAD747-108F-4A6D-9220-5EA05067FF1E}"/>
+                <a16:creationId xmlns="" xmlns:a16="http://schemas.microsoft.com/office/drawing/2014/main" id="{0FDAD747-108F-4A6D-9220-5EA05067FF1E}"/>
               </a:ext>
             </a:extLst>
           </p:cNvPr>
@@ -9460,7 +9646,7 @@
           <p:cNvPr id="5" name="矩形 4">
             <a:extLst>
               <a:ext uri="{FF2B5EF4-FFF2-40B4-BE49-F238E27FC236}">
-                <a16:creationId xmlns:a16="http://schemas.microsoft.com/office/drawing/2014/main" xmlns="" id="{AB1DF3D9-EC08-40CA-853D-48B16F99EE56}"/>
+                <a16:creationId xmlns="" xmlns:a16="http://schemas.microsoft.com/office/drawing/2014/main" id="{AB1DF3D9-EC08-40CA-853D-48B16F99EE56}"/>
               </a:ext>
             </a:extLst>
           </p:cNvPr>
@@ -9546,7 +9732,7 @@
           <p:cNvPr id="6" name="矩形 5">
             <a:extLst>
               <a:ext uri="{FF2B5EF4-FFF2-40B4-BE49-F238E27FC236}">
-                <a16:creationId xmlns:a16="http://schemas.microsoft.com/office/drawing/2014/main" xmlns="" id="{0FDAD747-108F-4A6D-9220-5EA05067FF1E}"/>
+                <a16:creationId xmlns="" xmlns:a16="http://schemas.microsoft.com/office/drawing/2014/main" id="{0FDAD747-108F-4A6D-9220-5EA05067FF1E}"/>
               </a:ext>
             </a:extLst>
           </p:cNvPr>
@@ -9689,7 +9875,7 @@
           <p:cNvPr id="5" name="矩形 4">
             <a:extLst>
               <a:ext uri="{FF2B5EF4-FFF2-40B4-BE49-F238E27FC236}">
-                <a16:creationId xmlns:a16="http://schemas.microsoft.com/office/drawing/2014/main" xmlns="" id="{AB1DF3D9-EC08-40CA-853D-48B16F99EE56}"/>
+                <a16:creationId xmlns="" xmlns:a16="http://schemas.microsoft.com/office/drawing/2014/main" id="{AB1DF3D9-EC08-40CA-853D-48B16F99EE56}"/>
               </a:ext>
             </a:extLst>
           </p:cNvPr>
@@ -9776,7 +9962,7 @@
           <p:cNvPr id="7" name="矩形 6">
             <a:extLst>
               <a:ext uri="{FF2B5EF4-FFF2-40B4-BE49-F238E27FC236}">
-                <a16:creationId xmlns:a16="http://schemas.microsoft.com/office/drawing/2014/main" xmlns="" id="{0FDAD747-108F-4A6D-9220-5EA05067FF1E}"/>
+                <a16:creationId xmlns="" xmlns:a16="http://schemas.microsoft.com/office/drawing/2014/main" id="{0FDAD747-108F-4A6D-9220-5EA05067FF1E}"/>
               </a:ext>
             </a:extLst>
           </p:cNvPr>
@@ -9889,7 +10075,7 @@
           <p:cNvPr id="9" name="矩形 13" descr="紫色网格">
             <a:extLst>
               <a:ext uri="{FF2B5EF4-FFF2-40B4-BE49-F238E27FC236}">
-                <a16:creationId xmlns:a16="http://schemas.microsoft.com/office/drawing/2014/main" xmlns="" id="{44AEA09D-FD0A-4CA0-883D-93E5EAF762D6}"/>
+                <a16:creationId xmlns="" xmlns:a16="http://schemas.microsoft.com/office/drawing/2014/main" id="{44AEA09D-FD0A-4CA0-883D-93E5EAF762D6}"/>
               </a:ext>
             </a:extLst>
           </p:cNvPr>
@@ -10410,7 +10596,7 @@
           <p:cNvPr id="5" name="矩形 4">
             <a:extLst>
               <a:ext uri="{FF2B5EF4-FFF2-40B4-BE49-F238E27FC236}">
-                <a16:creationId xmlns:a16="http://schemas.microsoft.com/office/drawing/2014/main" xmlns="" id="{AB1DF3D9-EC08-40CA-853D-48B16F99EE56}"/>
+                <a16:creationId xmlns="" xmlns:a16="http://schemas.microsoft.com/office/drawing/2014/main" id="{AB1DF3D9-EC08-40CA-853D-48B16F99EE56}"/>
               </a:ext>
             </a:extLst>
           </p:cNvPr>
@@ -10552,7 +10738,7 @@
           <p:cNvPr id="7" name="矩形 6">
             <a:extLst>
               <a:ext uri="{FF2B5EF4-FFF2-40B4-BE49-F238E27FC236}">
-                <a16:creationId xmlns:a16="http://schemas.microsoft.com/office/drawing/2014/main" xmlns="" id="{0FDAD747-108F-4A6D-9220-5EA05067FF1E}"/>
+                <a16:creationId xmlns="" xmlns:a16="http://schemas.microsoft.com/office/drawing/2014/main" id="{0FDAD747-108F-4A6D-9220-5EA05067FF1E}"/>
               </a:ext>
             </a:extLst>
           </p:cNvPr>
@@ -10695,7 +10881,7 @@
           <p:cNvPr id="5" name="矩形 4">
             <a:extLst>
               <a:ext uri="{FF2B5EF4-FFF2-40B4-BE49-F238E27FC236}">
-                <a16:creationId xmlns:a16="http://schemas.microsoft.com/office/drawing/2014/main" xmlns="" id="{AB1DF3D9-EC08-40CA-853D-48B16F99EE56}"/>
+                <a16:creationId xmlns="" xmlns:a16="http://schemas.microsoft.com/office/drawing/2014/main" id="{AB1DF3D9-EC08-40CA-853D-48B16F99EE56}"/>
               </a:ext>
             </a:extLst>
           </p:cNvPr>
@@ -10883,7 +11069,7 @@
           <p:cNvPr id="9" name="矩形 8">
             <a:extLst>
               <a:ext uri="{FF2B5EF4-FFF2-40B4-BE49-F238E27FC236}">
-                <a16:creationId xmlns:a16="http://schemas.microsoft.com/office/drawing/2014/main" xmlns="" id="{0FDAD747-108F-4A6D-9220-5EA05067FF1E}"/>
+                <a16:creationId xmlns="" xmlns:a16="http://schemas.microsoft.com/office/drawing/2014/main" id="{0FDAD747-108F-4A6D-9220-5EA05067FF1E}"/>
               </a:ext>
             </a:extLst>
           </p:cNvPr>
@@ -11026,7 +11212,7 @@
           <p:cNvPr id="5" name="矩形 4">
             <a:extLst>
               <a:ext uri="{FF2B5EF4-FFF2-40B4-BE49-F238E27FC236}">
-                <a16:creationId xmlns:a16="http://schemas.microsoft.com/office/drawing/2014/main" xmlns="" id="{AB1DF3D9-EC08-40CA-853D-48B16F99EE56}"/>
+                <a16:creationId xmlns="" xmlns:a16="http://schemas.microsoft.com/office/drawing/2014/main" id="{AB1DF3D9-EC08-40CA-853D-48B16F99EE56}"/>
               </a:ext>
             </a:extLst>
           </p:cNvPr>
@@ -11113,7 +11299,7 @@
           <p:cNvPr id="7" name="矩形 6">
             <a:extLst>
               <a:ext uri="{FF2B5EF4-FFF2-40B4-BE49-F238E27FC236}">
-                <a16:creationId xmlns:a16="http://schemas.microsoft.com/office/drawing/2014/main" xmlns="" id="{0FDAD747-108F-4A6D-9220-5EA05067FF1E}"/>
+                <a16:creationId xmlns="" xmlns:a16="http://schemas.microsoft.com/office/drawing/2014/main" id="{0FDAD747-108F-4A6D-9220-5EA05067FF1E}"/>
               </a:ext>
             </a:extLst>
           </p:cNvPr>
@@ -11322,7 +11508,7 @@
           <p:cNvPr id="8" name="矩形 7">
             <a:extLst>
               <a:ext uri="{FF2B5EF4-FFF2-40B4-BE49-F238E27FC236}">
-                <a16:creationId xmlns:a16="http://schemas.microsoft.com/office/drawing/2014/main" xmlns="" id="{0FDAD747-108F-4A6D-9220-5EA05067FF1E}"/>
+                <a16:creationId xmlns="" xmlns:a16="http://schemas.microsoft.com/office/drawing/2014/main" id="{0FDAD747-108F-4A6D-9220-5EA05067FF1E}"/>
               </a:ext>
             </a:extLst>
           </p:cNvPr>
@@ -11435,7 +11621,7 @@
           <p:cNvPr id="10" name="矩形 13" descr="紫色网格">
             <a:extLst>
               <a:ext uri="{FF2B5EF4-FFF2-40B4-BE49-F238E27FC236}">
-                <a16:creationId xmlns:a16="http://schemas.microsoft.com/office/drawing/2014/main" xmlns="" id="{44AEA09D-FD0A-4CA0-883D-93E5EAF762D6}"/>
+                <a16:creationId xmlns="" xmlns:a16="http://schemas.microsoft.com/office/drawing/2014/main" id="{44AEA09D-FD0A-4CA0-883D-93E5EAF762D6}"/>
               </a:ext>
             </a:extLst>
           </p:cNvPr>
@@ -11741,7 +11927,7 @@
           <p:cNvPr id="12" name="矩形 11">
             <a:extLst>
               <a:ext uri="{FF2B5EF4-FFF2-40B4-BE49-F238E27FC236}">
-                <a16:creationId xmlns:a16="http://schemas.microsoft.com/office/drawing/2014/main" xmlns="" id="{0FDAD747-108F-4A6D-9220-5EA05067FF1E}"/>
+                <a16:creationId xmlns="" xmlns:a16="http://schemas.microsoft.com/office/drawing/2014/main" id="{0FDAD747-108F-4A6D-9220-5EA05067FF1E}"/>
               </a:ext>
             </a:extLst>
           </p:cNvPr>
@@ -11835,7 +12021,7 @@
           <p:cNvPr id="9" name="矩形 13" descr="紫色网格">
             <a:extLst>
               <a:ext uri="{FF2B5EF4-FFF2-40B4-BE49-F238E27FC236}">
-                <a16:creationId xmlns:a16="http://schemas.microsoft.com/office/drawing/2014/main" xmlns="" id="{44AEA09D-FD0A-4CA0-883D-93E5EAF762D6}"/>
+                <a16:creationId xmlns="" xmlns:a16="http://schemas.microsoft.com/office/drawing/2014/main" id="{44AEA09D-FD0A-4CA0-883D-93E5EAF762D6}"/>
               </a:ext>
             </a:extLst>
           </p:cNvPr>
@@ -12135,7 +12321,7 @@
           <p:cNvPr id="4" name="矩形 3">
             <a:extLst>
               <a:ext uri="{FF2B5EF4-FFF2-40B4-BE49-F238E27FC236}">
-                <a16:creationId xmlns:a16="http://schemas.microsoft.com/office/drawing/2014/main" xmlns="" id="{0FDAD747-108F-4A6D-9220-5EA05067FF1E}"/>
+                <a16:creationId xmlns="" xmlns:a16="http://schemas.microsoft.com/office/drawing/2014/main" id="{0FDAD747-108F-4A6D-9220-5EA05067FF1E}"/>
               </a:ext>
             </a:extLst>
           </p:cNvPr>
@@ -12226,7 +12412,7 @@
           <p:cNvPr id="7" name="矩形 6">
             <a:extLst>
               <a:ext uri="{FF2B5EF4-FFF2-40B4-BE49-F238E27FC236}">
-                <a16:creationId xmlns:a16="http://schemas.microsoft.com/office/drawing/2014/main" xmlns="" id="{0FDAD747-108F-4A6D-9220-5EA05067FF1E}"/>
+                <a16:creationId xmlns="" xmlns:a16="http://schemas.microsoft.com/office/drawing/2014/main" id="{0FDAD747-108F-4A6D-9220-5EA05067FF1E}"/>
               </a:ext>
             </a:extLst>
           </p:cNvPr>
@@ -12322,7 +12508,7 @@
           <p:cNvPr id="9" name="矩形 13" descr="紫色网格">
             <a:extLst>
               <a:ext uri="{FF2B5EF4-FFF2-40B4-BE49-F238E27FC236}">
-                <a16:creationId xmlns:a16="http://schemas.microsoft.com/office/drawing/2014/main" xmlns="" id="{44AEA09D-FD0A-4CA0-883D-93E5EAF762D6}"/>
+                <a16:creationId xmlns="" xmlns:a16="http://schemas.microsoft.com/office/drawing/2014/main" id="{44AEA09D-FD0A-4CA0-883D-93E5EAF762D6}"/>
               </a:ext>
             </a:extLst>
           </p:cNvPr>
@@ -12622,7 +12808,7 @@
           <p:cNvPr id="12" name="矩形 11">
             <a:extLst>
               <a:ext uri="{FF2B5EF4-FFF2-40B4-BE49-F238E27FC236}">
-                <a16:creationId xmlns:a16="http://schemas.microsoft.com/office/drawing/2014/main" xmlns="" id="{0FDAD747-108F-4A6D-9220-5EA05067FF1E}"/>
+                <a16:creationId xmlns="" xmlns:a16="http://schemas.microsoft.com/office/drawing/2014/main" id="{0FDAD747-108F-4A6D-9220-5EA05067FF1E}"/>
               </a:ext>
             </a:extLst>
           </p:cNvPr>
@@ -12716,7 +12902,7 @@
           <p:cNvPr id="6" name="矩形 13" descr="紫色网格">
             <a:extLst>
               <a:ext uri="{FF2B5EF4-FFF2-40B4-BE49-F238E27FC236}">
-                <a16:creationId xmlns:a16="http://schemas.microsoft.com/office/drawing/2014/main" xmlns="" id="{44AEA09D-FD0A-4CA0-883D-93E5EAF762D6}"/>
+                <a16:creationId xmlns="" xmlns:a16="http://schemas.microsoft.com/office/drawing/2014/main" id="{44AEA09D-FD0A-4CA0-883D-93E5EAF762D6}"/>
               </a:ext>
             </a:extLst>
           </p:cNvPr>
@@ -13048,7 +13234,7 @@
           <p:cNvPr id="52" name="矩形 51">
             <a:extLst>
               <a:ext uri="{FF2B5EF4-FFF2-40B4-BE49-F238E27FC236}">
-                <a16:creationId xmlns:a16="http://schemas.microsoft.com/office/drawing/2014/main" xmlns="" id="{C2B44424-4CFE-4BA2-9FCF-F0A911E8A749}"/>
+                <a16:creationId xmlns="" xmlns:a16="http://schemas.microsoft.com/office/drawing/2014/main" id="{C2B44424-4CFE-4BA2-9FCF-F0A911E8A749}"/>
               </a:ext>
             </a:extLst>
           </p:cNvPr>
@@ -13202,7 +13388,7 @@
           <p:cNvPr id="55" name="直接箭头连接符 54">
             <a:extLst>
               <a:ext uri="{FF2B5EF4-FFF2-40B4-BE49-F238E27FC236}">
-                <a16:creationId xmlns:a16="http://schemas.microsoft.com/office/drawing/2014/main" xmlns="" id="{EDD84E7C-3200-40E5-A3C0-E57D7F9E754E}"/>
+                <a16:creationId xmlns="" xmlns:a16="http://schemas.microsoft.com/office/drawing/2014/main" id="{EDD84E7C-3200-40E5-A3C0-E57D7F9E754E}"/>
               </a:ext>
             </a:extLst>
           </p:cNvPr>
@@ -13235,7 +13421,7 @@
           <p:cNvPr id="59" name="矩形 58">
             <a:extLst>
               <a:ext uri="{FF2B5EF4-FFF2-40B4-BE49-F238E27FC236}">
-                <a16:creationId xmlns:a16="http://schemas.microsoft.com/office/drawing/2014/main" xmlns="" id="{0FDAD747-108F-4A6D-9220-5EA05067FF1E}"/>
+                <a16:creationId xmlns="" xmlns:a16="http://schemas.microsoft.com/office/drawing/2014/main" id="{0FDAD747-108F-4A6D-9220-5EA05067FF1E}"/>
               </a:ext>
             </a:extLst>
           </p:cNvPr>
@@ -13282,7 +13468,7 @@
           <p:cNvPr id="60" name="矩形 59">
             <a:extLst>
               <a:ext uri="{FF2B5EF4-FFF2-40B4-BE49-F238E27FC236}">
-                <a16:creationId xmlns:a16="http://schemas.microsoft.com/office/drawing/2014/main" xmlns="" id="{5CEC9FB1-9CBF-4B7B-A321-DF404030F08B}"/>
+                <a16:creationId xmlns="" xmlns:a16="http://schemas.microsoft.com/office/drawing/2014/main" id="{5CEC9FB1-9CBF-4B7B-A321-DF404030F08B}"/>
               </a:ext>
             </a:extLst>
           </p:cNvPr>
@@ -13368,7 +13554,7 @@
           <p:cNvPr id="63" name="直接箭头连接符 62">
             <a:extLst>
               <a:ext uri="{FF2B5EF4-FFF2-40B4-BE49-F238E27FC236}">
-                <a16:creationId xmlns:a16="http://schemas.microsoft.com/office/drawing/2014/main" xmlns="" id="{5A7FC920-9D22-4290-B80F-F4BDC1DE109A}"/>
+                <a16:creationId xmlns="" xmlns:a16="http://schemas.microsoft.com/office/drawing/2014/main" id="{5A7FC920-9D22-4290-B80F-F4BDC1DE109A}"/>
               </a:ext>
             </a:extLst>
           </p:cNvPr>
@@ -13401,7 +13587,7 @@
           <p:cNvPr id="64" name="矩形 63">
             <a:extLst>
               <a:ext uri="{FF2B5EF4-FFF2-40B4-BE49-F238E27FC236}">
-                <a16:creationId xmlns:a16="http://schemas.microsoft.com/office/drawing/2014/main" xmlns="" id="{45B27A13-37E3-4777-9299-E75CAF1F6F9A}"/>
+                <a16:creationId xmlns="" xmlns:a16="http://schemas.microsoft.com/office/drawing/2014/main" id="{45B27A13-37E3-4777-9299-E75CAF1F6F9A}"/>
               </a:ext>
             </a:extLst>
           </p:cNvPr>
@@ -13449,7 +13635,7 @@
           <p:cNvPr id="65" name="图片 64">
             <a:extLst>
               <a:ext uri="{FF2B5EF4-FFF2-40B4-BE49-F238E27FC236}">
-                <a16:creationId xmlns:a16="http://schemas.microsoft.com/office/drawing/2014/main" xmlns="" id="{36569B5B-566F-4C60-9D63-318931B70CA2}"/>
+                <a16:creationId xmlns="" xmlns:a16="http://schemas.microsoft.com/office/drawing/2014/main" id="{36569B5B-566F-4C60-9D63-318931B70CA2}"/>
               </a:ext>
             </a:extLst>
           </p:cNvPr>
@@ -13485,7 +13671,7 @@
           <p:cNvPr id="66" name="矩形 65">
             <a:extLst>
               <a:ext uri="{FF2B5EF4-FFF2-40B4-BE49-F238E27FC236}">
-                <a16:creationId xmlns:a16="http://schemas.microsoft.com/office/drawing/2014/main" xmlns="" id="{2A55BA5B-CE30-435B-95FB-B00B8161E590}"/>
+                <a16:creationId xmlns="" xmlns:a16="http://schemas.microsoft.com/office/drawing/2014/main" id="{2A55BA5B-CE30-435B-95FB-B00B8161E590}"/>
               </a:ext>
             </a:extLst>
           </p:cNvPr>
@@ -13543,7 +13729,7 @@
           <p:cNvPr id="67" name="矩形 66">
             <a:extLst>
               <a:ext uri="{FF2B5EF4-FFF2-40B4-BE49-F238E27FC236}">
-                <a16:creationId xmlns:a16="http://schemas.microsoft.com/office/drawing/2014/main" xmlns="" id="{C2B44424-4CFE-4BA2-9FCF-F0A911E8A749}"/>
+                <a16:creationId xmlns="" xmlns:a16="http://schemas.microsoft.com/office/drawing/2014/main" id="{C2B44424-4CFE-4BA2-9FCF-F0A911E8A749}"/>
               </a:ext>
             </a:extLst>
           </p:cNvPr>
@@ -13654,7 +13840,7 @@
           <p:cNvPr id="72" name="矩形 13" descr="紫色网格">
             <a:extLst>
               <a:ext uri="{FF2B5EF4-FFF2-40B4-BE49-F238E27FC236}">
-                <a16:creationId xmlns:a16="http://schemas.microsoft.com/office/drawing/2014/main" xmlns="" id="{44AEA09D-FD0A-4CA0-883D-93E5EAF762D6}"/>
+                <a16:creationId xmlns="" xmlns:a16="http://schemas.microsoft.com/office/drawing/2014/main" id="{44AEA09D-FD0A-4CA0-883D-93E5EAF762D6}"/>
               </a:ext>
             </a:extLst>
           </p:cNvPr>
@@ -13921,7 +14107,7 @@
           <p:cNvPr id="73" name="矩形 72">
             <a:extLst>
               <a:ext uri="{FF2B5EF4-FFF2-40B4-BE49-F238E27FC236}">
-                <a16:creationId xmlns:a16="http://schemas.microsoft.com/office/drawing/2014/main" xmlns="" id="{0FDAD747-108F-4A6D-9220-5EA05067FF1E}"/>
+                <a16:creationId xmlns="" xmlns:a16="http://schemas.microsoft.com/office/drawing/2014/main" id="{0FDAD747-108F-4A6D-9220-5EA05067FF1E}"/>
               </a:ext>
             </a:extLst>
           </p:cNvPr>
@@ -13968,7 +14154,7 @@
           <p:cNvPr id="76" name="矩形 75">
             <a:extLst>
               <a:ext uri="{FF2B5EF4-FFF2-40B4-BE49-F238E27FC236}">
-                <a16:creationId xmlns:a16="http://schemas.microsoft.com/office/drawing/2014/main" xmlns="" id="{5CEC9FB1-9CBF-4B7B-A321-DF404030F08B}"/>
+                <a16:creationId xmlns="" xmlns:a16="http://schemas.microsoft.com/office/drawing/2014/main" id="{5CEC9FB1-9CBF-4B7B-A321-DF404030F08B}"/>
               </a:ext>
             </a:extLst>
           </p:cNvPr>
@@ -14054,7 +14240,7 @@
           <p:cNvPr id="77" name="矩形 76">
             <a:extLst>
               <a:ext uri="{FF2B5EF4-FFF2-40B4-BE49-F238E27FC236}">
-                <a16:creationId xmlns:a16="http://schemas.microsoft.com/office/drawing/2014/main" xmlns="" id="{5CEC9FB1-9CBF-4B7B-A321-DF404030F08B}"/>
+                <a16:creationId xmlns="" xmlns:a16="http://schemas.microsoft.com/office/drawing/2014/main" id="{5CEC9FB1-9CBF-4B7B-A321-DF404030F08B}"/>
               </a:ext>
             </a:extLst>
           </p:cNvPr>
@@ -14182,7 +14368,7 @@
           <p:cNvPr id="82" name="直接箭头连接符 81">
             <a:extLst>
               <a:ext uri="{FF2B5EF4-FFF2-40B4-BE49-F238E27FC236}">
-                <a16:creationId xmlns:a16="http://schemas.microsoft.com/office/drawing/2014/main" xmlns="" id="{EDD84E7C-3200-40E5-A3C0-E57D7F9E754E}"/>
+                <a16:creationId xmlns="" xmlns:a16="http://schemas.microsoft.com/office/drawing/2014/main" id="{EDD84E7C-3200-40E5-A3C0-E57D7F9E754E}"/>
               </a:ext>
             </a:extLst>
           </p:cNvPr>
@@ -14215,7 +14401,7 @@
           <p:cNvPr id="85" name="直接箭头连接符 84">
             <a:extLst>
               <a:ext uri="{FF2B5EF4-FFF2-40B4-BE49-F238E27FC236}">
-                <a16:creationId xmlns:a16="http://schemas.microsoft.com/office/drawing/2014/main" xmlns="" id="{EDD84E7C-3200-40E5-A3C0-E57D7F9E754E}"/>
+                <a16:creationId xmlns="" xmlns:a16="http://schemas.microsoft.com/office/drawing/2014/main" id="{EDD84E7C-3200-40E5-A3C0-E57D7F9E754E}"/>
               </a:ext>
             </a:extLst>
           </p:cNvPr>
@@ -14371,7 +14557,7 @@
           <p:cNvPr id="12" name="矩形 11">
             <a:extLst>
               <a:ext uri="{FF2B5EF4-FFF2-40B4-BE49-F238E27FC236}">
-                <a16:creationId xmlns:a16="http://schemas.microsoft.com/office/drawing/2014/main" xmlns="" id="{0FDAD747-108F-4A6D-9220-5EA05067FF1E}"/>
+                <a16:creationId xmlns="" xmlns:a16="http://schemas.microsoft.com/office/drawing/2014/main" id="{0FDAD747-108F-4A6D-9220-5EA05067FF1E}"/>
               </a:ext>
             </a:extLst>
           </p:cNvPr>
@@ -14418,7 +14604,7 @@
           <p:cNvPr id="4" name="矩形 3">
             <a:extLst>
               <a:ext uri="{FF2B5EF4-FFF2-40B4-BE49-F238E27FC236}">
-                <a16:creationId xmlns:a16="http://schemas.microsoft.com/office/drawing/2014/main" xmlns="" id="{0FDAD747-108F-4A6D-9220-5EA05067FF1E}"/>
+                <a16:creationId xmlns="" xmlns:a16="http://schemas.microsoft.com/office/drawing/2014/main" id="{0FDAD747-108F-4A6D-9220-5EA05067FF1E}"/>
               </a:ext>
             </a:extLst>
           </p:cNvPr>
@@ -14676,7 +14862,7 @@
           <p:cNvPr id="12" name="矩形 11">
             <a:extLst>
               <a:ext uri="{FF2B5EF4-FFF2-40B4-BE49-F238E27FC236}">
-                <a16:creationId xmlns:a16="http://schemas.microsoft.com/office/drawing/2014/main" xmlns="" id="{0FDAD747-108F-4A6D-9220-5EA05067FF1E}"/>
+                <a16:creationId xmlns="" xmlns:a16="http://schemas.microsoft.com/office/drawing/2014/main" id="{0FDAD747-108F-4A6D-9220-5EA05067FF1E}"/>
               </a:ext>
             </a:extLst>
           </p:cNvPr>
@@ -14726,7 +14912,7 @@
           <p:cNvPr id="4" name="矩形 3">
             <a:extLst>
               <a:ext uri="{FF2B5EF4-FFF2-40B4-BE49-F238E27FC236}">
-                <a16:creationId xmlns:a16="http://schemas.microsoft.com/office/drawing/2014/main" xmlns="" id="{0FDAD747-108F-4A6D-9220-5EA05067FF1E}"/>
+                <a16:creationId xmlns="" xmlns:a16="http://schemas.microsoft.com/office/drawing/2014/main" id="{0FDAD747-108F-4A6D-9220-5EA05067FF1E}"/>
               </a:ext>
             </a:extLst>
           </p:cNvPr>
@@ -15279,7 +15465,7 @@
           <p:cNvPr id="7" name="矩形 13" descr="紫色网格">
             <a:extLst>
               <a:ext uri="{FF2B5EF4-FFF2-40B4-BE49-F238E27FC236}">
-                <a16:creationId xmlns:a16="http://schemas.microsoft.com/office/drawing/2014/main" xmlns="" id="{44AEA09D-FD0A-4CA0-883D-93E5EAF762D6}"/>
+                <a16:creationId xmlns="" xmlns:a16="http://schemas.microsoft.com/office/drawing/2014/main" id="{44AEA09D-FD0A-4CA0-883D-93E5EAF762D6}"/>
               </a:ext>
             </a:extLst>
           </p:cNvPr>
@@ -15589,7 +15775,7 @@
           <p:cNvPr id="12" name="矩形 11">
             <a:extLst>
               <a:ext uri="{FF2B5EF4-FFF2-40B4-BE49-F238E27FC236}">
-                <a16:creationId xmlns:a16="http://schemas.microsoft.com/office/drawing/2014/main" xmlns="" id="{0FDAD747-108F-4A6D-9220-5EA05067FF1E}"/>
+                <a16:creationId xmlns="" xmlns:a16="http://schemas.microsoft.com/office/drawing/2014/main" id="{0FDAD747-108F-4A6D-9220-5EA05067FF1E}"/>
               </a:ext>
             </a:extLst>
           </p:cNvPr>
@@ -15646,7 +15832,7 @@
           <p:cNvPr id="4" name="矩形 3">
             <a:extLst>
               <a:ext uri="{FF2B5EF4-FFF2-40B4-BE49-F238E27FC236}">
-                <a16:creationId xmlns:a16="http://schemas.microsoft.com/office/drawing/2014/main" xmlns="" id="{0FDAD747-108F-4A6D-9220-5EA05067FF1E}"/>
+                <a16:creationId xmlns="" xmlns:a16="http://schemas.microsoft.com/office/drawing/2014/main" id="{0FDAD747-108F-4A6D-9220-5EA05067FF1E}"/>
               </a:ext>
             </a:extLst>
           </p:cNvPr>
@@ -16023,7 +16209,7 @@
           <p:cNvPr id="12" name="矩形 11">
             <a:extLst>
               <a:ext uri="{FF2B5EF4-FFF2-40B4-BE49-F238E27FC236}">
-                <a16:creationId xmlns:a16="http://schemas.microsoft.com/office/drawing/2014/main" xmlns="" id="{0FDAD747-108F-4A6D-9220-5EA05067FF1E}"/>
+                <a16:creationId xmlns="" xmlns:a16="http://schemas.microsoft.com/office/drawing/2014/main" id="{0FDAD747-108F-4A6D-9220-5EA05067FF1E}"/>
               </a:ext>
             </a:extLst>
           </p:cNvPr>
@@ -16070,7 +16256,7 @@
           <p:cNvPr id="4" name="矩形 3">
             <a:extLst>
               <a:ext uri="{FF2B5EF4-FFF2-40B4-BE49-F238E27FC236}">
-                <a16:creationId xmlns:a16="http://schemas.microsoft.com/office/drawing/2014/main" xmlns="" id="{0FDAD747-108F-4A6D-9220-5EA05067FF1E}"/>
+                <a16:creationId xmlns="" xmlns:a16="http://schemas.microsoft.com/office/drawing/2014/main" id="{0FDAD747-108F-4A6D-9220-5EA05067FF1E}"/>
               </a:ext>
             </a:extLst>
           </p:cNvPr>
@@ -16399,7 +16585,7 @@
           <p:cNvPr id="12" name="矩形 11">
             <a:extLst>
               <a:ext uri="{FF2B5EF4-FFF2-40B4-BE49-F238E27FC236}">
-                <a16:creationId xmlns:a16="http://schemas.microsoft.com/office/drawing/2014/main" xmlns="" id="{0FDAD747-108F-4A6D-9220-5EA05067FF1E}"/>
+                <a16:creationId xmlns="" xmlns:a16="http://schemas.microsoft.com/office/drawing/2014/main" id="{0FDAD747-108F-4A6D-9220-5EA05067FF1E}"/>
               </a:ext>
             </a:extLst>
           </p:cNvPr>
@@ -16459,7 +16645,7 @@
           <p:cNvPr id="4" name="矩形 3">
             <a:extLst>
               <a:ext uri="{FF2B5EF4-FFF2-40B4-BE49-F238E27FC236}">
-                <a16:creationId xmlns:a16="http://schemas.microsoft.com/office/drawing/2014/main" xmlns="" id="{0FDAD747-108F-4A6D-9220-5EA05067FF1E}"/>
+                <a16:creationId xmlns="" xmlns:a16="http://schemas.microsoft.com/office/drawing/2014/main" id="{0FDAD747-108F-4A6D-9220-5EA05067FF1E}"/>
               </a:ext>
             </a:extLst>
           </p:cNvPr>
@@ -16978,7 +17164,7 @@
           <p:cNvPr id="12" name="矩形 11">
             <a:extLst>
               <a:ext uri="{FF2B5EF4-FFF2-40B4-BE49-F238E27FC236}">
-                <a16:creationId xmlns:a16="http://schemas.microsoft.com/office/drawing/2014/main" xmlns="" id="{0FDAD747-108F-4A6D-9220-5EA05067FF1E}"/>
+                <a16:creationId xmlns="" xmlns:a16="http://schemas.microsoft.com/office/drawing/2014/main" id="{0FDAD747-108F-4A6D-9220-5EA05067FF1E}"/>
               </a:ext>
             </a:extLst>
           </p:cNvPr>
@@ -17045,7 +17231,7 @@
           <p:cNvPr id="4" name="矩形 3">
             <a:extLst>
               <a:ext uri="{FF2B5EF4-FFF2-40B4-BE49-F238E27FC236}">
-                <a16:creationId xmlns:a16="http://schemas.microsoft.com/office/drawing/2014/main" xmlns="" id="{0FDAD747-108F-4A6D-9220-5EA05067FF1E}"/>
+                <a16:creationId xmlns="" xmlns:a16="http://schemas.microsoft.com/office/drawing/2014/main" id="{0FDAD747-108F-4A6D-9220-5EA05067FF1E}"/>
               </a:ext>
             </a:extLst>
           </p:cNvPr>
@@ -17375,7 +17561,7 @@
           <p:cNvPr id="12" name="矩形 11">
             <a:extLst>
               <a:ext uri="{FF2B5EF4-FFF2-40B4-BE49-F238E27FC236}">
-                <a16:creationId xmlns:a16="http://schemas.microsoft.com/office/drawing/2014/main" xmlns="" id="{0FDAD747-108F-4A6D-9220-5EA05067FF1E}"/>
+                <a16:creationId xmlns="" xmlns:a16="http://schemas.microsoft.com/office/drawing/2014/main" id="{0FDAD747-108F-4A6D-9220-5EA05067FF1E}"/>
               </a:ext>
             </a:extLst>
           </p:cNvPr>
@@ -17422,7 +17608,7 @@
           <p:cNvPr id="4" name="矩形 3">
             <a:extLst>
               <a:ext uri="{FF2B5EF4-FFF2-40B4-BE49-F238E27FC236}">
-                <a16:creationId xmlns:a16="http://schemas.microsoft.com/office/drawing/2014/main" xmlns="" id="{0FDAD747-108F-4A6D-9220-5EA05067FF1E}"/>
+                <a16:creationId xmlns="" xmlns:a16="http://schemas.microsoft.com/office/drawing/2014/main" id="{0FDAD747-108F-4A6D-9220-5EA05067FF1E}"/>
               </a:ext>
             </a:extLst>
           </p:cNvPr>
@@ -17525,7 +17711,7 @@
           <p:cNvPr id="12" name="矩形 11">
             <a:extLst>
               <a:ext uri="{FF2B5EF4-FFF2-40B4-BE49-F238E27FC236}">
-                <a16:creationId xmlns:a16="http://schemas.microsoft.com/office/drawing/2014/main" xmlns="" id="{0FDAD747-108F-4A6D-9220-5EA05067FF1E}"/>
+                <a16:creationId xmlns="" xmlns:a16="http://schemas.microsoft.com/office/drawing/2014/main" id="{0FDAD747-108F-4A6D-9220-5EA05067FF1E}"/>
               </a:ext>
             </a:extLst>
           </p:cNvPr>
@@ -17633,7 +17819,7 @@
           <p:cNvPr id="12" name="矩形 11">
             <a:extLst>
               <a:ext uri="{FF2B5EF4-FFF2-40B4-BE49-F238E27FC236}">
-                <a16:creationId xmlns:a16="http://schemas.microsoft.com/office/drawing/2014/main" xmlns="" id="{0FDAD747-108F-4A6D-9220-5EA05067FF1E}"/>
+                <a16:creationId xmlns="" xmlns:a16="http://schemas.microsoft.com/office/drawing/2014/main" id="{0FDAD747-108F-4A6D-9220-5EA05067FF1E}"/>
               </a:ext>
             </a:extLst>
           </p:cNvPr>
@@ -17680,7 +17866,7 @@
           <p:cNvPr id="4" name="矩形 3">
             <a:extLst>
               <a:ext uri="{FF2B5EF4-FFF2-40B4-BE49-F238E27FC236}">
-                <a16:creationId xmlns:a16="http://schemas.microsoft.com/office/drawing/2014/main" xmlns="" id="{0FDAD747-108F-4A6D-9220-5EA05067FF1E}"/>
+                <a16:creationId xmlns="" xmlns:a16="http://schemas.microsoft.com/office/drawing/2014/main" id="{0FDAD747-108F-4A6D-9220-5EA05067FF1E}"/>
               </a:ext>
             </a:extLst>
           </p:cNvPr>
@@ -17824,7 +18010,7 @@
           <p:cNvPr id="5" name="矩形 13" descr="紫色网格">
             <a:extLst>
               <a:ext uri="{FF2B5EF4-FFF2-40B4-BE49-F238E27FC236}">
-                <a16:creationId xmlns:a16="http://schemas.microsoft.com/office/drawing/2014/main" xmlns="" id="{44AEA09D-FD0A-4CA0-883D-93E5EAF762D6}"/>
+                <a16:creationId xmlns="" xmlns:a16="http://schemas.microsoft.com/office/drawing/2014/main" id="{44AEA09D-FD0A-4CA0-883D-93E5EAF762D6}"/>
               </a:ext>
             </a:extLst>
           </p:cNvPr>
@@ -18144,7 +18330,7 @@
           <p:cNvPr id="52" name="矩形 51">
             <a:extLst>
               <a:ext uri="{FF2B5EF4-FFF2-40B4-BE49-F238E27FC236}">
-                <a16:creationId xmlns:a16="http://schemas.microsoft.com/office/drawing/2014/main" xmlns="" id="{C2B44424-4CFE-4BA2-9FCF-F0A911E8A749}"/>
+                <a16:creationId xmlns="" xmlns:a16="http://schemas.microsoft.com/office/drawing/2014/main" id="{C2B44424-4CFE-4BA2-9FCF-F0A911E8A749}"/>
               </a:ext>
             </a:extLst>
           </p:cNvPr>
@@ -18298,7 +18484,7 @@
           <p:cNvPr id="55" name="直接箭头连接符 54">
             <a:extLst>
               <a:ext uri="{FF2B5EF4-FFF2-40B4-BE49-F238E27FC236}">
-                <a16:creationId xmlns:a16="http://schemas.microsoft.com/office/drawing/2014/main" xmlns="" id="{EDD84E7C-3200-40E5-A3C0-E57D7F9E754E}"/>
+                <a16:creationId xmlns="" xmlns:a16="http://schemas.microsoft.com/office/drawing/2014/main" id="{EDD84E7C-3200-40E5-A3C0-E57D7F9E754E}"/>
               </a:ext>
             </a:extLst>
           </p:cNvPr>
@@ -18331,7 +18517,7 @@
           <p:cNvPr id="59" name="矩形 58">
             <a:extLst>
               <a:ext uri="{FF2B5EF4-FFF2-40B4-BE49-F238E27FC236}">
-                <a16:creationId xmlns:a16="http://schemas.microsoft.com/office/drawing/2014/main" xmlns="" id="{0FDAD747-108F-4A6D-9220-5EA05067FF1E}"/>
+                <a16:creationId xmlns="" xmlns:a16="http://schemas.microsoft.com/office/drawing/2014/main" id="{0FDAD747-108F-4A6D-9220-5EA05067FF1E}"/>
               </a:ext>
             </a:extLst>
           </p:cNvPr>
@@ -18398,7 +18584,7 @@
           <p:cNvPr id="63" name="直接箭头连接符 62">
             <a:extLst>
               <a:ext uri="{FF2B5EF4-FFF2-40B4-BE49-F238E27FC236}">
-                <a16:creationId xmlns:a16="http://schemas.microsoft.com/office/drawing/2014/main" xmlns="" id="{5A7FC920-9D22-4290-B80F-F4BDC1DE109A}"/>
+                <a16:creationId xmlns="" xmlns:a16="http://schemas.microsoft.com/office/drawing/2014/main" id="{5A7FC920-9D22-4290-B80F-F4BDC1DE109A}"/>
               </a:ext>
             </a:extLst>
           </p:cNvPr>
@@ -18431,7 +18617,7 @@
           <p:cNvPr id="64" name="矩形 63">
             <a:extLst>
               <a:ext uri="{FF2B5EF4-FFF2-40B4-BE49-F238E27FC236}">
-                <a16:creationId xmlns:a16="http://schemas.microsoft.com/office/drawing/2014/main" xmlns="" id="{45B27A13-37E3-4777-9299-E75CAF1F6F9A}"/>
+                <a16:creationId xmlns="" xmlns:a16="http://schemas.microsoft.com/office/drawing/2014/main" id="{45B27A13-37E3-4777-9299-E75CAF1F6F9A}"/>
               </a:ext>
             </a:extLst>
           </p:cNvPr>
@@ -18479,7 +18665,7 @@
           <p:cNvPr id="65" name="图片 64">
             <a:extLst>
               <a:ext uri="{FF2B5EF4-FFF2-40B4-BE49-F238E27FC236}">
-                <a16:creationId xmlns:a16="http://schemas.microsoft.com/office/drawing/2014/main" xmlns="" id="{36569B5B-566F-4C60-9D63-318931B70CA2}"/>
+                <a16:creationId xmlns="" xmlns:a16="http://schemas.microsoft.com/office/drawing/2014/main" id="{36569B5B-566F-4C60-9D63-318931B70CA2}"/>
               </a:ext>
             </a:extLst>
           </p:cNvPr>
@@ -18515,7 +18701,7 @@
           <p:cNvPr id="66" name="矩形 65">
             <a:extLst>
               <a:ext uri="{FF2B5EF4-FFF2-40B4-BE49-F238E27FC236}">
-                <a16:creationId xmlns:a16="http://schemas.microsoft.com/office/drawing/2014/main" xmlns="" id="{2A55BA5B-CE30-435B-95FB-B00B8161E590}"/>
+                <a16:creationId xmlns="" xmlns:a16="http://schemas.microsoft.com/office/drawing/2014/main" id="{2A55BA5B-CE30-435B-95FB-B00B8161E590}"/>
               </a:ext>
             </a:extLst>
           </p:cNvPr>
@@ -18583,7 +18769,7 @@
           <p:cNvPr id="67" name="矩形 66">
             <a:extLst>
               <a:ext uri="{FF2B5EF4-FFF2-40B4-BE49-F238E27FC236}">
-                <a16:creationId xmlns:a16="http://schemas.microsoft.com/office/drawing/2014/main" xmlns="" id="{C2B44424-4CFE-4BA2-9FCF-F0A911E8A749}"/>
+                <a16:creationId xmlns="" xmlns:a16="http://schemas.microsoft.com/office/drawing/2014/main" id="{C2B44424-4CFE-4BA2-9FCF-F0A911E8A749}"/>
               </a:ext>
             </a:extLst>
           </p:cNvPr>
@@ -18661,7 +18847,7 @@
           <p:cNvPr id="73" name="矩形 72">
             <a:extLst>
               <a:ext uri="{FF2B5EF4-FFF2-40B4-BE49-F238E27FC236}">
-                <a16:creationId xmlns:a16="http://schemas.microsoft.com/office/drawing/2014/main" xmlns="" id="{0FDAD747-108F-4A6D-9220-5EA05067FF1E}"/>
+                <a16:creationId xmlns="" xmlns:a16="http://schemas.microsoft.com/office/drawing/2014/main" id="{0FDAD747-108F-4A6D-9220-5EA05067FF1E}"/>
               </a:ext>
             </a:extLst>
           </p:cNvPr>
@@ -18708,7 +18894,7 @@
           <p:cNvPr id="15" name="图片 14">
             <a:extLst>
               <a:ext uri="{FF2B5EF4-FFF2-40B4-BE49-F238E27FC236}">
-                <a16:creationId xmlns:a16="http://schemas.microsoft.com/office/drawing/2014/main" xmlns="" id="{36569B5B-566F-4C60-9D63-318931B70CA2}"/>
+                <a16:creationId xmlns="" xmlns:a16="http://schemas.microsoft.com/office/drawing/2014/main" id="{36569B5B-566F-4C60-9D63-318931B70CA2}"/>
               </a:ext>
             </a:extLst>
           </p:cNvPr>
@@ -18751,7 +18937,7 @@
           <p:cNvPr id="16" name="矩形 13" descr="紫色网格">
             <a:extLst>
               <a:ext uri="{FF2B5EF4-FFF2-40B4-BE49-F238E27FC236}">
-                <a16:creationId xmlns:a16="http://schemas.microsoft.com/office/drawing/2014/main" xmlns="" id="{44AEA09D-FD0A-4CA0-883D-93E5EAF762D6}"/>
+                <a16:creationId xmlns="" xmlns:a16="http://schemas.microsoft.com/office/drawing/2014/main" id="{44AEA09D-FD0A-4CA0-883D-93E5EAF762D6}"/>
               </a:ext>
             </a:extLst>
           </p:cNvPr>
@@ -19157,7 +19343,7 @@
           <p:cNvPr id="12" name="矩形 11">
             <a:extLst>
               <a:ext uri="{FF2B5EF4-FFF2-40B4-BE49-F238E27FC236}">
-                <a16:creationId xmlns:a16="http://schemas.microsoft.com/office/drawing/2014/main" xmlns="" id="{0FDAD747-108F-4A6D-9220-5EA05067FF1E}"/>
+                <a16:creationId xmlns="" xmlns:a16="http://schemas.microsoft.com/office/drawing/2014/main" id="{0FDAD747-108F-4A6D-9220-5EA05067FF1E}"/>
               </a:ext>
             </a:extLst>
           </p:cNvPr>
@@ -19204,7 +19390,7 @@
           <p:cNvPr id="4" name="矩形 3">
             <a:extLst>
               <a:ext uri="{FF2B5EF4-FFF2-40B4-BE49-F238E27FC236}">
-                <a16:creationId xmlns:a16="http://schemas.microsoft.com/office/drawing/2014/main" xmlns="" id="{0FDAD747-108F-4A6D-9220-5EA05067FF1E}"/>
+                <a16:creationId xmlns="" xmlns:a16="http://schemas.microsoft.com/office/drawing/2014/main" id="{0FDAD747-108F-4A6D-9220-5EA05067FF1E}"/>
               </a:ext>
             </a:extLst>
           </p:cNvPr>
@@ -19403,7 +19589,7 @@
           <p:cNvPr id="5" name="矩形 4">
             <a:extLst>
               <a:ext uri="{FF2B5EF4-FFF2-40B4-BE49-F238E27FC236}">
-                <a16:creationId xmlns:a16="http://schemas.microsoft.com/office/drawing/2014/main" xmlns="" id="{AB1DF3D9-EC08-40CA-853D-48B16F99EE56}"/>
+                <a16:creationId xmlns="" xmlns:a16="http://schemas.microsoft.com/office/drawing/2014/main" id="{AB1DF3D9-EC08-40CA-853D-48B16F99EE56}"/>
               </a:ext>
             </a:extLst>
           </p:cNvPr>
@@ -19518,7 +19704,7 @@
           <p:cNvPr id="12" name="矩形 11">
             <a:extLst>
               <a:ext uri="{FF2B5EF4-FFF2-40B4-BE49-F238E27FC236}">
-                <a16:creationId xmlns:a16="http://schemas.microsoft.com/office/drawing/2014/main" xmlns="" id="{0FDAD747-108F-4A6D-9220-5EA05067FF1E}"/>
+                <a16:creationId xmlns="" xmlns:a16="http://schemas.microsoft.com/office/drawing/2014/main" id="{0FDAD747-108F-4A6D-9220-5EA05067FF1E}"/>
               </a:ext>
             </a:extLst>
           </p:cNvPr>
@@ -19565,7 +19751,7 @@
           <p:cNvPr id="6" name="矩形 5">
             <a:extLst>
               <a:ext uri="{FF2B5EF4-FFF2-40B4-BE49-F238E27FC236}">
-                <a16:creationId xmlns:a16="http://schemas.microsoft.com/office/drawing/2014/main" xmlns="" id="{0FDAD747-108F-4A6D-9220-5EA05067FF1E}"/>
+                <a16:creationId xmlns="" xmlns:a16="http://schemas.microsoft.com/office/drawing/2014/main" id="{0FDAD747-108F-4A6D-9220-5EA05067FF1E}"/>
               </a:ext>
             </a:extLst>
           </p:cNvPr>
@@ -19741,7 +19927,7 @@
           <p:cNvPr id="12" name="矩形 11">
             <a:extLst>
               <a:ext uri="{FF2B5EF4-FFF2-40B4-BE49-F238E27FC236}">
-                <a16:creationId xmlns:a16="http://schemas.microsoft.com/office/drawing/2014/main" xmlns="" id="{0FDAD747-108F-4A6D-9220-5EA05067FF1E}"/>
+                <a16:creationId xmlns="" xmlns:a16="http://schemas.microsoft.com/office/drawing/2014/main" id="{0FDAD747-108F-4A6D-9220-5EA05067FF1E}"/>
               </a:ext>
             </a:extLst>
           </p:cNvPr>
@@ -19790,7 +19976,7 @@
               <p:cNvPr id="4" name="矩形 3">
                 <a:extLst>
                   <a:ext uri="{FF2B5EF4-FFF2-40B4-BE49-F238E27FC236}">
-                    <a16:creationId xmlns:a16="http://schemas.microsoft.com/office/drawing/2014/main" xmlns="" id="{0FDAD747-108F-4A6D-9220-5EA05067FF1E}"/>
+                    <a16:creationId xmlns="" xmlns:a16="http://schemas.microsoft.com/office/drawing/2014/main" id="{0FDAD747-108F-4A6D-9220-5EA05067FF1E}"/>
                   </a:ext>
                 </a:extLst>
               </p:cNvPr>
@@ -20139,7 +20325,7 @@
           <p:cNvPr id="6" name="矩形 5">
             <a:extLst>
               <a:ext uri="{FF2B5EF4-FFF2-40B4-BE49-F238E27FC236}">
-                <a16:creationId xmlns:a16="http://schemas.microsoft.com/office/drawing/2014/main" xmlns="" id="{AB1DF3D9-EC08-40CA-853D-48B16F99EE56}"/>
+                <a16:creationId xmlns="" xmlns:a16="http://schemas.microsoft.com/office/drawing/2014/main" id="{AB1DF3D9-EC08-40CA-853D-48B16F99EE56}"/>
               </a:ext>
             </a:extLst>
           </p:cNvPr>
@@ -20231,7 +20417,7 @@
           <p:cNvPr id="12" name="矩形 11">
             <a:extLst>
               <a:ext uri="{FF2B5EF4-FFF2-40B4-BE49-F238E27FC236}">
-                <a16:creationId xmlns:a16="http://schemas.microsoft.com/office/drawing/2014/main" xmlns="" id="{0FDAD747-108F-4A6D-9220-5EA05067FF1E}"/>
+                <a16:creationId xmlns="" xmlns:a16="http://schemas.microsoft.com/office/drawing/2014/main" id="{0FDAD747-108F-4A6D-9220-5EA05067FF1E}"/>
               </a:ext>
             </a:extLst>
           </p:cNvPr>
@@ -20280,7 +20466,7 @@
               <p:cNvPr id="4" name="矩形 3">
                 <a:extLst>
                   <a:ext uri="{FF2B5EF4-FFF2-40B4-BE49-F238E27FC236}">
-                    <a16:creationId xmlns:a16="http://schemas.microsoft.com/office/drawing/2014/main" xmlns="" id="{0FDAD747-108F-4A6D-9220-5EA05067FF1E}"/>
+                    <a16:creationId xmlns="" xmlns:a16="http://schemas.microsoft.com/office/drawing/2014/main" id="{0FDAD747-108F-4A6D-9220-5EA05067FF1E}"/>
                   </a:ext>
                 </a:extLst>
               </p:cNvPr>
@@ -20605,7 +20791,7 @@
           <p:cNvPr id="6" name="矩形 5">
             <a:extLst>
               <a:ext uri="{FF2B5EF4-FFF2-40B4-BE49-F238E27FC236}">
-                <a16:creationId xmlns:a16="http://schemas.microsoft.com/office/drawing/2014/main" xmlns="" id="{AB1DF3D9-EC08-40CA-853D-48B16F99EE56}"/>
+                <a16:creationId xmlns="" xmlns:a16="http://schemas.microsoft.com/office/drawing/2014/main" id="{AB1DF3D9-EC08-40CA-853D-48B16F99EE56}"/>
               </a:ext>
             </a:extLst>
           </p:cNvPr>
@@ -20721,7 +20907,7 @@
           <p:cNvPr id="12" name="矩形 11">
             <a:extLst>
               <a:ext uri="{FF2B5EF4-FFF2-40B4-BE49-F238E27FC236}">
-                <a16:creationId xmlns:a16="http://schemas.microsoft.com/office/drawing/2014/main" xmlns="" id="{0FDAD747-108F-4A6D-9220-5EA05067FF1E}"/>
+                <a16:creationId xmlns="" xmlns:a16="http://schemas.microsoft.com/office/drawing/2014/main" id="{0FDAD747-108F-4A6D-9220-5EA05067FF1E}"/>
               </a:ext>
             </a:extLst>
           </p:cNvPr>
@@ -20768,7 +20954,7 @@
           <p:cNvPr id="4" name="矩形 3">
             <a:extLst>
               <a:ext uri="{FF2B5EF4-FFF2-40B4-BE49-F238E27FC236}">
-                <a16:creationId xmlns:a16="http://schemas.microsoft.com/office/drawing/2014/main" xmlns="" id="{0FDAD747-108F-4A6D-9220-5EA05067FF1E}"/>
+                <a16:creationId xmlns="" xmlns:a16="http://schemas.microsoft.com/office/drawing/2014/main" id="{0FDAD747-108F-4A6D-9220-5EA05067FF1E}"/>
               </a:ext>
             </a:extLst>
           </p:cNvPr>
@@ -20922,7 +21108,7 @@
           <p:cNvPr id="8" name="矩形 7">
             <a:extLst>
               <a:ext uri="{FF2B5EF4-FFF2-40B4-BE49-F238E27FC236}">
-                <a16:creationId xmlns:a16="http://schemas.microsoft.com/office/drawing/2014/main" xmlns="" id="{AB1DF3D9-EC08-40CA-853D-48B16F99EE56}"/>
+                <a16:creationId xmlns="" xmlns:a16="http://schemas.microsoft.com/office/drawing/2014/main" id="{AB1DF3D9-EC08-40CA-853D-48B16F99EE56}"/>
               </a:ext>
             </a:extLst>
           </p:cNvPr>
@@ -21062,7 +21248,7 @@
           <p:cNvPr id="12" name="矩形 11">
             <a:extLst>
               <a:ext uri="{FF2B5EF4-FFF2-40B4-BE49-F238E27FC236}">
-                <a16:creationId xmlns:a16="http://schemas.microsoft.com/office/drawing/2014/main" xmlns="" id="{0FDAD747-108F-4A6D-9220-5EA05067FF1E}"/>
+                <a16:creationId xmlns="" xmlns:a16="http://schemas.microsoft.com/office/drawing/2014/main" id="{0FDAD747-108F-4A6D-9220-5EA05067FF1E}"/>
               </a:ext>
             </a:extLst>
           </p:cNvPr>
@@ -21109,7 +21295,7 @@
           <p:cNvPr id="4" name="矩形 3">
             <a:extLst>
               <a:ext uri="{FF2B5EF4-FFF2-40B4-BE49-F238E27FC236}">
-                <a16:creationId xmlns:a16="http://schemas.microsoft.com/office/drawing/2014/main" xmlns="" id="{0FDAD747-108F-4A6D-9220-5EA05067FF1E}"/>
+                <a16:creationId xmlns="" xmlns:a16="http://schemas.microsoft.com/office/drawing/2014/main" id="{0FDAD747-108F-4A6D-9220-5EA05067FF1E}"/>
               </a:ext>
             </a:extLst>
           </p:cNvPr>
@@ -21234,7 +21420,7 @@
           <p:cNvPr id="6" name="矩形 5">
             <a:extLst>
               <a:ext uri="{FF2B5EF4-FFF2-40B4-BE49-F238E27FC236}">
-                <a16:creationId xmlns:a16="http://schemas.microsoft.com/office/drawing/2014/main" xmlns="" id="{AB1DF3D9-EC08-40CA-853D-48B16F99EE56}"/>
+                <a16:creationId xmlns="" xmlns:a16="http://schemas.microsoft.com/office/drawing/2014/main" id="{AB1DF3D9-EC08-40CA-853D-48B16F99EE56}"/>
               </a:ext>
             </a:extLst>
           </p:cNvPr>
@@ -21373,7 +21559,7 @@
           <p:cNvPr id="12" name="矩形 11">
             <a:extLst>
               <a:ext uri="{FF2B5EF4-FFF2-40B4-BE49-F238E27FC236}">
-                <a16:creationId xmlns:a16="http://schemas.microsoft.com/office/drawing/2014/main" xmlns="" id="{0FDAD747-108F-4A6D-9220-5EA05067FF1E}"/>
+                <a16:creationId xmlns="" xmlns:a16="http://schemas.microsoft.com/office/drawing/2014/main" id="{0FDAD747-108F-4A6D-9220-5EA05067FF1E}"/>
               </a:ext>
             </a:extLst>
           </p:cNvPr>
@@ -21420,7 +21606,7 @@
           <p:cNvPr id="4" name="矩形 3">
             <a:extLst>
               <a:ext uri="{FF2B5EF4-FFF2-40B4-BE49-F238E27FC236}">
-                <a16:creationId xmlns:a16="http://schemas.microsoft.com/office/drawing/2014/main" xmlns="" id="{0FDAD747-108F-4A6D-9220-5EA05067FF1E}"/>
+                <a16:creationId xmlns="" xmlns:a16="http://schemas.microsoft.com/office/drawing/2014/main" id="{0FDAD747-108F-4A6D-9220-5EA05067FF1E}"/>
               </a:ext>
             </a:extLst>
           </p:cNvPr>
@@ -21588,7 +21774,7 @@
           <p:cNvPr id="6" name="矩形 5">
             <a:extLst>
               <a:ext uri="{FF2B5EF4-FFF2-40B4-BE49-F238E27FC236}">
-                <a16:creationId xmlns:a16="http://schemas.microsoft.com/office/drawing/2014/main" xmlns="" id="{AB1DF3D9-EC08-40CA-853D-48B16F99EE56}"/>
+                <a16:creationId xmlns="" xmlns:a16="http://schemas.microsoft.com/office/drawing/2014/main" id="{AB1DF3D9-EC08-40CA-853D-48B16F99EE56}"/>
               </a:ext>
             </a:extLst>
           </p:cNvPr>
@@ -21728,7 +21914,7 @@
           <p:cNvPr id="12" name="矩形 11">
             <a:extLst>
               <a:ext uri="{FF2B5EF4-FFF2-40B4-BE49-F238E27FC236}">
-                <a16:creationId xmlns:a16="http://schemas.microsoft.com/office/drawing/2014/main" xmlns="" id="{0FDAD747-108F-4A6D-9220-5EA05067FF1E}"/>
+                <a16:creationId xmlns="" xmlns:a16="http://schemas.microsoft.com/office/drawing/2014/main" id="{0FDAD747-108F-4A6D-9220-5EA05067FF1E}"/>
               </a:ext>
             </a:extLst>
           </p:cNvPr>
@@ -21775,7 +21961,7 @@
           <p:cNvPr id="6" name="矩形 5">
             <a:extLst>
               <a:ext uri="{FF2B5EF4-FFF2-40B4-BE49-F238E27FC236}">
-                <a16:creationId xmlns:a16="http://schemas.microsoft.com/office/drawing/2014/main" xmlns="" id="{AB1DF3D9-EC08-40CA-853D-48B16F99EE56}"/>
+                <a16:creationId xmlns="" xmlns:a16="http://schemas.microsoft.com/office/drawing/2014/main" id="{AB1DF3D9-EC08-40CA-853D-48B16F99EE56}"/>
               </a:ext>
             </a:extLst>
           </p:cNvPr>
@@ -21915,7 +22101,7 @@
           <p:cNvPr id="12" name="矩形 11">
             <a:extLst>
               <a:ext uri="{FF2B5EF4-FFF2-40B4-BE49-F238E27FC236}">
-                <a16:creationId xmlns:a16="http://schemas.microsoft.com/office/drawing/2014/main" xmlns="" id="{0FDAD747-108F-4A6D-9220-5EA05067FF1E}"/>
+                <a16:creationId xmlns="" xmlns:a16="http://schemas.microsoft.com/office/drawing/2014/main" id="{0FDAD747-108F-4A6D-9220-5EA05067FF1E}"/>
               </a:ext>
             </a:extLst>
           </p:cNvPr>
@@ -21962,7 +22148,7 @@
           <p:cNvPr id="4" name="矩形 3">
             <a:extLst>
               <a:ext uri="{FF2B5EF4-FFF2-40B4-BE49-F238E27FC236}">
-                <a16:creationId xmlns:a16="http://schemas.microsoft.com/office/drawing/2014/main" xmlns="" id="{0FDAD747-108F-4A6D-9220-5EA05067FF1E}"/>
+                <a16:creationId xmlns="" xmlns:a16="http://schemas.microsoft.com/office/drawing/2014/main" id="{0FDAD747-108F-4A6D-9220-5EA05067FF1E}"/>
               </a:ext>
             </a:extLst>
           </p:cNvPr>
@@ -22442,7 +22628,7 @@
           <p:cNvPr id="6" name="矩形 5">
             <a:extLst>
               <a:ext uri="{FF2B5EF4-FFF2-40B4-BE49-F238E27FC236}">
-                <a16:creationId xmlns:a16="http://schemas.microsoft.com/office/drawing/2014/main" xmlns="" id="{AB1DF3D9-EC08-40CA-853D-48B16F99EE56}"/>
+                <a16:creationId xmlns="" xmlns:a16="http://schemas.microsoft.com/office/drawing/2014/main" id="{AB1DF3D9-EC08-40CA-853D-48B16F99EE56}"/>
               </a:ext>
             </a:extLst>
           </p:cNvPr>
@@ -22534,7 +22720,7 @@
           <p:cNvPr id="12" name="矩形 11">
             <a:extLst>
               <a:ext uri="{FF2B5EF4-FFF2-40B4-BE49-F238E27FC236}">
-                <a16:creationId xmlns:a16="http://schemas.microsoft.com/office/drawing/2014/main" xmlns="" id="{0FDAD747-108F-4A6D-9220-5EA05067FF1E}"/>
+                <a16:creationId xmlns="" xmlns:a16="http://schemas.microsoft.com/office/drawing/2014/main" id="{0FDAD747-108F-4A6D-9220-5EA05067FF1E}"/>
               </a:ext>
             </a:extLst>
           </p:cNvPr>
@@ -22613,7 +22799,7 @@
           <p:cNvPr id="14" name="矩形 13">
             <a:extLst>
               <a:ext uri="{FF2B5EF4-FFF2-40B4-BE49-F238E27FC236}">
-                <a16:creationId xmlns:a16="http://schemas.microsoft.com/office/drawing/2014/main" xmlns="" id="{C2B44424-4CFE-4BA2-9FCF-F0A911E8A749}"/>
+                <a16:creationId xmlns="" xmlns:a16="http://schemas.microsoft.com/office/drawing/2014/main" id="{C2B44424-4CFE-4BA2-9FCF-F0A911E8A749}"/>
               </a:ext>
             </a:extLst>
           </p:cNvPr>
@@ -22767,7 +22953,7 @@
           <p:cNvPr id="16" name="直接箭头连接符 15">
             <a:extLst>
               <a:ext uri="{FF2B5EF4-FFF2-40B4-BE49-F238E27FC236}">
-                <a16:creationId xmlns:a16="http://schemas.microsoft.com/office/drawing/2014/main" xmlns="" id="{EDD84E7C-3200-40E5-A3C0-E57D7F9E754E}"/>
+                <a16:creationId xmlns="" xmlns:a16="http://schemas.microsoft.com/office/drawing/2014/main" id="{EDD84E7C-3200-40E5-A3C0-E57D7F9E754E}"/>
               </a:ext>
             </a:extLst>
           </p:cNvPr>
@@ -22800,7 +22986,7 @@
           <p:cNvPr id="17" name="矩形 16">
             <a:extLst>
               <a:ext uri="{FF2B5EF4-FFF2-40B4-BE49-F238E27FC236}">
-                <a16:creationId xmlns:a16="http://schemas.microsoft.com/office/drawing/2014/main" xmlns="" id="{0FDAD747-108F-4A6D-9220-5EA05067FF1E}"/>
+                <a16:creationId xmlns="" xmlns:a16="http://schemas.microsoft.com/office/drawing/2014/main" id="{0FDAD747-108F-4A6D-9220-5EA05067FF1E}"/>
               </a:ext>
             </a:extLst>
           </p:cNvPr>
@@ -22847,7 +23033,7 @@
           <p:cNvPr id="18" name="矩形 17">
             <a:extLst>
               <a:ext uri="{FF2B5EF4-FFF2-40B4-BE49-F238E27FC236}">
-                <a16:creationId xmlns:a16="http://schemas.microsoft.com/office/drawing/2014/main" xmlns="" id="{5CEC9FB1-9CBF-4B7B-A321-DF404030F08B}"/>
+                <a16:creationId xmlns="" xmlns:a16="http://schemas.microsoft.com/office/drawing/2014/main" id="{5CEC9FB1-9CBF-4B7B-A321-DF404030F08B}"/>
               </a:ext>
             </a:extLst>
           </p:cNvPr>
@@ -22933,7 +23119,7 @@
           <p:cNvPr id="19" name="直接箭头连接符 18">
             <a:extLst>
               <a:ext uri="{FF2B5EF4-FFF2-40B4-BE49-F238E27FC236}">
-                <a16:creationId xmlns:a16="http://schemas.microsoft.com/office/drawing/2014/main" xmlns="" id="{5A7FC920-9D22-4290-B80F-F4BDC1DE109A}"/>
+                <a16:creationId xmlns="" xmlns:a16="http://schemas.microsoft.com/office/drawing/2014/main" id="{5A7FC920-9D22-4290-B80F-F4BDC1DE109A}"/>
               </a:ext>
             </a:extLst>
           </p:cNvPr>
@@ -22966,7 +23152,7 @@
           <p:cNvPr id="20" name="矩形 19">
             <a:extLst>
               <a:ext uri="{FF2B5EF4-FFF2-40B4-BE49-F238E27FC236}">
-                <a16:creationId xmlns:a16="http://schemas.microsoft.com/office/drawing/2014/main" xmlns="" id="{45B27A13-37E3-4777-9299-E75CAF1F6F9A}"/>
+                <a16:creationId xmlns="" xmlns:a16="http://schemas.microsoft.com/office/drawing/2014/main" id="{45B27A13-37E3-4777-9299-E75CAF1F6F9A}"/>
               </a:ext>
             </a:extLst>
           </p:cNvPr>
@@ -23014,7 +23200,7 @@
           <p:cNvPr id="21" name="图片 20">
             <a:extLst>
               <a:ext uri="{FF2B5EF4-FFF2-40B4-BE49-F238E27FC236}">
-                <a16:creationId xmlns:a16="http://schemas.microsoft.com/office/drawing/2014/main" xmlns="" id="{36569B5B-566F-4C60-9D63-318931B70CA2}"/>
+                <a16:creationId xmlns="" xmlns:a16="http://schemas.microsoft.com/office/drawing/2014/main" id="{36569B5B-566F-4C60-9D63-318931B70CA2}"/>
               </a:ext>
             </a:extLst>
           </p:cNvPr>
@@ -23050,7 +23236,7 @@
           <p:cNvPr id="22" name="矩形 21">
             <a:extLst>
               <a:ext uri="{FF2B5EF4-FFF2-40B4-BE49-F238E27FC236}">
-                <a16:creationId xmlns:a16="http://schemas.microsoft.com/office/drawing/2014/main" xmlns="" id="{2A55BA5B-CE30-435B-95FB-B00B8161E590}"/>
+                <a16:creationId xmlns="" xmlns:a16="http://schemas.microsoft.com/office/drawing/2014/main" id="{2A55BA5B-CE30-435B-95FB-B00B8161E590}"/>
               </a:ext>
             </a:extLst>
           </p:cNvPr>
@@ -23108,7 +23294,7 @@
           <p:cNvPr id="23" name="矩形 22">
             <a:extLst>
               <a:ext uri="{FF2B5EF4-FFF2-40B4-BE49-F238E27FC236}">
-                <a16:creationId xmlns:a16="http://schemas.microsoft.com/office/drawing/2014/main" xmlns="" id="{C2B44424-4CFE-4BA2-9FCF-F0A911E8A749}"/>
+                <a16:creationId xmlns="" xmlns:a16="http://schemas.microsoft.com/office/drawing/2014/main" id="{C2B44424-4CFE-4BA2-9FCF-F0A911E8A749}"/>
               </a:ext>
             </a:extLst>
           </p:cNvPr>
@@ -23219,7 +23405,7 @@
           <p:cNvPr id="25" name="矩形 24">
             <a:extLst>
               <a:ext uri="{FF2B5EF4-FFF2-40B4-BE49-F238E27FC236}">
-                <a16:creationId xmlns:a16="http://schemas.microsoft.com/office/drawing/2014/main" xmlns="" id="{0FDAD747-108F-4A6D-9220-5EA05067FF1E}"/>
+                <a16:creationId xmlns="" xmlns:a16="http://schemas.microsoft.com/office/drawing/2014/main" id="{0FDAD747-108F-4A6D-9220-5EA05067FF1E}"/>
               </a:ext>
             </a:extLst>
           </p:cNvPr>
@@ -23370,7 +23556,7 @@
           <p:cNvPr id="30" name="矩形 29">
             <a:extLst>
               <a:ext uri="{FF2B5EF4-FFF2-40B4-BE49-F238E27FC236}">
-                <a16:creationId xmlns:a16="http://schemas.microsoft.com/office/drawing/2014/main" xmlns="" id="{2A55BA5B-CE30-435B-95FB-B00B8161E590}"/>
+                <a16:creationId xmlns="" xmlns:a16="http://schemas.microsoft.com/office/drawing/2014/main" id="{2A55BA5B-CE30-435B-95FB-B00B8161E590}"/>
               </a:ext>
             </a:extLst>
           </p:cNvPr>
@@ -23438,7 +23624,7 @@
           <p:cNvPr id="31" name="矩形 30">
             <a:extLst>
               <a:ext uri="{FF2B5EF4-FFF2-40B4-BE49-F238E27FC236}">
-                <a16:creationId xmlns:a16="http://schemas.microsoft.com/office/drawing/2014/main" xmlns="" id="{2A55BA5B-CE30-435B-95FB-B00B8161E590}"/>
+                <a16:creationId xmlns="" xmlns:a16="http://schemas.microsoft.com/office/drawing/2014/main" id="{2A55BA5B-CE30-435B-95FB-B00B8161E590}"/>
               </a:ext>
             </a:extLst>
           </p:cNvPr>
@@ -23546,7 +23732,7 @@
           <p:cNvPr id="33" name="矩形 13" descr="紫色网格">
             <a:extLst>
               <a:ext uri="{FF2B5EF4-FFF2-40B4-BE49-F238E27FC236}">
-                <a16:creationId xmlns:a16="http://schemas.microsoft.com/office/drawing/2014/main" xmlns="" id="{44AEA09D-FD0A-4CA0-883D-93E5EAF762D6}"/>
+                <a16:creationId xmlns="" xmlns:a16="http://schemas.microsoft.com/office/drawing/2014/main" id="{44AEA09D-FD0A-4CA0-883D-93E5EAF762D6}"/>
               </a:ext>
             </a:extLst>
           </p:cNvPr>
@@ -23876,7 +24062,7 @@
           <p:cNvPr id="12" name="矩形 11">
             <a:extLst>
               <a:ext uri="{FF2B5EF4-FFF2-40B4-BE49-F238E27FC236}">
-                <a16:creationId xmlns:a16="http://schemas.microsoft.com/office/drawing/2014/main" xmlns="" id="{0FDAD747-108F-4A6D-9220-5EA05067FF1E}"/>
+                <a16:creationId xmlns="" xmlns:a16="http://schemas.microsoft.com/office/drawing/2014/main" id="{0FDAD747-108F-4A6D-9220-5EA05067FF1E}"/>
               </a:ext>
             </a:extLst>
           </p:cNvPr>
@@ -23923,7 +24109,7 @@
           <p:cNvPr id="4" name="矩形 3">
             <a:extLst>
               <a:ext uri="{FF2B5EF4-FFF2-40B4-BE49-F238E27FC236}">
-                <a16:creationId xmlns:a16="http://schemas.microsoft.com/office/drawing/2014/main" xmlns="" id="{0FDAD747-108F-4A6D-9220-5EA05067FF1E}"/>
+                <a16:creationId xmlns="" xmlns:a16="http://schemas.microsoft.com/office/drawing/2014/main" id="{0FDAD747-108F-4A6D-9220-5EA05067FF1E}"/>
               </a:ext>
             </a:extLst>
           </p:cNvPr>
@@ -24072,7 +24258,7 @@
           <p:cNvPr id="6" name="矩形 5">
             <a:extLst>
               <a:ext uri="{FF2B5EF4-FFF2-40B4-BE49-F238E27FC236}">
-                <a16:creationId xmlns:a16="http://schemas.microsoft.com/office/drawing/2014/main" xmlns="" id="{AB1DF3D9-EC08-40CA-853D-48B16F99EE56}"/>
+                <a16:creationId xmlns="" xmlns:a16="http://schemas.microsoft.com/office/drawing/2014/main" id="{AB1DF3D9-EC08-40CA-853D-48B16F99EE56}"/>
               </a:ext>
             </a:extLst>
           </p:cNvPr>
@@ -24248,7 +24434,7 @@
           <p:cNvPr id="12" name="矩形 11">
             <a:extLst>
               <a:ext uri="{FF2B5EF4-FFF2-40B4-BE49-F238E27FC236}">
-                <a16:creationId xmlns:a16="http://schemas.microsoft.com/office/drawing/2014/main" xmlns="" id="{0FDAD747-108F-4A6D-9220-5EA05067FF1E}"/>
+                <a16:creationId xmlns="" xmlns:a16="http://schemas.microsoft.com/office/drawing/2014/main" id="{0FDAD747-108F-4A6D-9220-5EA05067FF1E}"/>
               </a:ext>
             </a:extLst>
           </p:cNvPr>
@@ -24295,7 +24481,7 @@
           <p:cNvPr id="4" name="矩形 3">
             <a:extLst>
               <a:ext uri="{FF2B5EF4-FFF2-40B4-BE49-F238E27FC236}">
-                <a16:creationId xmlns:a16="http://schemas.microsoft.com/office/drawing/2014/main" xmlns="" id="{0FDAD747-108F-4A6D-9220-5EA05067FF1E}"/>
+                <a16:creationId xmlns="" xmlns:a16="http://schemas.microsoft.com/office/drawing/2014/main" id="{0FDAD747-108F-4A6D-9220-5EA05067FF1E}"/>
               </a:ext>
             </a:extLst>
           </p:cNvPr>
@@ -24614,7 +24800,7 @@
           <p:cNvPr id="26" name="矩形 25" descr="紫色网格">
             <a:extLst>
               <a:ext uri="{FF2B5EF4-FFF2-40B4-BE49-F238E27FC236}">
-                <a16:creationId xmlns:a16="http://schemas.microsoft.com/office/drawing/2014/main" xmlns="" id="{44AEA09D-FD0A-4CA0-883D-93E5EAF762D6}"/>
+                <a16:creationId xmlns="" xmlns:a16="http://schemas.microsoft.com/office/drawing/2014/main" id="{44AEA09D-FD0A-4CA0-883D-93E5EAF762D6}"/>
               </a:ext>
             </a:extLst>
           </p:cNvPr>
@@ -24827,7 +25013,7 @@
           <p:cNvPr id="12" name="矩形 11">
             <a:extLst>
               <a:ext uri="{FF2B5EF4-FFF2-40B4-BE49-F238E27FC236}">
-                <a16:creationId xmlns:a16="http://schemas.microsoft.com/office/drawing/2014/main" xmlns="" id="{0FDAD747-108F-4A6D-9220-5EA05067FF1E}"/>
+                <a16:creationId xmlns="" xmlns:a16="http://schemas.microsoft.com/office/drawing/2014/main" id="{0FDAD747-108F-4A6D-9220-5EA05067FF1E}"/>
               </a:ext>
             </a:extLst>
           </p:cNvPr>
@@ -24887,7 +25073,7 @@
           <p:cNvPr id="11" name="矩形 10">
             <a:extLst>
               <a:ext uri="{FF2B5EF4-FFF2-40B4-BE49-F238E27FC236}">
-                <a16:creationId xmlns:a16="http://schemas.microsoft.com/office/drawing/2014/main" xmlns="" id="{C2B44424-4CFE-4BA2-9FCF-F0A911E8A749}"/>
+                <a16:creationId xmlns="" xmlns:a16="http://schemas.microsoft.com/office/drawing/2014/main" id="{C2B44424-4CFE-4BA2-9FCF-F0A911E8A749}"/>
               </a:ext>
             </a:extLst>
           </p:cNvPr>
@@ -24986,7 +25172,7 @@
           <p:cNvPr id="13" name="直接箭头连接符 12">
             <a:extLst>
               <a:ext uri="{FF2B5EF4-FFF2-40B4-BE49-F238E27FC236}">
-                <a16:creationId xmlns:a16="http://schemas.microsoft.com/office/drawing/2014/main" xmlns="" id="{EDD84E7C-3200-40E5-A3C0-E57D7F9E754E}"/>
+                <a16:creationId xmlns="" xmlns:a16="http://schemas.microsoft.com/office/drawing/2014/main" id="{EDD84E7C-3200-40E5-A3C0-E57D7F9E754E}"/>
               </a:ext>
             </a:extLst>
           </p:cNvPr>
@@ -25019,7 +25205,7 @@
           <p:cNvPr id="14" name="矩形 13">
             <a:extLst>
               <a:ext uri="{FF2B5EF4-FFF2-40B4-BE49-F238E27FC236}">
-                <a16:creationId xmlns:a16="http://schemas.microsoft.com/office/drawing/2014/main" xmlns="" id="{0FDAD747-108F-4A6D-9220-5EA05067FF1E}"/>
+                <a16:creationId xmlns="" xmlns:a16="http://schemas.microsoft.com/office/drawing/2014/main" id="{0FDAD747-108F-4A6D-9220-5EA05067FF1E}"/>
               </a:ext>
             </a:extLst>
           </p:cNvPr>
@@ -25107,7 +25293,7 @@
           <p:cNvPr id="15" name="矩形 14">
             <a:extLst>
               <a:ext uri="{FF2B5EF4-FFF2-40B4-BE49-F238E27FC236}">
-                <a16:creationId xmlns:a16="http://schemas.microsoft.com/office/drawing/2014/main" xmlns="" id="{5CEC9FB1-9CBF-4B7B-A321-DF404030F08B}"/>
+                <a16:creationId xmlns="" xmlns:a16="http://schemas.microsoft.com/office/drawing/2014/main" id="{5CEC9FB1-9CBF-4B7B-A321-DF404030F08B}"/>
               </a:ext>
             </a:extLst>
           </p:cNvPr>
@@ -25193,7 +25379,7 @@
           <p:cNvPr id="16" name="直接箭头连接符 15">
             <a:extLst>
               <a:ext uri="{FF2B5EF4-FFF2-40B4-BE49-F238E27FC236}">
-                <a16:creationId xmlns:a16="http://schemas.microsoft.com/office/drawing/2014/main" xmlns="" id="{5A7FC920-9D22-4290-B80F-F4BDC1DE109A}"/>
+                <a16:creationId xmlns="" xmlns:a16="http://schemas.microsoft.com/office/drawing/2014/main" id="{5A7FC920-9D22-4290-B80F-F4BDC1DE109A}"/>
               </a:ext>
             </a:extLst>
           </p:cNvPr>
@@ -25226,7 +25412,7 @@
           <p:cNvPr id="19" name="矩形 18">
             <a:extLst>
               <a:ext uri="{FF2B5EF4-FFF2-40B4-BE49-F238E27FC236}">
-                <a16:creationId xmlns:a16="http://schemas.microsoft.com/office/drawing/2014/main" xmlns="" id="{2A55BA5B-CE30-435B-95FB-B00B8161E590}"/>
+                <a16:creationId xmlns="" xmlns:a16="http://schemas.microsoft.com/office/drawing/2014/main" id="{2A55BA5B-CE30-435B-95FB-B00B8161E590}"/>
               </a:ext>
             </a:extLst>
           </p:cNvPr>
@@ -25284,7 +25470,7 @@
           <p:cNvPr id="23" name="矩形 22">
             <a:extLst>
               <a:ext uri="{FF2B5EF4-FFF2-40B4-BE49-F238E27FC236}">
-                <a16:creationId xmlns:a16="http://schemas.microsoft.com/office/drawing/2014/main" xmlns="" id="{C2B44424-4CFE-4BA2-9FCF-F0A911E8A749}"/>
+                <a16:creationId xmlns="" xmlns:a16="http://schemas.microsoft.com/office/drawing/2014/main" id="{C2B44424-4CFE-4BA2-9FCF-F0A911E8A749}"/>
               </a:ext>
             </a:extLst>
           </p:cNvPr>
@@ -25368,7 +25554,7 @@
           <p:cNvPr id="24" name="矩形 23">
             <a:extLst>
               <a:ext uri="{FF2B5EF4-FFF2-40B4-BE49-F238E27FC236}">
-                <a16:creationId xmlns:a16="http://schemas.microsoft.com/office/drawing/2014/main" xmlns="" id="{0FDAD747-108F-4A6D-9220-5EA05067FF1E}"/>
+                <a16:creationId xmlns="" xmlns:a16="http://schemas.microsoft.com/office/drawing/2014/main" id="{0FDAD747-108F-4A6D-9220-5EA05067FF1E}"/>
               </a:ext>
             </a:extLst>
           </p:cNvPr>
@@ -25476,7 +25662,7 @@
           <p:cNvPr id="25" name="矩形 24" descr="紫色网格">
             <a:extLst>
               <a:ext uri="{FF2B5EF4-FFF2-40B4-BE49-F238E27FC236}">
-                <a16:creationId xmlns:a16="http://schemas.microsoft.com/office/drawing/2014/main" xmlns="" id="{44AEA09D-FD0A-4CA0-883D-93E5EAF762D6}"/>
+                <a16:creationId xmlns="" xmlns:a16="http://schemas.microsoft.com/office/drawing/2014/main" id="{44AEA09D-FD0A-4CA0-883D-93E5EAF762D6}"/>
               </a:ext>
             </a:extLst>
           </p:cNvPr>
@@ -25640,7 +25826,7 @@
           <p:cNvPr id="27" name="矩形 26" descr="紫色网格">
             <a:extLst>
               <a:ext uri="{FF2B5EF4-FFF2-40B4-BE49-F238E27FC236}">
-                <a16:creationId xmlns:a16="http://schemas.microsoft.com/office/drawing/2014/main" xmlns="" id="{44AEA09D-FD0A-4CA0-883D-93E5EAF762D6}"/>
+                <a16:creationId xmlns="" xmlns:a16="http://schemas.microsoft.com/office/drawing/2014/main" id="{44AEA09D-FD0A-4CA0-883D-93E5EAF762D6}"/>
               </a:ext>
             </a:extLst>
           </p:cNvPr>
@@ -25849,7 +26035,7 @@
           <p:cNvPr id="28" name="矩形 27" descr="紫色网格">
             <a:extLst>
               <a:ext uri="{FF2B5EF4-FFF2-40B4-BE49-F238E27FC236}">
-                <a16:creationId xmlns:a16="http://schemas.microsoft.com/office/drawing/2014/main" xmlns="" id="{44AEA09D-FD0A-4CA0-883D-93E5EAF762D6}"/>
+                <a16:creationId xmlns="" xmlns:a16="http://schemas.microsoft.com/office/drawing/2014/main" id="{44AEA09D-FD0A-4CA0-883D-93E5EAF762D6}"/>
               </a:ext>
             </a:extLst>
           </p:cNvPr>
@@ -26024,7 +26210,7 @@
           <p:cNvPr id="29" name="矩形 28" descr="紫色网格">
             <a:extLst>
               <a:ext uri="{FF2B5EF4-FFF2-40B4-BE49-F238E27FC236}">
-                <a16:creationId xmlns:a16="http://schemas.microsoft.com/office/drawing/2014/main" xmlns="" id="{44AEA09D-FD0A-4CA0-883D-93E5EAF762D6}"/>
+                <a16:creationId xmlns="" xmlns:a16="http://schemas.microsoft.com/office/drawing/2014/main" id="{44AEA09D-FD0A-4CA0-883D-93E5EAF762D6}"/>
               </a:ext>
             </a:extLst>
           </p:cNvPr>
@@ -26249,7 +26435,7 @@
           <p:cNvPr id="30" name="矩形 29" descr="紫色网格">
             <a:extLst>
               <a:ext uri="{FF2B5EF4-FFF2-40B4-BE49-F238E27FC236}">
-                <a16:creationId xmlns:a16="http://schemas.microsoft.com/office/drawing/2014/main" xmlns="" id="{44AEA09D-FD0A-4CA0-883D-93E5EAF762D6}"/>
+                <a16:creationId xmlns="" xmlns:a16="http://schemas.microsoft.com/office/drawing/2014/main" id="{44AEA09D-FD0A-4CA0-883D-93E5EAF762D6}"/>
               </a:ext>
             </a:extLst>
           </p:cNvPr>
@@ -26450,7 +26636,7 @@
           <p:cNvPr id="12" name="矩形 11">
             <a:extLst>
               <a:ext uri="{FF2B5EF4-FFF2-40B4-BE49-F238E27FC236}">
-                <a16:creationId xmlns:a16="http://schemas.microsoft.com/office/drawing/2014/main" xmlns="" id="{0FDAD747-108F-4A6D-9220-5EA05067FF1E}"/>
+                <a16:creationId xmlns="" xmlns:a16="http://schemas.microsoft.com/office/drawing/2014/main" id="{0FDAD747-108F-4A6D-9220-5EA05067FF1E}"/>
               </a:ext>
             </a:extLst>
           </p:cNvPr>
@@ -26510,7 +26696,7 @@
           <p:cNvPr id="4" name="矩形 3">
             <a:extLst>
               <a:ext uri="{FF2B5EF4-FFF2-40B4-BE49-F238E27FC236}">
-                <a16:creationId xmlns:a16="http://schemas.microsoft.com/office/drawing/2014/main" xmlns="" id="{0FDAD747-108F-4A6D-9220-5EA05067FF1E}"/>
+                <a16:creationId xmlns="" xmlns:a16="http://schemas.microsoft.com/office/drawing/2014/main" id="{0FDAD747-108F-4A6D-9220-5EA05067FF1E}"/>
               </a:ext>
             </a:extLst>
           </p:cNvPr>
@@ -26754,7 +26940,7 @@
           <p:cNvPr id="5" name="矩形 4" descr="紫色网格">
             <a:extLst>
               <a:ext uri="{FF2B5EF4-FFF2-40B4-BE49-F238E27FC236}">
-                <a16:creationId xmlns:a16="http://schemas.microsoft.com/office/drawing/2014/main" xmlns="" id="{44AEA09D-FD0A-4CA0-883D-93E5EAF762D6}"/>
+                <a16:creationId xmlns="" xmlns:a16="http://schemas.microsoft.com/office/drawing/2014/main" id="{44AEA09D-FD0A-4CA0-883D-93E5EAF762D6}"/>
               </a:ext>
             </a:extLst>
           </p:cNvPr>
@@ -27047,7 +27233,7 @@
           <p:cNvPr id="6" name="矩形 5" descr="紫色网格">
             <a:extLst>
               <a:ext uri="{FF2B5EF4-FFF2-40B4-BE49-F238E27FC236}">
-                <a16:creationId xmlns:a16="http://schemas.microsoft.com/office/drawing/2014/main" xmlns="" id="{44AEA09D-FD0A-4CA0-883D-93E5EAF762D6}"/>
+                <a16:creationId xmlns="" xmlns:a16="http://schemas.microsoft.com/office/drawing/2014/main" id="{44AEA09D-FD0A-4CA0-883D-93E5EAF762D6}"/>
               </a:ext>
             </a:extLst>
           </p:cNvPr>
@@ -27348,7 +27534,7 @@
           <p:cNvPr id="7" name="矩形 6" descr="紫色网格">
             <a:extLst>
               <a:ext uri="{FF2B5EF4-FFF2-40B4-BE49-F238E27FC236}">
-                <a16:creationId xmlns:a16="http://schemas.microsoft.com/office/drawing/2014/main" xmlns="" id="{44AEA09D-FD0A-4CA0-883D-93E5EAF762D6}"/>
+                <a16:creationId xmlns="" xmlns:a16="http://schemas.microsoft.com/office/drawing/2014/main" id="{44AEA09D-FD0A-4CA0-883D-93E5EAF762D6}"/>
               </a:ext>
             </a:extLst>
           </p:cNvPr>
@@ -27558,7 +27744,7 @@
           <p:cNvPr id="8" name="矩形 7" descr="紫色网格">
             <a:extLst>
               <a:ext uri="{FF2B5EF4-FFF2-40B4-BE49-F238E27FC236}">
-                <a16:creationId xmlns:a16="http://schemas.microsoft.com/office/drawing/2014/main" xmlns="" id="{44AEA09D-FD0A-4CA0-883D-93E5EAF762D6}"/>
+                <a16:creationId xmlns="" xmlns:a16="http://schemas.microsoft.com/office/drawing/2014/main" id="{44AEA09D-FD0A-4CA0-883D-93E5EAF762D6}"/>
               </a:ext>
             </a:extLst>
           </p:cNvPr>
@@ -27757,7 +27943,7 @@
           <p:cNvPr id="9" name="矩形 8" descr="紫色网格">
             <a:extLst>
               <a:ext uri="{FF2B5EF4-FFF2-40B4-BE49-F238E27FC236}">
-                <a16:creationId xmlns:a16="http://schemas.microsoft.com/office/drawing/2014/main" xmlns="" id="{44AEA09D-FD0A-4CA0-883D-93E5EAF762D6}"/>
+                <a16:creationId xmlns="" xmlns:a16="http://schemas.microsoft.com/office/drawing/2014/main" id="{44AEA09D-FD0A-4CA0-883D-93E5EAF762D6}"/>
               </a:ext>
             </a:extLst>
           </p:cNvPr>
@@ -27993,7 +28179,7 @@
           <p:cNvPr id="12" name="矩形 11">
             <a:extLst>
               <a:ext uri="{FF2B5EF4-FFF2-40B4-BE49-F238E27FC236}">
-                <a16:creationId xmlns:a16="http://schemas.microsoft.com/office/drawing/2014/main" xmlns="" id="{0FDAD747-108F-4A6D-9220-5EA05067FF1E}"/>
+                <a16:creationId xmlns="" xmlns:a16="http://schemas.microsoft.com/office/drawing/2014/main" id="{0FDAD747-108F-4A6D-9220-5EA05067FF1E}"/>
               </a:ext>
             </a:extLst>
           </p:cNvPr>
@@ -28053,7 +28239,7 @@
           <p:cNvPr id="4" name="矩形 3">
             <a:extLst>
               <a:ext uri="{FF2B5EF4-FFF2-40B4-BE49-F238E27FC236}">
-                <a16:creationId xmlns:a16="http://schemas.microsoft.com/office/drawing/2014/main" xmlns="" id="{0FDAD747-108F-4A6D-9220-5EA05067FF1E}"/>
+                <a16:creationId xmlns="" xmlns:a16="http://schemas.microsoft.com/office/drawing/2014/main" id="{0FDAD747-108F-4A6D-9220-5EA05067FF1E}"/>
               </a:ext>
             </a:extLst>
           </p:cNvPr>
@@ -28424,7 +28610,7 @@
           <p:cNvPr id="12" name="矩形 11">
             <a:extLst>
               <a:ext uri="{FF2B5EF4-FFF2-40B4-BE49-F238E27FC236}">
-                <a16:creationId xmlns:a16="http://schemas.microsoft.com/office/drawing/2014/main" xmlns="" id="{0FDAD747-108F-4A6D-9220-5EA05067FF1E}"/>
+                <a16:creationId xmlns="" xmlns:a16="http://schemas.microsoft.com/office/drawing/2014/main" id="{0FDAD747-108F-4A6D-9220-5EA05067FF1E}"/>
               </a:ext>
             </a:extLst>
           </p:cNvPr>
@@ -28494,42 +28680,42 @@
                 <a:gridCol w="1879600">
                   <a:extLst>
                     <a:ext uri="{9D8B030D-6E8A-4147-A177-3AD203B41FA5}">
-                      <a16:colId xmlns:a16="http://schemas.microsoft.com/office/drawing/2014/main" xmlns="" val="20000"/>
+                      <a16:colId xmlns="" xmlns:a16="http://schemas.microsoft.com/office/drawing/2014/main" val="20000"/>
                     </a:ext>
                   </a:extLst>
                 </a:gridCol>
                 <a:gridCol w="1879600">
                   <a:extLst>
                     <a:ext uri="{9D8B030D-6E8A-4147-A177-3AD203B41FA5}">
-                      <a16:colId xmlns:a16="http://schemas.microsoft.com/office/drawing/2014/main" xmlns="" val="20001"/>
+                      <a16:colId xmlns="" xmlns:a16="http://schemas.microsoft.com/office/drawing/2014/main" val="20001"/>
                     </a:ext>
                   </a:extLst>
                 </a:gridCol>
                 <a:gridCol w="1879600">
                   <a:extLst>
                     <a:ext uri="{9D8B030D-6E8A-4147-A177-3AD203B41FA5}">
-                      <a16:colId xmlns:a16="http://schemas.microsoft.com/office/drawing/2014/main" xmlns="" val="20002"/>
+                      <a16:colId xmlns="" xmlns:a16="http://schemas.microsoft.com/office/drawing/2014/main" val="20002"/>
                     </a:ext>
                   </a:extLst>
                 </a:gridCol>
                 <a:gridCol w="1879600">
                   <a:extLst>
                     <a:ext uri="{9D8B030D-6E8A-4147-A177-3AD203B41FA5}">
-                      <a16:colId xmlns:a16="http://schemas.microsoft.com/office/drawing/2014/main" xmlns="" val="20003"/>
+                      <a16:colId xmlns="" xmlns:a16="http://schemas.microsoft.com/office/drawing/2014/main" val="20003"/>
                     </a:ext>
                   </a:extLst>
                 </a:gridCol>
                 <a:gridCol w="1879600">
                   <a:extLst>
                     <a:ext uri="{9D8B030D-6E8A-4147-A177-3AD203B41FA5}">
-                      <a16:colId xmlns:a16="http://schemas.microsoft.com/office/drawing/2014/main" xmlns="" val="20004"/>
+                      <a16:colId xmlns="" xmlns:a16="http://schemas.microsoft.com/office/drawing/2014/main" val="20004"/>
                     </a:ext>
                   </a:extLst>
                 </a:gridCol>
                 <a:gridCol w="1879600">
                   <a:extLst>
                     <a:ext uri="{9D8B030D-6E8A-4147-A177-3AD203B41FA5}">
-                      <a16:colId xmlns:a16="http://schemas.microsoft.com/office/drawing/2014/main" xmlns="" val="20005"/>
+                      <a16:colId xmlns="" xmlns:a16="http://schemas.microsoft.com/office/drawing/2014/main" val="20005"/>
                     </a:ext>
                   </a:extLst>
                 </a:gridCol>
@@ -28676,7 +28862,7 @@
                 </a:tc>
                 <a:extLst>
                   <a:ext uri="{0D108BD9-81ED-4DB2-BD59-A6C34878D82A}">
-                    <a16:rowId xmlns:a16="http://schemas.microsoft.com/office/drawing/2014/main" xmlns="" val="10000"/>
+                    <a16:rowId xmlns="" xmlns:a16="http://schemas.microsoft.com/office/drawing/2014/main" val="10000"/>
                   </a:ext>
                 </a:extLst>
               </a:tr>
@@ -28781,7 +28967,7 @@
                 </a:tc>
                 <a:extLst>
                   <a:ext uri="{0D108BD9-81ED-4DB2-BD59-A6C34878D82A}">
-                    <a16:rowId xmlns:a16="http://schemas.microsoft.com/office/drawing/2014/main" xmlns="" val="10001"/>
+                    <a16:rowId xmlns="" xmlns:a16="http://schemas.microsoft.com/office/drawing/2014/main" val="10001"/>
                   </a:ext>
                 </a:extLst>
               </a:tr>
@@ -28879,7 +29065,7 @@
                 </a:tc>
                 <a:extLst>
                   <a:ext uri="{0D108BD9-81ED-4DB2-BD59-A6C34878D82A}">
-                    <a16:rowId xmlns:a16="http://schemas.microsoft.com/office/drawing/2014/main" xmlns="" val="10002"/>
+                    <a16:rowId xmlns="" xmlns:a16="http://schemas.microsoft.com/office/drawing/2014/main" val="10002"/>
                   </a:ext>
                 </a:extLst>
               </a:tr>
@@ -28977,7 +29163,7 @@
                 </a:tc>
                 <a:extLst>
                   <a:ext uri="{0D108BD9-81ED-4DB2-BD59-A6C34878D82A}">
-                    <a16:rowId xmlns:a16="http://schemas.microsoft.com/office/drawing/2014/main" xmlns="" val="10003"/>
+                    <a16:rowId xmlns="" xmlns:a16="http://schemas.microsoft.com/office/drawing/2014/main" val="10003"/>
                   </a:ext>
                 </a:extLst>
               </a:tr>
@@ -29075,7 +29261,7 @@
                 </a:tc>
                 <a:extLst>
                   <a:ext uri="{0D108BD9-81ED-4DB2-BD59-A6C34878D82A}">
-                    <a16:rowId xmlns:a16="http://schemas.microsoft.com/office/drawing/2014/main" xmlns="" val="10004"/>
+                    <a16:rowId xmlns="" xmlns:a16="http://schemas.microsoft.com/office/drawing/2014/main" val="10004"/>
                   </a:ext>
                 </a:extLst>
               </a:tr>
@@ -29180,7 +29366,7 @@
                 </a:tc>
                 <a:extLst>
                   <a:ext uri="{0D108BD9-81ED-4DB2-BD59-A6C34878D82A}">
-                    <a16:rowId xmlns:a16="http://schemas.microsoft.com/office/drawing/2014/main" xmlns="" val="10005"/>
+                    <a16:rowId xmlns="" xmlns:a16="http://schemas.microsoft.com/office/drawing/2014/main" val="10005"/>
                   </a:ext>
                 </a:extLst>
               </a:tr>
@@ -29278,7 +29464,7 @@
                 </a:tc>
                 <a:extLst>
                   <a:ext uri="{0D108BD9-81ED-4DB2-BD59-A6C34878D82A}">
-                    <a16:rowId xmlns:a16="http://schemas.microsoft.com/office/drawing/2014/main" xmlns="" val="10006"/>
+                    <a16:rowId xmlns="" xmlns:a16="http://schemas.microsoft.com/office/drawing/2014/main" val="10006"/>
                   </a:ext>
                 </a:extLst>
               </a:tr>
@@ -29376,7 +29562,7 @@
                 </a:tc>
                 <a:extLst>
                   <a:ext uri="{0D108BD9-81ED-4DB2-BD59-A6C34878D82A}">
-                    <a16:rowId xmlns:a16="http://schemas.microsoft.com/office/drawing/2014/main" xmlns="" val="10007"/>
+                    <a16:rowId xmlns="" xmlns:a16="http://schemas.microsoft.com/office/drawing/2014/main" val="10007"/>
                   </a:ext>
                 </a:extLst>
               </a:tr>
@@ -29474,7 +29660,7 @@
                 </a:tc>
                 <a:extLst>
                   <a:ext uri="{0D108BD9-81ED-4DB2-BD59-A6C34878D82A}">
-                    <a16:rowId xmlns:a16="http://schemas.microsoft.com/office/drawing/2014/main" xmlns="" val="10008"/>
+                    <a16:rowId xmlns="" xmlns:a16="http://schemas.microsoft.com/office/drawing/2014/main" val="10008"/>
                   </a:ext>
                 </a:extLst>
               </a:tr>
@@ -29487,7 +29673,7 @@
           <p:cNvPr id="10" name="矩形 9" descr="紫色网格">
             <a:extLst>
               <a:ext uri="{FF2B5EF4-FFF2-40B4-BE49-F238E27FC236}">
-                <a16:creationId xmlns:a16="http://schemas.microsoft.com/office/drawing/2014/main" xmlns="" id="{44AEA09D-FD0A-4CA0-883D-93E5EAF762D6}"/>
+                <a16:creationId xmlns="" xmlns:a16="http://schemas.microsoft.com/office/drawing/2014/main" id="{44AEA09D-FD0A-4CA0-883D-93E5EAF762D6}"/>
               </a:ext>
             </a:extLst>
           </p:cNvPr>
@@ -29701,7 +29887,7 @@
           <p:cNvPr id="12" name="矩形 11">
             <a:extLst>
               <a:ext uri="{FF2B5EF4-FFF2-40B4-BE49-F238E27FC236}">
-                <a16:creationId xmlns:a16="http://schemas.microsoft.com/office/drawing/2014/main" xmlns="" id="{0FDAD747-108F-4A6D-9220-5EA05067FF1E}"/>
+                <a16:creationId xmlns="" xmlns:a16="http://schemas.microsoft.com/office/drawing/2014/main" id="{0FDAD747-108F-4A6D-9220-5EA05067FF1E}"/>
               </a:ext>
             </a:extLst>
           </p:cNvPr>
@@ -29768,7 +29954,7 @@
           <p:cNvPr id="4" name="矩形 3">
             <a:extLst>
               <a:ext uri="{FF2B5EF4-FFF2-40B4-BE49-F238E27FC236}">
-                <a16:creationId xmlns:a16="http://schemas.microsoft.com/office/drawing/2014/main" xmlns="" id="{0FDAD747-108F-4A6D-9220-5EA05067FF1E}"/>
+                <a16:creationId xmlns="" xmlns:a16="http://schemas.microsoft.com/office/drawing/2014/main" id="{0FDAD747-108F-4A6D-9220-5EA05067FF1E}"/>
               </a:ext>
             </a:extLst>
           </p:cNvPr>
@@ -30138,7 +30324,7 @@
           <p:cNvPr id="12" name="矩形 11">
             <a:extLst>
               <a:ext uri="{FF2B5EF4-FFF2-40B4-BE49-F238E27FC236}">
-                <a16:creationId xmlns:a16="http://schemas.microsoft.com/office/drawing/2014/main" xmlns="" id="{0FDAD747-108F-4A6D-9220-5EA05067FF1E}"/>
+                <a16:creationId xmlns="" xmlns:a16="http://schemas.microsoft.com/office/drawing/2014/main" id="{0FDAD747-108F-4A6D-9220-5EA05067FF1E}"/>
               </a:ext>
             </a:extLst>
           </p:cNvPr>
@@ -30217,7 +30403,7 @@
           <p:cNvPr id="14" name="矩形 13">
             <a:extLst>
               <a:ext uri="{FF2B5EF4-FFF2-40B4-BE49-F238E27FC236}">
-                <a16:creationId xmlns:a16="http://schemas.microsoft.com/office/drawing/2014/main" xmlns="" id="{C2B44424-4CFE-4BA2-9FCF-F0A911E8A749}"/>
+                <a16:creationId xmlns="" xmlns:a16="http://schemas.microsoft.com/office/drawing/2014/main" id="{C2B44424-4CFE-4BA2-9FCF-F0A911E8A749}"/>
               </a:ext>
             </a:extLst>
           </p:cNvPr>
@@ -30371,7 +30557,7 @@
           <p:cNvPr id="16" name="直接箭头连接符 15">
             <a:extLst>
               <a:ext uri="{FF2B5EF4-FFF2-40B4-BE49-F238E27FC236}">
-                <a16:creationId xmlns:a16="http://schemas.microsoft.com/office/drawing/2014/main" xmlns="" id="{EDD84E7C-3200-40E5-A3C0-E57D7F9E754E}"/>
+                <a16:creationId xmlns="" xmlns:a16="http://schemas.microsoft.com/office/drawing/2014/main" id="{EDD84E7C-3200-40E5-A3C0-E57D7F9E754E}"/>
               </a:ext>
             </a:extLst>
           </p:cNvPr>
@@ -30404,7 +30590,7 @@
           <p:cNvPr id="17" name="矩形 16">
             <a:extLst>
               <a:ext uri="{FF2B5EF4-FFF2-40B4-BE49-F238E27FC236}">
-                <a16:creationId xmlns:a16="http://schemas.microsoft.com/office/drawing/2014/main" xmlns="" id="{0FDAD747-108F-4A6D-9220-5EA05067FF1E}"/>
+                <a16:creationId xmlns="" xmlns:a16="http://schemas.microsoft.com/office/drawing/2014/main" id="{0FDAD747-108F-4A6D-9220-5EA05067FF1E}"/>
               </a:ext>
             </a:extLst>
           </p:cNvPr>
@@ -30451,7 +30637,7 @@
           <p:cNvPr id="18" name="矩形 17">
             <a:extLst>
               <a:ext uri="{FF2B5EF4-FFF2-40B4-BE49-F238E27FC236}">
-                <a16:creationId xmlns:a16="http://schemas.microsoft.com/office/drawing/2014/main" xmlns="" id="{5CEC9FB1-9CBF-4B7B-A321-DF404030F08B}"/>
+                <a16:creationId xmlns="" xmlns:a16="http://schemas.microsoft.com/office/drawing/2014/main" id="{5CEC9FB1-9CBF-4B7B-A321-DF404030F08B}"/>
               </a:ext>
             </a:extLst>
           </p:cNvPr>
@@ -30537,7 +30723,7 @@
           <p:cNvPr id="19" name="直接箭头连接符 18">
             <a:extLst>
               <a:ext uri="{FF2B5EF4-FFF2-40B4-BE49-F238E27FC236}">
-                <a16:creationId xmlns:a16="http://schemas.microsoft.com/office/drawing/2014/main" xmlns="" id="{5A7FC920-9D22-4290-B80F-F4BDC1DE109A}"/>
+                <a16:creationId xmlns="" xmlns:a16="http://schemas.microsoft.com/office/drawing/2014/main" id="{5A7FC920-9D22-4290-B80F-F4BDC1DE109A}"/>
               </a:ext>
             </a:extLst>
           </p:cNvPr>
@@ -30570,7 +30756,7 @@
           <p:cNvPr id="20" name="矩形 19">
             <a:extLst>
               <a:ext uri="{FF2B5EF4-FFF2-40B4-BE49-F238E27FC236}">
-                <a16:creationId xmlns:a16="http://schemas.microsoft.com/office/drawing/2014/main" xmlns="" id="{45B27A13-37E3-4777-9299-E75CAF1F6F9A}"/>
+                <a16:creationId xmlns="" xmlns:a16="http://schemas.microsoft.com/office/drawing/2014/main" id="{45B27A13-37E3-4777-9299-E75CAF1F6F9A}"/>
               </a:ext>
             </a:extLst>
           </p:cNvPr>
@@ -30618,7 +30804,7 @@
           <p:cNvPr id="21" name="图片 20">
             <a:extLst>
               <a:ext uri="{FF2B5EF4-FFF2-40B4-BE49-F238E27FC236}">
-                <a16:creationId xmlns:a16="http://schemas.microsoft.com/office/drawing/2014/main" xmlns="" id="{36569B5B-566F-4C60-9D63-318931B70CA2}"/>
+                <a16:creationId xmlns="" xmlns:a16="http://schemas.microsoft.com/office/drawing/2014/main" id="{36569B5B-566F-4C60-9D63-318931B70CA2}"/>
               </a:ext>
             </a:extLst>
           </p:cNvPr>
@@ -30654,7 +30840,7 @@
           <p:cNvPr id="22" name="矩形 21">
             <a:extLst>
               <a:ext uri="{FF2B5EF4-FFF2-40B4-BE49-F238E27FC236}">
-                <a16:creationId xmlns:a16="http://schemas.microsoft.com/office/drawing/2014/main" xmlns="" id="{2A55BA5B-CE30-435B-95FB-B00B8161E590}"/>
+                <a16:creationId xmlns="" xmlns:a16="http://schemas.microsoft.com/office/drawing/2014/main" id="{2A55BA5B-CE30-435B-95FB-B00B8161E590}"/>
               </a:ext>
             </a:extLst>
           </p:cNvPr>
@@ -30712,7 +30898,7 @@
           <p:cNvPr id="23" name="矩形 22">
             <a:extLst>
               <a:ext uri="{FF2B5EF4-FFF2-40B4-BE49-F238E27FC236}">
-                <a16:creationId xmlns:a16="http://schemas.microsoft.com/office/drawing/2014/main" xmlns="" id="{C2B44424-4CFE-4BA2-9FCF-F0A911E8A749}"/>
+                <a16:creationId xmlns="" xmlns:a16="http://schemas.microsoft.com/office/drawing/2014/main" id="{C2B44424-4CFE-4BA2-9FCF-F0A911E8A749}"/>
               </a:ext>
             </a:extLst>
           </p:cNvPr>
@@ -30823,7 +31009,7 @@
           <p:cNvPr id="25" name="矩形 24">
             <a:extLst>
               <a:ext uri="{FF2B5EF4-FFF2-40B4-BE49-F238E27FC236}">
-                <a16:creationId xmlns:a16="http://schemas.microsoft.com/office/drawing/2014/main" xmlns="" id="{0FDAD747-108F-4A6D-9220-5EA05067FF1E}"/>
+                <a16:creationId xmlns="" xmlns:a16="http://schemas.microsoft.com/office/drawing/2014/main" id="{0FDAD747-108F-4A6D-9220-5EA05067FF1E}"/>
               </a:ext>
             </a:extLst>
           </p:cNvPr>
@@ -31022,7 +31208,7 @@
           <p:cNvPr id="30" name="矩形 29">
             <a:extLst>
               <a:ext uri="{FF2B5EF4-FFF2-40B4-BE49-F238E27FC236}">
-                <a16:creationId xmlns:a16="http://schemas.microsoft.com/office/drawing/2014/main" xmlns="" id="{2A55BA5B-CE30-435B-95FB-B00B8161E590}"/>
+                <a16:creationId xmlns="" xmlns:a16="http://schemas.microsoft.com/office/drawing/2014/main" id="{2A55BA5B-CE30-435B-95FB-B00B8161E590}"/>
               </a:ext>
             </a:extLst>
           </p:cNvPr>
@@ -31090,7 +31276,7 @@
           <p:cNvPr id="27" name="矩形 26">
             <a:extLst>
               <a:ext uri="{FF2B5EF4-FFF2-40B4-BE49-F238E27FC236}">
-                <a16:creationId xmlns:a16="http://schemas.microsoft.com/office/drawing/2014/main" xmlns="" id="{0FDAD747-108F-4A6D-9220-5EA05067FF1E}"/>
+                <a16:creationId xmlns="" xmlns:a16="http://schemas.microsoft.com/office/drawing/2014/main" id="{0FDAD747-108F-4A6D-9220-5EA05067FF1E}"/>
               </a:ext>
             </a:extLst>
           </p:cNvPr>
@@ -31157,7 +31343,7 @@
           <p:cNvPr id="28" name="矩形 13" descr="紫色网格">
             <a:extLst>
               <a:ext uri="{FF2B5EF4-FFF2-40B4-BE49-F238E27FC236}">
-                <a16:creationId xmlns:a16="http://schemas.microsoft.com/office/drawing/2014/main" xmlns="" id="{44AEA09D-FD0A-4CA0-883D-93E5EAF762D6}"/>
+                <a16:creationId xmlns="" xmlns:a16="http://schemas.microsoft.com/office/drawing/2014/main" id="{44AEA09D-FD0A-4CA0-883D-93E5EAF762D6}"/>
               </a:ext>
             </a:extLst>
           </p:cNvPr>
@@ -31457,7 +31643,7 @@
           <p:cNvPr id="12" name="矩形 11">
             <a:extLst>
               <a:ext uri="{FF2B5EF4-FFF2-40B4-BE49-F238E27FC236}">
-                <a16:creationId xmlns:a16="http://schemas.microsoft.com/office/drawing/2014/main" xmlns="" id="{0FDAD747-108F-4A6D-9220-5EA05067FF1E}"/>
+                <a16:creationId xmlns="" xmlns:a16="http://schemas.microsoft.com/office/drawing/2014/main" id="{0FDAD747-108F-4A6D-9220-5EA05067FF1E}"/>
               </a:ext>
             </a:extLst>
           </p:cNvPr>
@@ -31524,7 +31710,7 @@
           <p:cNvPr id="4" name="矩形 3">
             <a:extLst>
               <a:ext uri="{FF2B5EF4-FFF2-40B4-BE49-F238E27FC236}">
-                <a16:creationId xmlns:a16="http://schemas.microsoft.com/office/drawing/2014/main" xmlns="" id="{0FDAD747-108F-4A6D-9220-5EA05067FF1E}"/>
+                <a16:creationId xmlns="" xmlns:a16="http://schemas.microsoft.com/office/drawing/2014/main" id="{0FDAD747-108F-4A6D-9220-5EA05067FF1E}"/>
               </a:ext>
             </a:extLst>
           </p:cNvPr>
@@ -32096,7 +32282,7 @@
           <p:cNvPr id="12" name="矩形 11">
             <a:extLst>
               <a:ext uri="{FF2B5EF4-FFF2-40B4-BE49-F238E27FC236}">
-                <a16:creationId xmlns:a16="http://schemas.microsoft.com/office/drawing/2014/main" xmlns="" id="{0FDAD747-108F-4A6D-9220-5EA05067FF1E}"/>
+                <a16:creationId xmlns="" xmlns:a16="http://schemas.microsoft.com/office/drawing/2014/main" id="{0FDAD747-108F-4A6D-9220-5EA05067FF1E}"/>
               </a:ext>
             </a:extLst>
           </p:cNvPr>
@@ -32143,7 +32329,7 @@
           <p:cNvPr id="4" name="矩形 3">
             <a:extLst>
               <a:ext uri="{FF2B5EF4-FFF2-40B4-BE49-F238E27FC236}">
-                <a16:creationId xmlns:a16="http://schemas.microsoft.com/office/drawing/2014/main" xmlns="" id="{0FDAD747-108F-4A6D-9220-5EA05067FF1E}"/>
+                <a16:creationId xmlns="" xmlns:a16="http://schemas.microsoft.com/office/drawing/2014/main" id="{0FDAD747-108F-4A6D-9220-5EA05067FF1E}"/>
               </a:ext>
             </a:extLst>
           </p:cNvPr>
@@ -32776,7 +32962,7 @@
           <p:cNvPr id="12" name="矩形 11">
             <a:extLst>
               <a:ext uri="{FF2B5EF4-FFF2-40B4-BE49-F238E27FC236}">
-                <a16:creationId xmlns:a16="http://schemas.microsoft.com/office/drawing/2014/main" xmlns="" id="{0FDAD747-108F-4A6D-9220-5EA05067FF1E}"/>
+                <a16:creationId xmlns="" xmlns:a16="http://schemas.microsoft.com/office/drawing/2014/main" id="{0FDAD747-108F-4A6D-9220-5EA05067FF1E}"/>
               </a:ext>
             </a:extLst>
           </p:cNvPr>
@@ -32823,7 +33009,7 @@
           <p:cNvPr id="4" name="矩形 3">
             <a:extLst>
               <a:ext uri="{FF2B5EF4-FFF2-40B4-BE49-F238E27FC236}">
-                <a16:creationId xmlns:a16="http://schemas.microsoft.com/office/drawing/2014/main" xmlns="" id="{0FDAD747-108F-4A6D-9220-5EA05067FF1E}"/>
+                <a16:creationId xmlns="" xmlns:a16="http://schemas.microsoft.com/office/drawing/2014/main" id="{0FDAD747-108F-4A6D-9220-5EA05067FF1E}"/>
               </a:ext>
             </a:extLst>
           </p:cNvPr>
@@ -33242,7 +33428,7 @@
           <p:cNvPr id="12" name="矩形 11">
             <a:extLst>
               <a:ext uri="{FF2B5EF4-FFF2-40B4-BE49-F238E27FC236}">
-                <a16:creationId xmlns:a16="http://schemas.microsoft.com/office/drawing/2014/main" xmlns="" id="{0FDAD747-108F-4A6D-9220-5EA05067FF1E}"/>
+                <a16:creationId xmlns="" xmlns:a16="http://schemas.microsoft.com/office/drawing/2014/main" id="{0FDAD747-108F-4A6D-9220-5EA05067FF1E}"/>
               </a:ext>
             </a:extLst>
           </p:cNvPr>
@@ -33289,7 +33475,7 @@
           <p:cNvPr id="4" name="矩形 3">
             <a:extLst>
               <a:ext uri="{FF2B5EF4-FFF2-40B4-BE49-F238E27FC236}">
-                <a16:creationId xmlns:a16="http://schemas.microsoft.com/office/drawing/2014/main" xmlns="" id="{0FDAD747-108F-4A6D-9220-5EA05067FF1E}"/>
+                <a16:creationId xmlns="" xmlns:a16="http://schemas.microsoft.com/office/drawing/2014/main" id="{0FDAD747-108F-4A6D-9220-5EA05067FF1E}"/>
               </a:ext>
             </a:extLst>
           </p:cNvPr>
@@ -33622,7 +33808,7 @@
           <p:cNvPr id="12" name="矩形 11">
             <a:extLst>
               <a:ext uri="{FF2B5EF4-FFF2-40B4-BE49-F238E27FC236}">
-                <a16:creationId xmlns:a16="http://schemas.microsoft.com/office/drawing/2014/main" xmlns="" id="{0FDAD747-108F-4A6D-9220-5EA05067FF1E}"/>
+                <a16:creationId xmlns="" xmlns:a16="http://schemas.microsoft.com/office/drawing/2014/main" id="{0FDAD747-108F-4A6D-9220-5EA05067FF1E}"/>
               </a:ext>
             </a:extLst>
           </p:cNvPr>
@@ -33693,7 +33879,7 @@
           <p:cNvPr id="5" name="矩形 4">
             <a:extLst>
               <a:ext uri="{FF2B5EF4-FFF2-40B4-BE49-F238E27FC236}">
-                <a16:creationId xmlns:a16="http://schemas.microsoft.com/office/drawing/2014/main" xmlns="" id="{0FDAD747-108F-4A6D-9220-5EA05067FF1E}"/>
+                <a16:creationId xmlns="" xmlns:a16="http://schemas.microsoft.com/office/drawing/2014/main" id="{0FDAD747-108F-4A6D-9220-5EA05067FF1E}"/>
               </a:ext>
             </a:extLst>
           </p:cNvPr>
@@ -34068,7 +34254,7 @@
           <p:cNvPr id="12" name="矩形 11">
             <a:extLst>
               <a:ext uri="{FF2B5EF4-FFF2-40B4-BE49-F238E27FC236}">
-                <a16:creationId xmlns:a16="http://schemas.microsoft.com/office/drawing/2014/main" xmlns="" id="{0FDAD747-108F-4A6D-9220-5EA05067FF1E}"/>
+                <a16:creationId xmlns="" xmlns:a16="http://schemas.microsoft.com/office/drawing/2014/main" id="{0FDAD747-108F-4A6D-9220-5EA05067FF1E}"/>
               </a:ext>
             </a:extLst>
           </p:cNvPr>
@@ -34115,7 +34301,7 @@
           <p:cNvPr id="4" name="矩形 3">
             <a:extLst>
               <a:ext uri="{FF2B5EF4-FFF2-40B4-BE49-F238E27FC236}">
-                <a16:creationId xmlns:a16="http://schemas.microsoft.com/office/drawing/2014/main" xmlns="" id="{0FDAD747-108F-4A6D-9220-5EA05067FF1E}"/>
+                <a16:creationId xmlns="" xmlns:a16="http://schemas.microsoft.com/office/drawing/2014/main" id="{0FDAD747-108F-4A6D-9220-5EA05067FF1E}"/>
               </a:ext>
             </a:extLst>
           </p:cNvPr>
@@ -34472,7 +34658,7 @@
           <p:cNvPr id="12" name="矩形 11">
             <a:extLst>
               <a:ext uri="{FF2B5EF4-FFF2-40B4-BE49-F238E27FC236}">
-                <a16:creationId xmlns:a16="http://schemas.microsoft.com/office/drawing/2014/main" xmlns="" id="{0FDAD747-108F-4A6D-9220-5EA05067FF1E}"/>
+                <a16:creationId xmlns="" xmlns:a16="http://schemas.microsoft.com/office/drawing/2014/main" id="{0FDAD747-108F-4A6D-9220-5EA05067FF1E}"/>
               </a:ext>
             </a:extLst>
           </p:cNvPr>
@@ -34519,7 +34705,7 @@
           <p:cNvPr id="4" name="矩形 3">
             <a:extLst>
               <a:ext uri="{FF2B5EF4-FFF2-40B4-BE49-F238E27FC236}">
-                <a16:creationId xmlns:a16="http://schemas.microsoft.com/office/drawing/2014/main" xmlns="" id="{0FDAD747-108F-4A6D-9220-5EA05067FF1E}"/>
+                <a16:creationId xmlns="" xmlns:a16="http://schemas.microsoft.com/office/drawing/2014/main" id="{0FDAD747-108F-4A6D-9220-5EA05067FF1E}"/>
               </a:ext>
             </a:extLst>
           </p:cNvPr>
@@ -35017,7 +35203,7 @@
           <p:cNvPr id="12" name="矩形 11">
             <a:extLst>
               <a:ext uri="{FF2B5EF4-FFF2-40B4-BE49-F238E27FC236}">
-                <a16:creationId xmlns:a16="http://schemas.microsoft.com/office/drawing/2014/main" xmlns="" id="{0FDAD747-108F-4A6D-9220-5EA05067FF1E}"/>
+                <a16:creationId xmlns="" xmlns:a16="http://schemas.microsoft.com/office/drawing/2014/main" id="{0FDAD747-108F-4A6D-9220-5EA05067FF1E}"/>
               </a:ext>
             </a:extLst>
           </p:cNvPr>
@@ -35096,7 +35282,7 @@
           <p:cNvPr id="14" name="矩形 13">
             <a:extLst>
               <a:ext uri="{FF2B5EF4-FFF2-40B4-BE49-F238E27FC236}">
-                <a16:creationId xmlns:a16="http://schemas.microsoft.com/office/drawing/2014/main" xmlns="" id="{C2B44424-4CFE-4BA2-9FCF-F0A911E8A749}"/>
+                <a16:creationId xmlns="" xmlns:a16="http://schemas.microsoft.com/office/drawing/2014/main" id="{C2B44424-4CFE-4BA2-9FCF-F0A911E8A749}"/>
               </a:ext>
             </a:extLst>
           </p:cNvPr>
@@ -35250,7 +35436,7 @@
           <p:cNvPr id="16" name="直接箭头连接符 15">
             <a:extLst>
               <a:ext uri="{FF2B5EF4-FFF2-40B4-BE49-F238E27FC236}">
-                <a16:creationId xmlns:a16="http://schemas.microsoft.com/office/drawing/2014/main" xmlns="" id="{EDD84E7C-3200-40E5-A3C0-E57D7F9E754E}"/>
+                <a16:creationId xmlns="" xmlns:a16="http://schemas.microsoft.com/office/drawing/2014/main" id="{EDD84E7C-3200-40E5-A3C0-E57D7F9E754E}"/>
               </a:ext>
             </a:extLst>
           </p:cNvPr>
@@ -35283,7 +35469,7 @@
           <p:cNvPr id="17" name="矩形 16">
             <a:extLst>
               <a:ext uri="{FF2B5EF4-FFF2-40B4-BE49-F238E27FC236}">
-                <a16:creationId xmlns:a16="http://schemas.microsoft.com/office/drawing/2014/main" xmlns="" id="{0FDAD747-108F-4A6D-9220-5EA05067FF1E}"/>
+                <a16:creationId xmlns="" xmlns:a16="http://schemas.microsoft.com/office/drawing/2014/main" id="{0FDAD747-108F-4A6D-9220-5EA05067FF1E}"/>
               </a:ext>
             </a:extLst>
           </p:cNvPr>
@@ -35330,7 +35516,7 @@
           <p:cNvPr id="18" name="矩形 17">
             <a:extLst>
               <a:ext uri="{FF2B5EF4-FFF2-40B4-BE49-F238E27FC236}">
-                <a16:creationId xmlns:a16="http://schemas.microsoft.com/office/drawing/2014/main" xmlns="" id="{5CEC9FB1-9CBF-4B7B-A321-DF404030F08B}"/>
+                <a16:creationId xmlns="" xmlns:a16="http://schemas.microsoft.com/office/drawing/2014/main" id="{5CEC9FB1-9CBF-4B7B-A321-DF404030F08B}"/>
               </a:ext>
             </a:extLst>
           </p:cNvPr>
@@ -35416,7 +35602,7 @@
           <p:cNvPr id="19" name="直接箭头连接符 18">
             <a:extLst>
               <a:ext uri="{FF2B5EF4-FFF2-40B4-BE49-F238E27FC236}">
-                <a16:creationId xmlns:a16="http://schemas.microsoft.com/office/drawing/2014/main" xmlns="" id="{5A7FC920-9D22-4290-B80F-F4BDC1DE109A}"/>
+                <a16:creationId xmlns="" xmlns:a16="http://schemas.microsoft.com/office/drawing/2014/main" id="{5A7FC920-9D22-4290-B80F-F4BDC1DE109A}"/>
               </a:ext>
             </a:extLst>
           </p:cNvPr>
@@ -35449,7 +35635,7 @@
           <p:cNvPr id="20" name="矩形 19">
             <a:extLst>
               <a:ext uri="{FF2B5EF4-FFF2-40B4-BE49-F238E27FC236}">
-                <a16:creationId xmlns:a16="http://schemas.microsoft.com/office/drawing/2014/main" xmlns="" id="{45B27A13-37E3-4777-9299-E75CAF1F6F9A}"/>
+                <a16:creationId xmlns="" xmlns:a16="http://schemas.microsoft.com/office/drawing/2014/main" id="{45B27A13-37E3-4777-9299-E75CAF1F6F9A}"/>
               </a:ext>
             </a:extLst>
           </p:cNvPr>
@@ -35497,7 +35683,7 @@
           <p:cNvPr id="21" name="图片 20">
             <a:extLst>
               <a:ext uri="{FF2B5EF4-FFF2-40B4-BE49-F238E27FC236}">
-                <a16:creationId xmlns:a16="http://schemas.microsoft.com/office/drawing/2014/main" xmlns="" id="{36569B5B-566F-4C60-9D63-318931B70CA2}"/>
+                <a16:creationId xmlns="" xmlns:a16="http://schemas.microsoft.com/office/drawing/2014/main" id="{36569B5B-566F-4C60-9D63-318931B70CA2}"/>
               </a:ext>
             </a:extLst>
           </p:cNvPr>
@@ -35533,7 +35719,7 @@
           <p:cNvPr id="22" name="矩形 21">
             <a:extLst>
               <a:ext uri="{FF2B5EF4-FFF2-40B4-BE49-F238E27FC236}">
-                <a16:creationId xmlns:a16="http://schemas.microsoft.com/office/drawing/2014/main" xmlns="" id="{2A55BA5B-CE30-435B-95FB-B00B8161E590}"/>
+                <a16:creationId xmlns="" xmlns:a16="http://schemas.microsoft.com/office/drawing/2014/main" id="{2A55BA5B-CE30-435B-95FB-B00B8161E590}"/>
               </a:ext>
             </a:extLst>
           </p:cNvPr>
@@ -35591,7 +35777,7 @@
           <p:cNvPr id="23" name="矩形 22">
             <a:extLst>
               <a:ext uri="{FF2B5EF4-FFF2-40B4-BE49-F238E27FC236}">
-                <a16:creationId xmlns:a16="http://schemas.microsoft.com/office/drawing/2014/main" xmlns="" id="{C2B44424-4CFE-4BA2-9FCF-F0A911E8A749}"/>
+                <a16:creationId xmlns="" xmlns:a16="http://schemas.microsoft.com/office/drawing/2014/main" id="{C2B44424-4CFE-4BA2-9FCF-F0A911E8A749}"/>
               </a:ext>
             </a:extLst>
           </p:cNvPr>
@@ -35702,7 +35888,7 @@
           <p:cNvPr id="25" name="矩形 24">
             <a:extLst>
               <a:ext uri="{FF2B5EF4-FFF2-40B4-BE49-F238E27FC236}">
-                <a16:creationId xmlns:a16="http://schemas.microsoft.com/office/drawing/2014/main" xmlns="" id="{0FDAD747-108F-4A6D-9220-5EA05067FF1E}"/>
+                <a16:creationId xmlns="" xmlns:a16="http://schemas.microsoft.com/office/drawing/2014/main" id="{0FDAD747-108F-4A6D-9220-5EA05067FF1E}"/>
               </a:ext>
             </a:extLst>
           </p:cNvPr>
@@ -35901,7 +36087,7 @@
           <p:cNvPr id="30" name="矩形 29">
             <a:extLst>
               <a:ext uri="{FF2B5EF4-FFF2-40B4-BE49-F238E27FC236}">
-                <a16:creationId xmlns:a16="http://schemas.microsoft.com/office/drawing/2014/main" xmlns="" id="{2A55BA5B-CE30-435B-95FB-B00B8161E590}"/>
+                <a16:creationId xmlns="" xmlns:a16="http://schemas.microsoft.com/office/drawing/2014/main" id="{2A55BA5B-CE30-435B-95FB-B00B8161E590}"/>
               </a:ext>
             </a:extLst>
           </p:cNvPr>
@@ -35969,7 +36155,7 @@
           <p:cNvPr id="27" name="矩形 26">
             <a:extLst>
               <a:ext uri="{FF2B5EF4-FFF2-40B4-BE49-F238E27FC236}">
-                <a16:creationId xmlns:a16="http://schemas.microsoft.com/office/drawing/2014/main" xmlns="" id="{0FDAD747-108F-4A6D-9220-5EA05067FF1E}"/>
+                <a16:creationId xmlns="" xmlns:a16="http://schemas.microsoft.com/office/drawing/2014/main" id="{0FDAD747-108F-4A6D-9220-5EA05067FF1E}"/>
               </a:ext>
             </a:extLst>
           </p:cNvPr>
@@ -36036,7 +36222,7 @@
           <p:cNvPr id="28" name="矩形 13" descr="紫色网格">
             <a:extLst>
               <a:ext uri="{FF2B5EF4-FFF2-40B4-BE49-F238E27FC236}">
-                <a16:creationId xmlns:a16="http://schemas.microsoft.com/office/drawing/2014/main" xmlns="" id="{44AEA09D-FD0A-4CA0-883D-93E5EAF762D6}"/>
+                <a16:creationId xmlns="" xmlns:a16="http://schemas.microsoft.com/office/drawing/2014/main" id="{44AEA09D-FD0A-4CA0-883D-93E5EAF762D6}"/>
               </a:ext>
             </a:extLst>
           </p:cNvPr>
@@ -36346,7 +36532,7 @@
           <p:cNvPr id="12" name="矩形 11">
             <a:extLst>
               <a:ext uri="{FF2B5EF4-FFF2-40B4-BE49-F238E27FC236}">
-                <a16:creationId xmlns:a16="http://schemas.microsoft.com/office/drawing/2014/main" xmlns="" id="{0FDAD747-108F-4A6D-9220-5EA05067FF1E}"/>
+                <a16:creationId xmlns="" xmlns:a16="http://schemas.microsoft.com/office/drawing/2014/main" id="{0FDAD747-108F-4A6D-9220-5EA05067FF1E}"/>
               </a:ext>
             </a:extLst>
           </p:cNvPr>
@@ -36393,7 +36579,7 @@
           <p:cNvPr id="4" name="矩形 3">
             <a:extLst>
               <a:ext uri="{FF2B5EF4-FFF2-40B4-BE49-F238E27FC236}">
-                <a16:creationId xmlns:a16="http://schemas.microsoft.com/office/drawing/2014/main" xmlns="" id="{0FDAD747-108F-4A6D-9220-5EA05067FF1E}"/>
+                <a16:creationId xmlns="" xmlns:a16="http://schemas.microsoft.com/office/drawing/2014/main" id="{0FDAD747-108F-4A6D-9220-5EA05067FF1E}"/>
               </a:ext>
             </a:extLst>
           </p:cNvPr>
@@ -36686,7 +36872,7 @@
           <p:cNvPr id="12" name="矩形 11">
             <a:extLst>
               <a:ext uri="{FF2B5EF4-FFF2-40B4-BE49-F238E27FC236}">
-                <a16:creationId xmlns:a16="http://schemas.microsoft.com/office/drawing/2014/main" xmlns="" id="{0FDAD747-108F-4A6D-9220-5EA05067FF1E}"/>
+                <a16:creationId xmlns="" xmlns:a16="http://schemas.microsoft.com/office/drawing/2014/main" id="{0FDAD747-108F-4A6D-9220-5EA05067FF1E}"/>
               </a:ext>
             </a:extLst>
           </p:cNvPr>
@@ -36726,7 +36912,7 @@
           <p:cNvPr id="4" name="矩形 3">
             <a:extLst>
               <a:ext uri="{FF2B5EF4-FFF2-40B4-BE49-F238E27FC236}">
-                <a16:creationId xmlns:a16="http://schemas.microsoft.com/office/drawing/2014/main" xmlns="" id="{0FDAD747-108F-4A6D-9220-5EA05067FF1E}"/>
+                <a16:creationId xmlns="" xmlns:a16="http://schemas.microsoft.com/office/drawing/2014/main" id="{0FDAD747-108F-4A6D-9220-5EA05067FF1E}"/>
               </a:ext>
             </a:extLst>
           </p:cNvPr>
@@ -37037,7 +37223,7 @@
           <p:cNvPr id="12" name="矩形 11">
             <a:extLst>
               <a:ext uri="{FF2B5EF4-FFF2-40B4-BE49-F238E27FC236}">
-                <a16:creationId xmlns:a16="http://schemas.microsoft.com/office/drawing/2014/main" xmlns="" id="{0FDAD747-108F-4A6D-9220-5EA05067FF1E}"/>
+                <a16:creationId xmlns="" xmlns:a16="http://schemas.microsoft.com/office/drawing/2014/main" id="{0FDAD747-108F-4A6D-9220-5EA05067FF1E}"/>
               </a:ext>
             </a:extLst>
           </p:cNvPr>
@@ -37084,7 +37270,7 @@
           <p:cNvPr id="4" name="矩形 3">
             <a:extLst>
               <a:ext uri="{FF2B5EF4-FFF2-40B4-BE49-F238E27FC236}">
-                <a16:creationId xmlns:a16="http://schemas.microsoft.com/office/drawing/2014/main" xmlns="" id="{0FDAD747-108F-4A6D-9220-5EA05067FF1E}"/>
+                <a16:creationId xmlns="" xmlns:a16="http://schemas.microsoft.com/office/drawing/2014/main" id="{0FDAD747-108F-4A6D-9220-5EA05067FF1E}"/>
               </a:ext>
             </a:extLst>
           </p:cNvPr>
@@ -37375,7 +37561,7 @@
           <p:cNvPr id="12" name="矩形 11">
             <a:extLst>
               <a:ext uri="{FF2B5EF4-FFF2-40B4-BE49-F238E27FC236}">
-                <a16:creationId xmlns:a16="http://schemas.microsoft.com/office/drawing/2014/main" xmlns="" id="{0FDAD747-108F-4A6D-9220-5EA05067FF1E}"/>
+                <a16:creationId xmlns="" xmlns:a16="http://schemas.microsoft.com/office/drawing/2014/main" id="{0FDAD747-108F-4A6D-9220-5EA05067FF1E}"/>
               </a:ext>
             </a:extLst>
           </p:cNvPr>
@@ -37422,7 +37608,7 @@
           <p:cNvPr id="4" name="矩形 3">
             <a:extLst>
               <a:ext uri="{FF2B5EF4-FFF2-40B4-BE49-F238E27FC236}">
-                <a16:creationId xmlns:a16="http://schemas.microsoft.com/office/drawing/2014/main" xmlns="" id="{0FDAD747-108F-4A6D-9220-5EA05067FF1E}"/>
+                <a16:creationId xmlns="" xmlns:a16="http://schemas.microsoft.com/office/drawing/2014/main" id="{0FDAD747-108F-4A6D-9220-5EA05067FF1E}"/>
               </a:ext>
             </a:extLst>
           </p:cNvPr>
@@ -38221,7 +38407,7 @@
           <p:cNvPr id="12" name="矩形 11">
             <a:extLst>
               <a:ext uri="{FF2B5EF4-FFF2-40B4-BE49-F238E27FC236}">
-                <a16:creationId xmlns:a16="http://schemas.microsoft.com/office/drawing/2014/main" xmlns="" id="{0FDAD747-108F-4A6D-9220-5EA05067FF1E}"/>
+                <a16:creationId xmlns="" xmlns:a16="http://schemas.microsoft.com/office/drawing/2014/main" id="{0FDAD747-108F-4A6D-9220-5EA05067FF1E}"/>
               </a:ext>
             </a:extLst>
           </p:cNvPr>
@@ -38258,7 +38444,7 @@
           <p:cNvPr id="4" name="矩形 3">
             <a:extLst>
               <a:ext uri="{FF2B5EF4-FFF2-40B4-BE49-F238E27FC236}">
-                <a16:creationId xmlns:a16="http://schemas.microsoft.com/office/drawing/2014/main" xmlns="" id="{0FDAD747-108F-4A6D-9220-5EA05067FF1E}"/>
+                <a16:creationId xmlns="" xmlns:a16="http://schemas.microsoft.com/office/drawing/2014/main" id="{0FDAD747-108F-4A6D-9220-5EA05067FF1E}"/>
               </a:ext>
             </a:extLst>
           </p:cNvPr>
@@ -38334,7 +38520,7 @@
           <p:cNvPr id="5" name="矩形 4" descr="紫色网格">
             <a:extLst>
               <a:ext uri="{FF2B5EF4-FFF2-40B4-BE49-F238E27FC236}">
-                <a16:creationId xmlns:a16="http://schemas.microsoft.com/office/drawing/2014/main" xmlns="" id="{44AEA09D-FD0A-4CA0-883D-93E5EAF762D6}"/>
+                <a16:creationId xmlns="" xmlns:a16="http://schemas.microsoft.com/office/drawing/2014/main" id="{44AEA09D-FD0A-4CA0-883D-93E5EAF762D6}"/>
               </a:ext>
             </a:extLst>
           </p:cNvPr>
@@ -38533,7 +38719,7 @@
           <p:cNvPr id="7" name="矩形 6">
             <a:extLst>
               <a:ext uri="{FF2B5EF4-FFF2-40B4-BE49-F238E27FC236}">
-                <a16:creationId xmlns:a16="http://schemas.microsoft.com/office/drawing/2014/main" xmlns="" id="{0FDAD747-108F-4A6D-9220-5EA05067FF1E}"/>
+                <a16:creationId xmlns="" xmlns:a16="http://schemas.microsoft.com/office/drawing/2014/main" id="{0FDAD747-108F-4A6D-9220-5EA05067FF1E}"/>
               </a:ext>
             </a:extLst>
           </p:cNvPr>
@@ -38573,7 +38759,7 @@
           <p:cNvPr id="8" name="矩形 7">
             <a:extLst>
               <a:ext uri="{FF2B5EF4-FFF2-40B4-BE49-F238E27FC236}">
-                <a16:creationId xmlns:a16="http://schemas.microsoft.com/office/drawing/2014/main" xmlns="" id="{0FDAD747-108F-4A6D-9220-5EA05067FF1E}"/>
+                <a16:creationId xmlns="" xmlns:a16="http://schemas.microsoft.com/office/drawing/2014/main" id="{0FDAD747-108F-4A6D-9220-5EA05067FF1E}"/>
               </a:ext>
             </a:extLst>
           </p:cNvPr>
@@ -38848,7 +39034,7 @@
           <p:cNvPr id="12" name="矩形 11">
             <a:extLst>
               <a:ext uri="{FF2B5EF4-FFF2-40B4-BE49-F238E27FC236}">
-                <a16:creationId xmlns:a16="http://schemas.microsoft.com/office/drawing/2014/main" xmlns="" id="{0FDAD747-108F-4A6D-9220-5EA05067FF1E}"/>
+                <a16:creationId xmlns="" xmlns:a16="http://schemas.microsoft.com/office/drawing/2014/main" id="{0FDAD747-108F-4A6D-9220-5EA05067FF1E}"/>
               </a:ext>
             </a:extLst>
           </p:cNvPr>
@@ -38885,7 +39071,7 @@
           <p:cNvPr id="4" name="矩形 3">
             <a:extLst>
               <a:ext uri="{FF2B5EF4-FFF2-40B4-BE49-F238E27FC236}">
-                <a16:creationId xmlns:a16="http://schemas.microsoft.com/office/drawing/2014/main" xmlns="" id="{0FDAD747-108F-4A6D-9220-5EA05067FF1E}"/>
+                <a16:creationId xmlns="" xmlns:a16="http://schemas.microsoft.com/office/drawing/2014/main" id="{0FDAD747-108F-4A6D-9220-5EA05067FF1E}"/>
               </a:ext>
             </a:extLst>
           </p:cNvPr>
@@ -38961,7 +39147,7 @@
           <p:cNvPr id="7" name="矩形 6">
             <a:extLst>
               <a:ext uri="{FF2B5EF4-FFF2-40B4-BE49-F238E27FC236}">
-                <a16:creationId xmlns:a16="http://schemas.microsoft.com/office/drawing/2014/main" xmlns="" id="{0FDAD747-108F-4A6D-9220-5EA05067FF1E}"/>
+                <a16:creationId xmlns="" xmlns:a16="http://schemas.microsoft.com/office/drawing/2014/main" id="{0FDAD747-108F-4A6D-9220-5EA05067FF1E}"/>
               </a:ext>
             </a:extLst>
           </p:cNvPr>
@@ -39001,7 +39187,7 @@
           <p:cNvPr id="6" name="矩形 5" descr="紫色网格">
             <a:extLst>
               <a:ext uri="{FF2B5EF4-FFF2-40B4-BE49-F238E27FC236}">
-                <a16:creationId xmlns:a16="http://schemas.microsoft.com/office/drawing/2014/main" xmlns="" id="{44AEA09D-FD0A-4CA0-883D-93E5EAF762D6}"/>
+                <a16:creationId xmlns="" xmlns:a16="http://schemas.microsoft.com/office/drawing/2014/main" id="{44AEA09D-FD0A-4CA0-883D-93E5EAF762D6}"/>
               </a:ext>
             </a:extLst>
           </p:cNvPr>
@@ -39200,7 +39386,7 @@
           <p:cNvPr id="8" name="矩形 7">
             <a:extLst>
               <a:ext uri="{FF2B5EF4-FFF2-40B4-BE49-F238E27FC236}">
-                <a16:creationId xmlns:a16="http://schemas.microsoft.com/office/drawing/2014/main" xmlns="" id="{0FDAD747-108F-4A6D-9220-5EA05067FF1E}"/>
+                <a16:creationId xmlns="" xmlns:a16="http://schemas.microsoft.com/office/drawing/2014/main" id="{0FDAD747-108F-4A6D-9220-5EA05067FF1E}"/>
               </a:ext>
             </a:extLst>
           </p:cNvPr>
@@ -39291,7 +39477,7 @@
           <p:cNvPr id="12" name="矩形 11">
             <a:extLst>
               <a:ext uri="{FF2B5EF4-FFF2-40B4-BE49-F238E27FC236}">
-                <a16:creationId xmlns:a16="http://schemas.microsoft.com/office/drawing/2014/main" xmlns="" id="{0FDAD747-108F-4A6D-9220-5EA05067FF1E}"/>
+                <a16:creationId xmlns="" xmlns:a16="http://schemas.microsoft.com/office/drawing/2014/main" id="{0FDAD747-108F-4A6D-9220-5EA05067FF1E}"/>
               </a:ext>
             </a:extLst>
           </p:cNvPr>
@@ -39328,7 +39514,7 @@
           <p:cNvPr id="4" name="矩形 3">
             <a:extLst>
               <a:ext uri="{FF2B5EF4-FFF2-40B4-BE49-F238E27FC236}">
-                <a16:creationId xmlns:a16="http://schemas.microsoft.com/office/drawing/2014/main" xmlns="" id="{0FDAD747-108F-4A6D-9220-5EA05067FF1E}"/>
+                <a16:creationId xmlns="" xmlns:a16="http://schemas.microsoft.com/office/drawing/2014/main" id="{0FDAD747-108F-4A6D-9220-5EA05067FF1E}"/>
               </a:ext>
             </a:extLst>
           </p:cNvPr>
@@ -39404,7 +39590,7 @@
           <p:cNvPr id="7" name="矩形 6">
             <a:extLst>
               <a:ext uri="{FF2B5EF4-FFF2-40B4-BE49-F238E27FC236}">
-                <a16:creationId xmlns:a16="http://schemas.microsoft.com/office/drawing/2014/main" xmlns="" id="{0FDAD747-108F-4A6D-9220-5EA05067FF1E}"/>
+                <a16:creationId xmlns="" xmlns:a16="http://schemas.microsoft.com/office/drawing/2014/main" id="{0FDAD747-108F-4A6D-9220-5EA05067FF1E}"/>
               </a:ext>
             </a:extLst>
           </p:cNvPr>
@@ -39444,7 +39630,7 @@
           <p:cNvPr id="6" name="矩形 5" descr="紫色网格">
             <a:extLst>
               <a:ext uri="{FF2B5EF4-FFF2-40B4-BE49-F238E27FC236}">
-                <a16:creationId xmlns:a16="http://schemas.microsoft.com/office/drawing/2014/main" xmlns="" id="{44AEA09D-FD0A-4CA0-883D-93E5EAF762D6}"/>
+                <a16:creationId xmlns="" xmlns:a16="http://schemas.microsoft.com/office/drawing/2014/main" id="{44AEA09D-FD0A-4CA0-883D-93E5EAF762D6}"/>
               </a:ext>
             </a:extLst>
           </p:cNvPr>
@@ -39643,7 +39829,7 @@
           <p:cNvPr id="8" name="矩形 7">
             <a:extLst>
               <a:ext uri="{FF2B5EF4-FFF2-40B4-BE49-F238E27FC236}">
-                <a16:creationId xmlns:a16="http://schemas.microsoft.com/office/drawing/2014/main" xmlns="" id="{0FDAD747-108F-4A6D-9220-5EA05067FF1E}"/>
+                <a16:creationId xmlns="" xmlns:a16="http://schemas.microsoft.com/office/drawing/2014/main" id="{0FDAD747-108F-4A6D-9220-5EA05067FF1E}"/>
               </a:ext>
             </a:extLst>
           </p:cNvPr>
@@ -39772,7 +39958,7 @@
           <p:cNvPr id="12" name="矩形 11">
             <a:extLst>
               <a:ext uri="{FF2B5EF4-FFF2-40B4-BE49-F238E27FC236}">
-                <a16:creationId xmlns:a16="http://schemas.microsoft.com/office/drawing/2014/main" xmlns="" id="{0FDAD747-108F-4A6D-9220-5EA05067FF1E}"/>
+                <a16:creationId xmlns="" xmlns:a16="http://schemas.microsoft.com/office/drawing/2014/main" id="{0FDAD747-108F-4A6D-9220-5EA05067FF1E}"/>
               </a:ext>
             </a:extLst>
           </p:cNvPr>
@@ -39809,7 +39995,7 @@
           <p:cNvPr id="4" name="矩形 3">
             <a:extLst>
               <a:ext uri="{FF2B5EF4-FFF2-40B4-BE49-F238E27FC236}">
-                <a16:creationId xmlns:a16="http://schemas.microsoft.com/office/drawing/2014/main" xmlns="" id="{0FDAD747-108F-4A6D-9220-5EA05067FF1E}"/>
+                <a16:creationId xmlns="" xmlns:a16="http://schemas.microsoft.com/office/drawing/2014/main" id="{0FDAD747-108F-4A6D-9220-5EA05067FF1E}"/>
               </a:ext>
             </a:extLst>
           </p:cNvPr>
@@ -39885,7 +40071,7 @@
           <p:cNvPr id="7" name="矩形 6">
             <a:extLst>
               <a:ext uri="{FF2B5EF4-FFF2-40B4-BE49-F238E27FC236}">
-                <a16:creationId xmlns:a16="http://schemas.microsoft.com/office/drawing/2014/main" xmlns="" id="{0FDAD747-108F-4A6D-9220-5EA05067FF1E}"/>
+                <a16:creationId xmlns="" xmlns:a16="http://schemas.microsoft.com/office/drawing/2014/main" id="{0FDAD747-108F-4A6D-9220-5EA05067FF1E}"/>
               </a:ext>
             </a:extLst>
           </p:cNvPr>
@@ -39942,7 +40128,7 @@
           <p:cNvPr id="8" name="矩形 7">
             <a:extLst>
               <a:ext uri="{FF2B5EF4-FFF2-40B4-BE49-F238E27FC236}">
-                <a16:creationId xmlns:a16="http://schemas.microsoft.com/office/drawing/2014/main" xmlns="" id="{0FDAD747-108F-4A6D-9220-5EA05067FF1E}"/>
+                <a16:creationId xmlns="" xmlns:a16="http://schemas.microsoft.com/office/drawing/2014/main" id="{0FDAD747-108F-4A6D-9220-5EA05067FF1E}"/>
               </a:ext>
             </a:extLst>
           </p:cNvPr>
@@ -40185,7 +40371,7 @@
           <p:cNvPr id="12" name="矩形 11">
             <a:extLst>
               <a:ext uri="{FF2B5EF4-FFF2-40B4-BE49-F238E27FC236}">
-                <a16:creationId xmlns:a16="http://schemas.microsoft.com/office/drawing/2014/main" xmlns="" id="{0FDAD747-108F-4A6D-9220-5EA05067FF1E}"/>
+                <a16:creationId xmlns="" xmlns:a16="http://schemas.microsoft.com/office/drawing/2014/main" id="{0FDAD747-108F-4A6D-9220-5EA05067FF1E}"/>
               </a:ext>
             </a:extLst>
           </p:cNvPr>
@@ -40222,7 +40408,7 @@
           <p:cNvPr id="4" name="矩形 3">
             <a:extLst>
               <a:ext uri="{FF2B5EF4-FFF2-40B4-BE49-F238E27FC236}">
-                <a16:creationId xmlns:a16="http://schemas.microsoft.com/office/drawing/2014/main" xmlns="" id="{0FDAD747-108F-4A6D-9220-5EA05067FF1E}"/>
+                <a16:creationId xmlns="" xmlns:a16="http://schemas.microsoft.com/office/drawing/2014/main" id="{0FDAD747-108F-4A6D-9220-5EA05067FF1E}"/>
               </a:ext>
             </a:extLst>
           </p:cNvPr>
@@ -40298,7 +40484,7 @@
           <p:cNvPr id="7" name="矩形 6">
             <a:extLst>
               <a:ext uri="{FF2B5EF4-FFF2-40B4-BE49-F238E27FC236}">
-                <a16:creationId xmlns:a16="http://schemas.microsoft.com/office/drawing/2014/main" xmlns="" id="{0FDAD747-108F-4A6D-9220-5EA05067FF1E}"/>
+                <a16:creationId xmlns="" xmlns:a16="http://schemas.microsoft.com/office/drawing/2014/main" id="{0FDAD747-108F-4A6D-9220-5EA05067FF1E}"/>
               </a:ext>
             </a:extLst>
           </p:cNvPr>
@@ -40355,7 +40541,7 @@
           <p:cNvPr id="8" name="矩形 7">
             <a:extLst>
               <a:ext uri="{FF2B5EF4-FFF2-40B4-BE49-F238E27FC236}">
-                <a16:creationId xmlns:a16="http://schemas.microsoft.com/office/drawing/2014/main" xmlns="" id="{0FDAD747-108F-4A6D-9220-5EA05067FF1E}"/>
+                <a16:creationId xmlns="" xmlns:a16="http://schemas.microsoft.com/office/drawing/2014/main" id="{0FDAD747-108F-4A6D-9220-5EA05067FF1E}"/>
               </a:ext>
             </a:extLst>
           </p:cNvPr>
@@ -40724,7 +40910,7 @@
           <p:cNvPr id="12" name="矩形 11">
             <a:extLst>
               <a:ext uri="{FF2B5EF4-FFF2-40B4-BE49-F238E27FC236}">
-                <a16:creationId xmlns:a16="http://schemas.microsoft.com/office/drawing/2014/main" xmlns="" id="{0FDAD747-108F-4A6D-9220-5EA05067FF1E}"/>
+                <a16:creationId xmlns="" xmlns:a16="http://schemas.microsoft.com/office/drawing/2014/main" id="{0FDAD747-108F-4A6D-9220-5EA05067FF1E}"/>
               </a:ext>
             </a:extLst>
           </p:cNvPr>
@@ -40761,7 +40947,7 @@
           <p:cNvPr id="4" name="矩形 3">
             <a:extLst>
               <a:ext uri="{FF2B5EF4-FFF2-40B4-BE49-F238E27FC236}">
-                <a16:creationId xmlns:a16="http://schemas.microsoft.com/office/drawing/2014/main" xmlns="" id="{0FDAD747-108F-4A6D-9220-5EA05067FF1E}"/>
+                <a16:creationId xmlns="" xmlns:a16="http://schemas.microsoft.com/office/drawing/2014/main" id="{0FDAD747-108F-4A6D-9220-5EA05067FF1E}"/>
               </a:ext>
             </a:extLst>
           </p:cNvPr>
@@ -40837,7 +41023,7 @@
           <p:cNvPr id="7" name="矩形 6">
             <a:extLst>
               <a:ext uri="{FF2B5EF4-FFF2-40B4-BE49-F238E27FC236}">
-                <a16:creationId xmlns:a16="http://schemas.microsoft.com/office/drawing/2014/main" xmlns="" id="{0FDAD747-108F-4A6D-9220-5EA05067FF1E}"/>
+                <a16:creationId xmlns="" xmlns:a16="http://schemas.microsoft.com/office/drawing/2014/main" id="{0FDAD747-108F-4A6D-9220-5EA05067FF1E}"/>
               </a:ext>
             </a:extLst>
           </p:cNvPr>
@@ -40894,7 +41080,7 @@
           <p:cNvPr id="8" name="矩形 7">
             <a:extLst>
               <a:ext uri="{FF2B5EF4-FFF2-40B4-BE49-F238E27FC236}">
-                <a16:creationId xmlns:a16="http://schemas.microsoft.com/office/drawing/2014/main" xmlns="" id="{0FDAD747-108F-4A6D-9220-5EA05067FF1E}"/>
+                <a16:creationId xmlns="" xmlns:a16="http://schemas.microsoft.com/office/drawing/2014/main" id="{0FDAD747-108F-4A6D-9220-5EA05067FF1E}"/>
               </a:ext>
             </a:extLst>
           </p:cNvPr>
@@ -41263,7 +41449,7 @@
           <p:cNvPr id="12" name="矩形 11">
             <a:extLst>
               <a:ext uri="{FF2B5EF4-FFF2-40B4-BE49-F238E27FC236}">
-                <a16:creationId xmlns:a16="http://schemas.microsoft.com/office/drawing/2014/main" xmlns="" id="{0FDAD747-108F-4A6D-9220-5EA05067FF1E}"/>
+                <a16:creationId xmlns="" xmlns:a16="http://schemas.microsoft.com/office/drawing/2014/main" id="{0FDAD747-108F-4A6D-9220-5EA05067FF1E}"/>
               </a:ext>
             </a:extLst>
           </p:cNvPr>
@@ -41310,7 +41496,7 @@
           <p:cNvPr id="4" name="矩形 3">
             <a:extLst>
               <a:ext uri="{FF2B5EF4-FFF2-40B4-BE49-F238E27FC236}">
-                <a16:creationId xmlns:a16="http://schemas.microsoft.com/office/drawing/2014/main" xmlns="" id="{0FDAD747-108F-4A6D-9220-5EA05067FF1E}"/>
+                <a16:creationId xmlns="" xmlns:a16="http://schemas.microsoft.com/office/drawing/2014/main" id="{0FDAD747-108F-4A6D-9220-5EA05067FF1E}"/>
               </a:ext>
             </a:extLst>
           </p:cNvPr>
@@ -41556,12 +41742,301 @@
           <a:chExt cx="0" cy="0"/>
         </a:xfrm>
       </p:grpSpPr>
+      <p:sp>
+        <p:nvSpPr>
+          <p:cNvPr id="12" name="矩形 11">
+            <a:extLst>
+              <a:ext uri="{FF2B5EF4-FFF2-40B4-BE49-F238E27FC236}">
+                <a16:creationId xmlns="" xmlns:a16="http://schemas.microsoft.com/office/drawing/2014/main" id="{0FDAD747-108F-4A6D-9220-5EA05067FF1E}"/>
+              </a:ext>
+            </a:extLst>
+          </p:cNvPr>
+          <p:cNvSpPr/>
+          <p:nvPr/>
+        </p:nvSpPr>
+        <p:spPr>
+          <a:xfrm>
+            <a:off x="843572" y="1120596"/>
+            <a:ext cx="2228687" cy="584775"/>
+          </a:xfrm>
+          <a:prstGeom prst="rect">
+            <a:avLst/>
+          </a:prstGeom>
+        </p:spPr>
+        <p:txBody>
+          <a:bodyPr wrap="none">
+            <a:spAutoFit/>
+          </a:bodyPr>
+          <a:lstStyle/>
+          <a:p>
+            <a:r>
+              <a:rPr lang="en-US" altLang="zh-CN" sz="3200" b="1" dirty="0">
+                <a:solidFill>
+                  <a:prstClr val="black"/>
+                </a:solidFill>
+                <a:latin typeface="微软雅黑" panose="020B0503020204020204" pitchFamily="34" charset="-122"/>
+                <a:ea typeface="微软雅黑" panose="020B0503020204020204" pitchFamily="34" charset="-122"/>
+              </a:rPr>
+              <a:t>ARPABET </a:t>
+            </a:r>
+            <a:endParaRPr lang="zh-CN" altLang="en-US" sz="3200" b="1" dirty="0">
+              <a:solidFill>
+                <a:prstClr val="black"/>
+              </a:solidFill>
+              <a:latin typeface="微软雅黑" panose="020B0503020204020204" pitchFamily="34" charset="-122"/>
+              <a:ea typeface="微软雅黑" panose="020B0503020204020204" pitchFamily="34" charset="-122"/>
+            </a:endParaRPr>
+          </a:p>
+        </p:txBody>
+      </p:sp>
+      <p:sp>
+        <p:nvSpPr>
+          <p:cNvPr id="4" name="矩形 3">
+            <a:extLst>
+              <a:ext uri="{FF2B5EF4-FFF2-40B4-BE49-F238E27FC236}">
+                <a16:creationId xmlns="" xmlns:a16="http://schemas.microsoft.com/office/drawing/2014/main" id="{0FDAD747-108F-4A6D-9220-5EA05067FF1E}"/>
+              </a:ext>
+            </a:extLst>
+          </p:cNvPr>
+          <p:cNvSpPr/>
+          <p:nvPr/>
+        </p:nvSpPr>
+        <p:spPr>
+          <a:xfrm>
+            <a:off x="843573" y="1705371"/>
+            <a:ext cx="10730590" cy="1319977"/>
+          </a:xfrm>
+          <a:prstGeom prst="rect">
+            <a:avLst/>
+          </a:prstGeom>
+        </p:spPr>
+        <p:txBody>
+          <a:bodyPr wrap="square">
+            <a:spAutoFit/>
+          </a:bodyPr>
+          <a:lstStyle/>
+          <a:p>
+            <a:pPr marL="285750" indent="-285750">
+              <a:lnSpc>
+                <a:spcPct val="200000"/>
+              </a:lnSpc>
+              <a:buFont typeface="Wingdings" panose="05000000000000000000" pitchFamily="2" charset="2"/>
+              <a:buChar char="p"/>
+            </a:pPr>
+            <a:r>
+              <a:rPr lang="en-US" altLang="zh-CN" sz="1400" dirty="0">
+                <a:solidFill>
+                  <a:prstClr val="black"/>
+                </a:solidFill>
+                <a:latin typeface="微软雅黑" panose="020B0503020204020204" pitchFamily="34" charset="-122"/>
+                <a:ea typeface="微软雅黑" panose="020B0503020204020204" pitchFamily="34" charset="-122"/>
+              </a:rPr>
+              <a:t>ARPABET (also spelled </a:t>
+            </a:r>
+            <a:r>
+              <a:rPr lang="en-US" altLang="zh-CN" sz="1400" dirty="0" err="1">
+                <a:solidFill>
+                  <a:prstClr val="black"/>
+                </a:solidFill>
+                <a:latin typeface="微软雅黑" panose="020B0503020204020204" pitchFamily="34" charset="-122"/>
+                <a:ea typeface="微软雅黑" panose="020B0503020204020204" pitchFamily="34" charset="-122"/>
+              </a:rPr>
+              <a:t>ARPAbet</a:t>
+            </a:r>
+            <a:r>
+              <a:rPr lang="en-US" altLang="zh-CN" sz="1400" dirty="0">
+                <a:solidFill>
+                  <a:prstClr val="black"/>
+                </a:solidFill>
+                <a:latin typeface="微软雅黑" panose="020B0503020204020204" pitchFamily="34" charset="-122"/>
+                <a:ea typeface="微软雅黑" panose="020B0503020204020204" pitchFamily="34" charset="-122"/>
+              </a:rPr>
+              <a:t>) is a set of phonetic transcription codes developed by Advanced Research Projects Agency (ARPA) as a part of their Speech Understanding Research project in the 1970s. It represents phonemes and allophones of General American English with distinct sequences of ASCII characters.</a:t>
+            </a:r>
+            <a:endParaRPr lang="en-US" altLang="zh-CN" sz="1400" dirty="0" smtClean="0">
+              <a:solidFill>
+                <a:prstClr val="black"/>
+              </a:solidFill>
+              <a:latin typeface="微软雅黑" panose="020B0503020204020204" pitchFamily="34" charset="-122"/>
+              <a:ea typeface="微软雅黑" panose="020B0503020204020204" pitchFamily="34" charset="-122"/>
+            </a:endParaRPr>
+          </a:p>
+        </p:txBody>
+      </p:sp>
+    </p:spTree>
+    <p:extLst>
+      <p:ext uri="{BB962C8B-B14F-4D97-AF65-F5344CB8AC3E}">
+        <p14:creationId xmlns:p14="http://schemas.microsoft.com/office/powerpoint/2010/main" val="4061887218"/>
+      </p:ext>
+    </p:extLst>
+  </p:cSld>
+  <p:clrMapOvr>
+    <a:masterClrMapping/>
+  </p:clrMapOvr>
+  <p:timing>
+    <p:tnLst>
+      <p:par>
+        <p:cTn id="1" dur="indefinite" restart="never" nodeType="tmRoot"/>
+      </p:par>
+    </p:tnLst>
+  </p:timing>
+</p:sld>
+</file>
+
+<file path=ppt/slides/slide75.xml><?xml version="1.0" encoding="utf-8"?>
+<p:sld xmlns:a="http://schemas.openxmlformats.org/drawingml/2006/main" xmlns:r="http://schemas.openxmlformats.org/officeDocument/2006/relationships" xmlns:p="http://schemas.openxmlformats.org/presentationml/2006/main">
+  <p:cSld>
+    <p:spTree>
+      <p:nvGrpSpPr>
+        <p:cNvPr id="1" name=""/>
+        <p:cNvGrpSpPr/>
+        <p:nvPr/>
+      </p:nvGrpSpPr>
+      <p:grpSpPr>
+        <a:xfrm>
+          <a:off x="0" y="0"/>
+          <a:ext cx="0" cy="0"/>
+          <a:chOff x="0" y="0"/>
+          <a:chExt cx="0" cy="0"/>
+        </a:xfrm>
+      </p:grpSpPr>
+      <p:sp>
+        <p:nvSpPr>
+          <p:cNvPr id="12" name="矩形 11">
+            <a:extLst>
+              <a:ext uri="{FF2B5EF4-FFF2-40B4-BE49-F238E27FC236}">
+                <a16:creationId xmlns="" xmlns:a16="http://schemas.microsoft.com/office/drawing/2014/main" id="{0FDAD747-108F-4A6D-9220-5EA05067FF1E}"/>
+              </a:ext>
+            </a:extLst>
+          </p:cNvPr>
+          <p:cNvSpPr/>
+          <p:nvPr/>
+        </p:nvSpPr>
+        <p:spPr>
+          <a:xfrm>
+            <a:off x="843572" y="1120596"/>
+            <a:ext cx="2228687" cy="584775"/>
+          </a:xfrm>
+          <a:prstGeom prst="rect">
+            <a:avLst/>
+          </a:prstGeom>
+        </p:spPr>
+        <p:txBody>
+          <a:bodyPr wrap="none">
+            <a:spAutoFit/>
+          </a:bodyPr>
+          <a:lstStyle/>
+          <a:p>
+            <a:r>
+              <a:rPr lang="en-US" altLang="zh-CN" sz="3200" b="1" dirty="0">
+                <a:solidFill>
+                  <a:prstClr val="black"/>
+                </a:solidFill>
+                <a:latin typeface="微软雅黑" panose="020B0503020204020204" pitchFamily="34" charset="-122"/>
+                <a:ea typeface="微软雅黑" panose="020B0503020204020204" pitchFamily="34" charset="-122"/>
+              </a:rPr>
+              <a:t>ARPABET </a:t>
+            </a:r>
+            <a:endParaRPr lang="zh-CN" altLang="en-US" sz="3200" b="1" dirty="0">
+              <a:solidFill>
+                <a:prstClr val="black"/>
+              </a:solidFill>
+              <a:latin typeface="微软雅黑" panose="020B0503020204020204" pitchFamily="34" charset="-122"/>
+              <a:ea typeface="微软雅黑" panose="020B0503020204020204" pitchFamily="34" charset="-122"/>
+            </a:endParaRPr>
+          </a:p>
+        </p:txBody>
+      </p:sp>
+      <p:pic>
+        <p:nvPicPr>
+          <p:cNvPr id="2" name="图片 1"/>
+          <p:cNvPicPr>
+            <a:picLocks noChangeAspect="1"/>
+          </p:cNvPicPr>
+          <p:nvPr/>
+        </p:nvPicPr>
+        <p:blipFill>
+          <a:blip r:embed="rId3"/>
+          <a:stretch>
+            <a:fillRect/>
+          </a:stretch>
+        </p:blipFill>
+        <p:spPr>
+          <a:xfrm>
+            <a:off x="4107742" y="986584"/>
+            <a:ext cx="2824238" cy="5326828"/>
+          </a:xfrm>
+          <a:prstGeom prst="rect">
+            <a:avLst/>
+          </a:prstGeom>
+        </p:spPr>
+      </p:pic>
+      <p:pic>
+        <p:nvPicPr>
+          <p:cNvPr id="3" name="图片 2"/>
+          <p:cNvPicPr>
+            <a:picLocks noChangeAspect="1"/>
+          </p:cNvPicPr>
+          <p:nvPr/>
+        </p:nvPicPr>
+        <p:blipFill rotWithShape="1">
+          <a:blip r:embed="rId4"/>
+          <a:srcRect b="21754"/>
+          <a:stretch/>
+        </p:blipFill>
+        <p:spPr>
+          <a:xfrm>
+            <a:off x="7355189" y="947329"/>
+            <a:ext cx="2679263" cy="5366083"/>
+          </a:xfrm>
+          <a:prstGeom prst="rect">
+            <a:avLst/>
+          </a:prstGeom>
+        </p:spPr>
+      </p:pic>
+    </p:spTree>
+    <p:extLst>
+      <p:ext uri="{BB962C8B-B14F-4D97-AF65-F5344CB8AC3E}">
+        <p14:creationId xmlns:p14="http://schemas.microsoft.com/office/powerpoint/2010/main" val="3066739424"/>
+      </p:ext>
+    </p:extLst>
+  </p:cSld>
+  <p:clrMapOvr>
+    <a:masterClrMapping/>
+  </p:clrMapOvr>
+  <p:timing>
+    <p:tnLst>
+      <p:par>
+        <p:cTn id="1" dur="indefinite" restart="never" nodeType="tmRoot"/>
+      </p:par>
+    </p:tnLst>
+  </p:timing>
+</p:sld>
+</file>
+
+<file path=ppt/slides/slide76.xml><?xml version="1.0" encoding="utf-8"?>
+<p:sld xmlns:a="http://schemas.openxmlformats.org/drawingml/2006/main" xmlns:r="http://schemas.openxmlformats.org/officeDocument/2006/relationships" xmlns:p="http://schemas.openxmlformats.org/presentationml/2006/main">
+  <p:cSld>
+    <p:spTree>
+      <p:nvGrpSpPr>
+        <p:cNvPr id="1" name=""/>
+        <p:cNvGrpSpPr/>
+        <p:nvPr/>
+      </p:nvGrpSpPr>
+      <p:grpSpPr>
+        <a:xfrm>
+          <a:off x="0" y="0"/>
+          <a:ext cx="0" cy="0"/>
+          <a:chOff x="0" y="0"/>
+          <a:chExt cx="0" cy="0"/>
+        </a:xfrm>
+      </p:grpSpPr>
       <p:graphicFrame>
         <p:nvGraphicFramePr>
           <p:cNvPr id="5" name="表格 4">
             <a:extLst>
               <a:ext uri="{FF2B5EF4-FFF2-40B4-BE49-F238E27FC236}">
-                <a16:creationId xmlns:a16="http://schemas.microsoft.com/office/drawing/2014/main" xmlns="" id="{2B9C0470-337C-452E-BB56-1A20A05EED9C}"/>
+                <a16:creationId xmlns="" xmlns:a16="http://schemas.microsoft.com/office/drawing/2014/main" id="{2B9C0470-337C-452E-BB56-1A20A05EED9C}"/>
               </a:ext>
             </a:extLst>
           </p:cNvPr>
@@ -41590,49 +42065,49 @@
                 <a:gridCol w="381740">
                   <a:extLst>
                     <a:ext uri="{9D8B030D-6E8A-4147-A177-3AD203B41FA5}">
-                      <a16:colId xmlns:a16="http://schemas.microsoft.com/office/drawing/2014/main" xmlns="" val="2257149020"/>
+                      <a16:colId xmlns="" xmlns:a16="http://schemas.microsoft.com/office/drawing/2014/main" val="2257149020"/>
                     </a:ext>
                   </a:extLst>
                 </a:gridCol>
                 <a:gridCol w="2292285">
                   <a:extLst>
                     <a:ext uri="{9D8B030D-6E8A-4147-A177-3AD203B41FA5}">
-                      <a16:colId xmlns:a16="http://schemas.microsoft.com/office/drawing/2014/main" xmlns="" val="858492403"/>
+                      <a16:colId xmlns="" xmlns:a16="http://schemas.microsoft.com/office/drawing/2014/main" val="858492403"/>
                     </a:ext>
                   </a:extLst>
                 </a:gridCol>
                 <a:gridCol w="945556">
                   <a:extLst>
                     <a:ext uri="{9D8B030D-6E8A-4147-A177-3AD203B41FA5}">
-                      <a16:colId xmlns:a16="http://schemas.microsoft.com/office/drawing/2014/main" xmlns="" val="2478056307"/>
+                      <a16:colId xmlns="" xmlns:a16="http://schemas.microsoft.com/office/drawing/2014/main" val="2478056307"/>
                     </a:ext>
                   </a:extLst>
                 </a:gridCol>
                 <a:gridCol w="1005685">
                   <a:extLst>
                     <a:ext uri="{9D8B030D-6E8A-4147-A177-3AD203B41FA5}">
-                      <a16:colId xmlns:a16="http://schemas.microsoft.com/office/drawing/2014/main" xmlns="" val="1462116078"/>
+                      <a16:colId xmlns="" xmlns:a16="http://schemas.microsoft.com/office/drawing/2014/main" val="1462116078"/>
                     </a:ext>
                   </a:extLst>
                 </a:gridCol>
                 <a:gridCol w="3529762">
                   <a:extLst>
                     <a:ext uri="{9D8B030D-6E8A-4147-A177-3AD203B41FA5}">
-                      <a16:colId xmlns:a16="http://schemas.microsoft.com/office/drawing/2014/main" xmlns="" val="1517546094"/>
+                      <a16:colId xmlns="" xmlns:a16="http://schemas.microsoft.com/office/drawing/2014/main" val="1517546094"/>
                     </a:ext>
                   </a:extLst>
                 </a:gridCol>
                 <a:gridCol w="2121408">
                   <a:extLst>
                     <a:ext uri="{9D8B030D-6E8A-4147-A177-3AD203B41FA5}">
-                      <a16:colId xmlns:a16="http://schemas.microsoft.com/office/drawing/2014/main" xmlns="" val="3149815664"/>
+                      <a16:colId xmlns="" xmlns:a16="http://schemas.microsoft.com/office/drawing/2014/main" val="3149815664"/>
                     </a:ext>
                   </a:extLst>
                 </a:gridCol>
                 <a:gridCol w="1362190">
                   <a:extLst>
                     <a:ext uri="{9D8B030D-6E8A-4147-A177-3AD203B41FA5}">
-                      <a16:colId xmlns:a16="http://schemas.microsoft.com/office/drawing/2014/main" xmlns="" val="3895567600"/>
+                      <a16:colId xmlns="" xmlns:a16="http://schemas.microsoft.com/office/drawing/2014/main" val="3895567600"/>
                     </a:ext>
                   </a:extLst>
                 </a:gridCol>
@@ -41824,7 +42299,7 @@
                 </a:tc>
                 <a:extLst>
                   <a:ext uri="{0D108BD9-81ED-4DB2-BD59-A6C34878D82A}">
-                    <a16:rowId xmlns:a16="http://schemas.microsoft.com/office/drawing/2014/main" xmlns="" val="792883643"/>
+                    <a16:rowId xmlns="" xmlns:a16="http://schemas.microsoft.com/office/drawing/2014/main" val="792883643"/>
                   </a:ext>
                 </a:extLst>
               </a:tr>
@@ -42436,7 +42911,7 @@
           <p:cNvPr id="7" name="矩形 6">
             <a:extLst>
               <a:ext uri="{FF2B5EF4-FFF2-40B4-BE49-F238E27FC236}">
-                <a16:creationId xmlns:a16="http://schemas.microsoft.com/office/drawing/2014/main" xmlns="" id="{0FDAD747-108F-4A6D-9220-5EA05067FF1E}"/>
+                <a16:creationId xmlns="" xmlns:a16="http://schemas.microsoft.com/office/drawing/2014/main" id="{0FDAD747-108F-4A6D-9220-5EA05067FF1E}"/>
               </a:ext>
             </a:extLst>
           </p:cNvPr>
@@ -42582,7 +43057,7 @@
           <p:cNvPr id="8" name="矩形 13" descr="紫色网格">
             <a:extLst>
               <a:ext uri="{FF2B5EF4-FFF2-40B4-BE49-F238E27FC236}">
-                <a16:creationId xmlns:a16="http://schemas.microsoft.com/office/drawing/2014/main" xmlns="" id="{44AEA09D-FD0A-4CA0-883D-93E5EAF762D6}"/>
+                <a16:creationId xmlns="" xmlns:a16="http://schemas.microsoft.com/office/drawing/2014/main" id="{44AEA09D-FD0A-4CA0-883D-93E5EAF762D6}"/>
               </a:ext>
             </a:extLst>
           </p:cNvPr>
@@ -42871,7 +43346,7 @@
           <p:cNvPr id="9" name="矩形 8">
             <a:extLst>
               <a:ext uri="{FF2B5EF4-FFF2-40B4-BE49-F238E27FC236}">
-                <a16:creationId xmlns:a16="http://schemas.microsoft.com/office/drawing/2014/main" xmlns="" id="{0FDAD747-108F-4A6D-9220-5EA05067FF1E}"/>
+                <a16:creationId xmlns="" xmlns:a16="http://schemas.microsoft.com/office/drawing/2014/main" id="{0FDAD747-108F-4A6D-9220-5EA05067FF1E}"/>
               </a:ext>
             </a:extLst>
           </p:cNvPr>
@@ -42981,7 +43456,7 @@
           <p:cNvPr id="9" name="矩形 8">
             <a:extLst>
               <a:ext uri="{FF2B5EF4-FFF2-40B4-BE49-F238E27FC236}">
-                <a16:creationId xmlns:a16="http://schemas.microsoft.com/office/drawing/2014/main" xmlns="" id="{AB1DF3D9-EC08-40CA-853D-48B16F99EE56}"/>
+                <a16:creationId xmlns="" xmlns:a16="http://schemas.microsoft.com/office/drawing/2014/main" id="{AB1DF3D9-EC08-40CA-853D-48B16F99EE56}"/>
               </a:ext>
             </a:extLst>
           </p:cNvPr>
@@ -43172,7 +43647,7 @@
           <p:cNvPr id="8" name="矩形 7">
             <a:extLst>
               <a:ext uri="{FF2B5EF4-FFF2-40B4-BE49-F238E27FC236}">
-                <a16:creationId xmlns:a16="http://schemas.microsoft.com/office/drawing/2014/main" xmlns="" id="{0FDAD747-108F-4A6D-9220-5EA05067FF1E}"/>
+                <a16:creationId xmlns="" xmlns:a16="http://schemas.microsoft.com/office/drawing/2014/main" id="{0FDAD747-108F-4A6D-9220-5EA05067FF1E}"/>
               </a:ext>
             </a:extLst>
           </p:cNvPr>

--- a/documents/基于音频预处理过程的语音识别系统攻击3.1.pptx
+++ b/documents/基于音频预处理过程的语音识别系统攻击3.1.pptx
@@ -5,7 +5,7 @@
     <p:sldMasterId id="2147483648" r:id="rId1"/>
   </p:sldMasterIdLst>
   <p:notesMasterIdLst>
-    <p:notesMasterId r:id="rId78"/>
+    <p:notesMasterId r:id="rId82"/>
   </p:notesMasterIdLst>
   <p:sldIdLst>
     <p:sldId id="337" r:id="rId2"/>
@@ -84,6 +84,10 @@
     <p:sldId id="420" r:id="rId75"/>
     <p:sldId id="421" r:id="rId76"/>
     <p:sldId id="418" r:id="rId77"/>
+    <p:sldId id="422" r:id="rId78"/>
+    <p:sldId id="423" r:id="rId79"/>
+    <p:sldId id="424" r:id="rId80"/>
+    <p:sldId id="425" r:id="rId81"/>
   </p:sldIdLst>
   <p:sldSz cx="12192000" cy="6858000"/>
   <p:notesSz cx="9874250" cy="6797675"/>
@@ -275,7 +279,7 @@
           <a:p>
             <a:fld id="{8F4F2EAB-82EF-4749-B0A6-32E8CB1FB1E4}" type="datetimeFigureOut">
               <a:rPr lang="zh-CN" altLang="en-US" smtClean="0"/>
-              <a:t>2020/5/21</a:t>
+              <a:t>2020/5/26</a:t>
             </a:fld>
             <a:endParaRPr lang="zh-CN" altLang="en-US"/>
           </a:p>
@@ -6782,6 +6786,90 @@
 </p:notes>
 </file>
 
+<file path=ppt/notesSlides/notesSlide69.xml><?xml version="1.0" encoding="utf-8"?>
+<p:notes xmlns:a="http://schemas.openxmlformats.org/drawingml/2006/main" xmlns:r="http://schemas.openxmlformats.org/officeDocument/2006/relationships" xmlns:p="http://schemas.openxmlformats.org/presentationml/2006/main">
+  <p:cSld>
+    <p:spTree>
+      <p:nvGrpSpPr>
+        <p:cNvPr id="1" name=""/>
+        <p:cNvGrpSpPr/>
+        <p:nvPr/>
+      </p:nvGrpSpPr>
+      <p:grpSpPr>
+        <a:xfrm>
+          <a:off x="0" y="0"/>
+          <a:ext cx="0" cy="0"/>
+          <a:chOff x="0" y="0"/>
+          <a:chExt cx="0" cy="0"/>
+        </a:xfrm>
+      </p:grpSpPr>
+      <p:sp>
+        <p:nvSpPr>
+          <p:cNvPr id="2" name="幻灯片图像占位符 1"/>
+          <p:cNvSpPr>
+            <a:spLocks noGrp="1" noRot="1" noChangeAspect="1"/>
+          </p:cNvSpPr>
+          <p:nvPr>
+            <p:ph type="sldImg"/>
+          </p:nvPr>
+        </p:nvSpPr>
+        <p:spPr/>
+      </p:sp>
+      <p:sp>
+        <p:nvSpPr>
+          <p:cNvPr id="3" name="备注占位符 2"/>
+          <p:cNvSpPr>
+            <a:spLocks noGrp="1"/>
+          </p:cNvSpPr>
+          <p:nvPr>
+            <p:ph type="body" idx="1"/>
+          </p:nvPr>
+        </p:nvSpPr>
+        <p:spPr/>
+        <p:txBody>
+          <a:bodyPr/>
+          <a:lstStyle/>
+          <a:p>
+            <a:endParaRPr lang="zh-CN" altLang="en-US" dirty="0"/>
+          </a:p>
+        </p:txBody>
+      </p:sp>
+      <p:sp>
+        <p:nvSpPr>
+          <p:cNvPr id="4" name="灯片编号占位符 3"/>
+          <p:cNvSpPr>
+            <a:spLocks noGrp="1"/>
+          </p:cNvSpPr>
+          <p:nvPr>
+            <p:ph type="sldNum" sz="quarter" idx="10"/>
+          </p:nvPr>
+        </p:nvSpPr>
+        <p:spPr/>
+        <p:txBody>
+          <a:bodyPr/>
+          <a:lstStyle/>
+          <a:p>
+            <a:fld id="{2E13179B-82BD-4567-A6FC-5FF2E5270D1F}" type="slidenum">
+              <a:rPr lang="zh-CN" altLang="en-US" smtClean="0"/>
+              <a:t>77</a:t>
+            </a:fld>
+            <a:endParaRPr lang="zh-CN" altLang="en-US"/>
+          </a:p>
+        </p:txBody>
+      </p:sp>
+    </p:spTree>
+    <p:extLst>
+      <p:ext uri="{BB962C8B-B14F-4D97-AF65-F5344CB8AC3E}">
+        <p14:creationId xmlns:p14="http://schemas.microsoft.com/office/powerpoint/2010/main" val="3647467821"/>
+      </p:ext>
+    </p:extLst>
+  </p:cSld>
+  <p:clrMapOvr>
+    <a:masterClrMapping/>
+  </p:clrMapOvr>
+</p:notes>
+</file>
+
 <file path=ppt/notesSlides/notesSlide7.xml><?xml version="1.0" encoding="utf-8"?>
 <p:notes xmlns:a="http://schemas.openxmlformats.org/drawingml/2006/main" xmlns:r="http://schemas.openxmlformats.org/officeDocument/2006/relationships" xmlns:p="http://schemas.openxmlformats.org/presentationml/2006/main">
   <p:cSld>
@@ -6857,6 +6945,282 @@
     <p:extLst>
       <p:ext uri="{BB962C8B-B14F-4D97-AF65-F5344CB8AC3E}">
         <p14:creationId xmlns:p14="http://schemas.microsoft.com/office/powerpoint/2010/main" val="3346829710"/>
+      </p:ext>
+    </p:extLst>
+  </p:cSld>
+  <p:clrMapOvr>
+    <a:masterClrMapping/>
+  </p:clrMapOvr>
+</p:notes>
+</file>
+
+<file path=ppt/notesSlides/notesSlide70.xml><?xml version="1.0" encoding="utf-8"?>
+<p:notes xmlns:a="http://schemas.openxmlformats.org/drawingml/2006/main" xmlns:r="http://schemas.openxmlformats.org/officeDocument/2006/relationships" xmlns:p="http://schemas.openxmlformats.org/presentationml/2006/main">
+  <p:cSld>
+    <p:spTree>
+      <p:nvGrpSpPr>
+        <p:cNvPr id="1" name=""/>
+        <p:cNvGrpSpPr/>
+        <p:nvPr/>
+      </p:nvGrpSpPr>
+      <p:grpSpPr>
+        <a:xfrm>
+          <a:off x="0" y="0"/>
+          <a:ext cx="0" cy="0"/>
+          <a:chOff x="0" y="0"/>
+          <a:chExt cx="0" cy="0"/>
+        </a:xfrm>
+      </p:grpSpPr>
+      <p:sp>
+        <p:nvSpPr>
+          <p:cNvPr id="2" name="幻灯片图像占位符 1"/>
+          <p:cNvSpPr>
+            <a:spLocks noGrp="1" noRot="1" noChangeAspect="1"/>
+          </p:cNvSpPr>
+          <p:nvPr>
+            <p:ph type="sldImg"/>
+          </p:nvPr>
+        </p:nvSpPr>
+        <p:spPr/>
+      </p:sp>
+      <p:sp>
+        <p:nvSpPr>
+          <p:cNvPr id="3" name="备注占位符 2"/>
+          <p:cNvSpPr>
+            <a:spLocks noGrp="1"/>
+          </p:cNvSpPr>
+          <p:nvPr>
+            <p:ph type="body" idx="1"/>
+          </p:nvPr>
+        </p:nvSpPr>
+        <p:spPr/>
+        <p:txBody>
+          <a:bodyPr/>
+          <a:lstStyle/>
+          <a:p>
+            <a:r>
+              <a:rPr lang="en-US" altLang="zh-CN" dirty="0" smtClean="0"/>
+              <a:t>1.</a:t>
+            </a:r>
+            <a:r>
+              <a:rPr lang="zh-CN" altLang="en-US" dirty="0" smtClean="0"/>
+              <a:t>正常功能即能识别对无处理语音样本</a:t>
+            </a:r>
+            <a:endParaRPr lang="zh-CN" altLang="en-US" dirty="0"/>
+          </a:p>
+        </p:txBody>
+      </p:sp>
+      <p:sp>
+        <p:nvSpPr>
+          <p:cNvPr id="4" name="灯片编号占位符 3"/>
+          <p:cNvSpPr>
+            <a:spLocks noGrp="1"/>
+          </p:cNvSpPr>
+          <p:nvPr>
+            <p:ph type="sldNum" sz="quarter" idx="10"/>
+          </p:nvPr>
+        </p:nvSpPr>
+        <p:spPr/>
+        <p:txBody>
+          <a:bodyPr/>
+          <a:lstStyle/>
+          <a:p>
+            <a:fld id="{2E13179B-82BD-4567-A6FC-5FF2E5270D1F}" type="slidenum">
+              <a:rPr lang="zh-CN" altLang="en-US" smtClean="0"/>
+              <a:t>78</a:t>
+            </a:fld>
+            <a:endParaRPr lang="zh-CN" altLang="en-US"/>
+          </a:p>
+        </p:txBody>
+      </p:sp>
+    </p:spTree>
+    <p:extLst>
+      <p:ext uri="{BB962C8B-B14F-4D97-AF65-F5344CB8AC3E}">
+        <p14:creationId xmlns:p14="http://schemas.microsoft.com/office/powerpoint/2010/main" val="3276796772"/>
+      </p:ext>
+    </p:extLst>
+  </p:cSld>
+  <p:clrMapOvr>
+    <a:masterClrMapping/>
+  </p:clrMapOvr>
+</p:notes>
+</file>
+
+<file path=ppt/notesSlides/notesSlide71.xml><?xml version="1.0" encoding="utf-8"?>
+<p:notes xmlns:a="http://schemas.openxmlformats.org/drawingml/2006/main" xmlns:r="http://schemas.openxmlformats.org/officeDocument/2006/relationships" xmlns:p="http://schemas.openxmlformats.org/presentationml/2006/main">
+  <p:cSld>
+    <p:spTree>
+      <p:nvGrpSpPr>
+        <p:cNvPr id="1" name=""/>
+        <p:cNvGrpSpPr/>
+        <p:nvPr/>
+      </p:nvGrpSpPr>
+      <p:grpSpPr>
+        <a:xfrm>
+          <a:off x="0" y="0"/>
+          <a:ext cx="0" cy="0"/>
+          <a:chOff x="0" y="0"/>
+          <a:chExt cx="0" cy="0"/>
+        </a:xfrm>
+      </p:grpSpPr>
+      <p:sp>
+        <p:nvSpPr>
+          <p:cNvPr id="2" name="幻灯片图像占位符 1"/>
+          <p:cNvSpPr>
+            <a:spLocks noGrp="1" noRot="1" noChangeAspect="1"/>
+          </p:cNvSpPr>
+          <p:nvPr>
+            <p:ph type="sldImg"/>
+          </p:nvPr>
+        </p:nvSpPr>
+        <p:spPr/>
+      </p:sp>
+      <p:sp>
+        <p:nvSpPr>
+          <p:cNvPr id="3" name="备注占位符 2"/>
+          <p:cNvSpPr>
+            <a:spLocks noGrp="1"/>
+          </p:cNvSpPr>
+          <p:nvPr>
+            <p:ph type="body" idx="1"/>
+          </p:nvPr>
+        </p:nvSpPr>
+        <p:spPr/>
+        <p:txBody>
+          <a:bodyPr/>
+          <a:lstStyle/>
+          <a:p>
+            <a:r>
+              <a:rPr lang="en-US" altLang="zh-CN" dirty="0" smtClean="0"/>
+              <a:t>1.</a:t>
+            </a:r>
+            <a:r>
+              <a:rPr lang="zh-CN" altLang="en-US" dirty="0" smtClean="0"/>
+              <a:t>正常功能即能识别对无处理语音样本</a:t>
+            </a:r>
+            <a:endParaRPr lang="zh-CN" altLang="en-US" dirty="0"/>
+          </a:p>
+        </p:txBody>
+      </p:sp>
+      <p:sp>
+        <p:nvSpPr>
+          <p:cNvPr id="4" name="灯片编号占位符 3"/>
+          <p:cNvSpPr>
+            <a:spLocks noGrp="1"/>
+          </p:cNvSpPr>
+          <p:nvPr>
+            <p:ph type="sldNum" sz="quarter" idx="10"/>
+          </p:nvPr>
+        </p:nvSpPr>
+        <p:spPr/>
+        <p:txBody>
+          <a:bodyPr/>
+          <a:lstStyle/>
+          <a:p>
+            <a:fld id="{2E13179B-82BD-4567-A6FC-5FF2E5270D1F}" type="slidenum">
+              <a:rPr lang="zh-CN" altLang="en-US" smtClean="0"/>
+              <a:t>79</a:t>
+            </a:fld>
+            <a:endParaRPr lang="zh-CN" altLang="en-US"/>
+          </a:p>
+        </p:txBody>
+      </p:sp>
+    </p:spTree>
+    <p:extLst>
+      <p:ext uri="{BB962C8B-B14F-4D97-AF65-F5344CB8AC3E}">
+        <p14:creationId xmlns:p14="http://schemas.microsoft.com/office/powerpoint/2010/main" val="2454663342"/>
+      </p:ext>
+    </p:extLst>
+  </p:cSld>
+  <p:clrMapOvr>
+    <a:masterClrMapping/>
+  </p:clrMapOvr>
+</p:notes>
+</file>
+
+<file path=ppt/notesSlides/notesSlide72.xml><?xml version="1.0" encoding="utf-8"?>
+<p:notes xmlns:a="http://schemas.openxmlformats.org/drawingml/2006/main" xmlns:r="http://schemas.openxmlformats.org/officeDocument/2006/relationships" xmlns:p="http://schemas.openxmlformats.org/presentationml/2006/main">
+  <p:cSld>
+    <p:spTree>
+      <p:nvGrpSpPr>
+        <p:cNvPr id="1" name=""/>
+        <p:cNvGrpSpPr/>
+        <p:nvPr/>
+      </p:nvGrpSpPr>
+      <p:grpSpPr>
+        <a:xfrm>
+          <a:off x="0" y="0"/>
+          <a:ext cx="0" cy="0"/>
+          <a:chOff x="0" y="0"/>
+          <a:chExt cx="0" cy="0"/>
+        </a:xfrm>
+      </p:grpSpPr>
+      <p:sp>
+        <p:nvSpPr>
+          <p:cNvPr id="2" name="幻灯片图像占位符 1"/>
+          <p:cNvSpPr>
+            <a:spLocks noGrp="1" noRot="1" noChangeAspect="1"/>
+          </p:cNvSpPr>
+          <p:nvPr>
+            <p:ph type="sldImg"/>
+          </p:nvPr>
+        </p:nvSpPr>
+        <p:spPr/>
+      </p:sp>
+      <p:sp>
+        <p:nvSpPr>
+          <p:cNvPr id="3" name="备注占位符 2"/>
+          <p:cNvSpPr>
+            <a:spLocks noGrp="1"/>
+          </p:cNvSpPr>
+          <p:nvPr>
+            <p:ph type="body" idx="1"/>
+          </p:nvPr>
+        </p:nvSpPr>
+        <p:spPr/>
+        <p:txBody>
+          <a:bodyPr/>
+          <a:lstStyle/>
+          <a:p>
+            <a:r>
+              <a:rPr lang="en-US" altLang="zh-CN" dirty="0" smtClean="0"/>
+              <a:t>1.</a:t>
+            </a:r>
+            <a:r>
+              <a:rPr lang="zh-CN" altLang="en-US" dirty="0" smtClean="0"/>
+              <a:t>正常功能即能识别对无处理语音样本</a:t>
+            </a:r>
+            <a:endParaRPr lang="zh-CN" altLang="en-US" dirty="0"/>
+          </a:p>
+        </p:txBody>
+      </p:sp>
+      <p:sp>
+        <p:nvSpPr>
+          <p:cNvPr id="4" name="灯片编号占位符 3"/>
+          <p:cNvSpPr>
+            <a:spLocks noGrp="1"/>
+          </p:cNvSpPr>
+          <p:nvPr>
+            <p:ph type="sldNum" sz="quarter" idx="10"/>
+          </p:nvPr>
+        </p:nvSpPr>
+        <p:spPr/>
+        <p:txBody>
+          <a:bodyPr/>
+          <a:lstStyle/>
+          <a:p>
+            <a:fld id="{2E13179B-82BD-4567-A6FC-5FF2E5270D1F}" type="slidenum">
+              <a:rPr lang="zh-CN" altLang="en-US" smtClean="0"/>
+              <a:t>80</a:t>
+            </a:fld>
+            <a:endParaRPr lang="zh-CN" altLang="en-US"/>
+          </a:p>
+        </p:txBody>
+      </p:sp>
+    </p:spTree>
+    <p:extLst>
+      <p:ext uri="{BB962C8B-B14F-4D97-AF65-F5344CB8AC3E}">
+        <p14:creationId xmlns:p14="http://schemas.microsoft.com/office/powerpoint/2010/main" val="772770520"/>
       </p:ext>
     </p:extLst>
   </p:cSld>
@@ -42889,6 +43253,1106 @@
 </p:sld>
 </file>
 
+<file path=ppt/slides/slide77.xml><?xml version="1.0" encoding="utf-8"?>
+<p:sld xmlns:a="http://schemas.openxmlformats.org/drawingml/2006/main" xmlns:r="http://schemas.openxmlformats.org/officeDocument/2006/relationships" xmlns:p="http://schemas.openxmlformats.org/presentationml/2006/main">
+  <p:cSld>
+    <p:spTree>
+      <p:nvGrpSpPr>
+        <p:cNvPr id="1" name=""/>
+        <p:cNvGrpSpPr/>
+        <p:nvPr/>
+      </p:nvGrpSpPr>
+      <p:grpSpPr>
+        <a:xfrm>
+          <a:off x="0" y="0"/>
+          <a:ext cx="0" cy="0"/>
+          <a:chOff x="0" y="0"/>
+          <a:chExt cx="0" cy="0"/>
+        </a:xfrm>
+      </p:grpSpPr>
+      <p:sp>
+        <p:nvSpPr>
+          <p:cNvPr id="13" name="文本框 12"/>
+          <p:cNvSpPr txBox="1"/>
+          <p:nvPr/>
+        </p:nvSpPr>
+        <p:spPr>
+          <a:xfrm>
+            <a:off x="1133852" y="2368487"/>
+            <a:ext cx="9954277" cy="707886"/>
+          </a:xfrm>
+          <a:prstGeom prst="rect">
+            <a:avLst/>
+          </a:prstGeom>
+          <a:noFill/>
+        </p:spPr>
+        <p:txBody>
+          <a:bodyPr wrap="square" rtlCol="0" anchor="ctr">
+            <a:spAutoFit/>
+          </a:bodyPr>
+          <a:lstStyle/>
+          <a:p>
+            <a:pPr algn="ctr"/>
+            <a:r>
+              <a:rPr lang="en-US" altLang="zh-CN" sz="4000" b="1" dirty="0" smtClean="0">
+                <a:solidFill>
+                  <a:schemeClr val="bg2">
+                    <a:lumMod val="10000"/>
+                  </a:schemeClr>
+                </a:solidFill>
+                <a:latin typeface="微软雅黑" panose="020B0503020204020204" pitchFamily="34" charset="-122"/>
+                <a:ea typeface="微软雅黑" panose="020B0503020204020204" pitchFamily="34" charset="-122"/>
+              </a:rPr>
+              <a:t>5</a:t>
+            </a:r>
+            <a:r>
+              <a:rPr lang="zh-CN" altLang="en-US" sz="4000" b="1" dirty="0" smtClean="0">
+                <a:solidFill>
+                  <a:schemeClr val="bg2">
+                    <a:lumMod val="10000"/>
+                  </a:schemeClr>
+                </a:solidFill>
+                <a:latin typeface="微软雅黑" panose="020B0503020204020204" pitchFamily="34" charset="-122"/>
+                <a:ea typeface="微软雅黑" panose="020B0503020204020204" pitchFamily="34" charset="-122"/>
+              </a:rPr>
+              <a:t>月</a:t>
+            </a:r>
+            <a:r>
+              <a:rPr lang="en-US" altLang="zh-CN" sz="4000" b="1" dirty="0" smtClean="0">
+                <a:solidFill>
+                  <a:schemeClr val="bg2">
+                    <a:lumMod val="10000"/>
+                  </a:schemeClr>
+                </a:solidFill>
+                <a:latin typeface="微软雅黑" panose="020B0503020204020204" pitchFamily="34" charset="-122"/>
+                <a:ea typeface="微软雅黑" panose="020B0503020204020204" pitchFamily="34" charset="-122"/>
+              </a:rPr>
+              <a:t>26</a:t>
+            </a:r>
+            <a:r>
+              <a:rPr lang="zh-CN" altLang="en-US" sz="4000" b="1" dirty="0" smtClean="0">
+                <a:solidFill>
+                  <a:schemeClr val="bg2">
+                    <a:lumMod val="10000"/>
+                  </a:schemeClr>
+                </a:solidFill>
+                <a:latin typeface="微软雅黑" panose="020B0503020204020204" pitchFamily="34" charset="-122"/>
+                <a:ea typeface="微软雅黑" panose="020B0503020204020204" pitchFamily="34" charset="-122"/>
+              </a:rPr>
+              <a:t>日</a:t>
+            </a:r>
+            <a:endParaRPr lang="en-US" altLang="zh-CN" sz="4000" dirty="0" smtClean="0">
+              <a:solidFill>
+                <a:schemeClr val="bg2">
+                  <a:lumMod val="10000"/>
+                </a:schemeClr>
+              </a:solidFill>
+              <a:latin typeface="微软雅黑" panose="020B0503020204020204" pitchFamily="34" charset="-122"/>
+              <a:ea typeface="微软雅黑" panose="020B0503020204020204" pitchFamily="34" charset="-122"/>
+            </a:endParaRPr>
+          </a:p>
+        </p:txBody>
+      </p:sp>
+    </p:spTree>
+    <p:extLst>
+      <p:ext uri="{BB962C8B-B14F-4D97-AF65-F5344CB8AC3E}">
+        <p14:creationId xmlns:p14="http://schemas.microsoft.com/office/powerpoint/2010/main" val="3339519037"/>
+      </p:ext>
+    </p:extLst>
+  </p:cSld>
+  <p:clrMapOvr>
+    <a:masterClrMapping/>
+  </p:clrMapOvr>
+  <p:timing>
+    <p:tnLst>
+      <p:par>
+        <p:cTn id="1" dur="indefinite" restart="never" nodeType="tmRoot"/>
+      </p:par>
+    </p:tnLst>
+  </p:timing>
+</p:sld>
+</file>
+
+<file path=ppt/slides/slide78.xml><?xml version="1.0" encoding="utf-8"?>
+<p:sld xmlns:a="http://schemas.openxmlformats.org/drawingml/2006/main" xmlns:r="http://schemas.openxmlformats.org/officeDocument/2006/relationships" xmlns:p="http://schemas.openxmlformats.org/presentationml/2006/main">
+  <p:cSld>
+    <p:spTree>
+      <p:nvGrpSpPr>
+        <p:cNvPr id="1" name=""/>
+        <p:cNvGrpSpPr/>
+        <p:nvPr/>
+      </p:nvGrpSpPr>
+      <p:grpSpPr>
+        <a:xfrm>
+          <a:off x="0" y="0"/>
+          <a:ext cx="0" cy="0"/>
+          <a:chOff x="0" y="0"/>
+          <a:chExt cx="0" cy="0"/>
+        </a:xfrm>
+      </p:grpSpPr>
+      <p:sp>
+        <p:nvSpPr>
+          <p:cNvPr id="12" name="矩形 11">
+            <a:extLst>
+              <a:ext uri="{FF2B5EF4-FFF2-40B4-BE49-F238E27FC236}">
+                <a16:creationId xmlns="" xmlns:a16="http://schemas.microsoft.com/office/drawing/2014/main" id="{0FDAD747-108F-4A6D-9220-5EA05067FF1E}"/>
+              </a:ext>
+            </a:extLst>
+          </p:cNvPr>
+          <p:cNvSpPr/>
+          <p:nvPr/>
+        </p:nvSpPr>
+        <p:spPr>
+          <a:xfrm>
+            <a:off x="843572" y="1120596"/>
+            <a:ext cx="1630575" cy="584775"/>
+          </a:xfrm>
+          <a:prstGeom prst="rect">
+            <a:avLst/>
+          </a:prstGeom>
+        </p:spPr>
+        <p:txBody>
+          <a:bodyPr wrap="none">
+            <a:spAutoFit/>
+          </a:bodyPr>
+          <a:lstStyle/>
+          <a:p>
+            <a:r>
+              <a:rPr lang="en-US" altLang="zh-CN" sz="3200" b="1" dirty="0">
+                <a:solidFill>
+                  <a:prstClr val="black"/>
+                </a:solidFill>
+                <a:latin typeface="微软雅黑" panose="020B0503020204020204" pitchFamily="34" charset="-122"/>
+                <a:ea typeface="微软雅黑" panose="020B0503020204020204" pitchFamily="34" charset="-122"/>
+              </a:rPr>
+              <a:t>M</a:t>
+            </a:r>
+            <a:r>
+              <a:rPr lang="en-US" altLang="zh-CN" sz="3200" b="1" dirty="0" smtClean="0">
+                <a:solidFill>
+                  <a:prstClr val="black"/>
+                </a:solidFill>
+                <a:latin typeface="微软雅黑" panose="020B0503020204020204" pitchFamily="34" charset="-122"/>
+                <a:ea typeface="微软雅黑" panose="020B0503020204020204" pitchFamily="34" charset="-122"/>
+              </a:rPr>
+              <a:t>odel </a:t>
+            </a:r>
+            <a:endParaRPr lang="zh-CN" altLang="en-US" sz="3200" b="1" dirty="0">
+              <a:solidFill>
+                <a:prstClr val="black"/>
+              </a:solidFill>
+              <a:latin typeface="微软雅黑" panose="020B0503020204020204" pitchFamily="34" charset="-122"/>
+              <a:ea typeface="微软雅黑" panose="020B0503020204020204" pitchFamily="34" charset="-122"/>
+            </a:endParaRPr>
+          </a:p>
+        </p:txBody>
+      </p:sp>
+      <p:sp>
+        <p:nvSpPr>
+          <p:cNvPr id="6" name="矩形 5">
+            <a:extLst>
+              <a:ext uri="{FF2B5EF4-FFF2-40B4-BE49-F238E27FC236}">
+                <a16:creationId xmlns="" xmlns:a16="http://schemas.microsoft.com/office/drawing/2014/main" id="{0FDAD747-108F-4A6D-9220-5EA05067FF1E}"/>
+              </a:ext>
+            </a:extLst>
+          </p:cNvPr>
+          <p:cNvSpPr/>
+          <p:nvPr/>
+        </p:nvSpPr>
+        <p:spPr>
+          <a:xfrm>
+            <a:off x="1242148" y="2640236"/>
+            <a:ext cx="3531736" cy="369332"/>
+          </a:xfrm>
+          <a:prstGeom prst="rect">
+            <a:avLst/>
+          </a:prstGeom>
+        </p:spPr>
+        <p:txBody>
+          <a:bodyPr wrap="none">
+            <a:spAutoFit/>
+          </a:bodyPr>
+          <a:lstStyle/>
+          <a:p>
+            <a:r>
+              <a:rPr lang="zh-CN" altLang="en-US" dirty="0" smtClean="0">
+                <a:solidFill>
+                  <a:prstClr val="black"/>
+                </a:solidFill>
+                <a:latin typeface="Arial"/>
+                <a:ea typeface="华文新魏" panose="02010800040101010101" pitchFamily="2" charset="-122"/>
+              </a:rPr>
+              <a:t>“</a:t>
+            </a:r>
+            <a:r>
+              <a:rPr lang="en-US" altLang="zh-CN" dirty="0" smtClean="0">
+                <a:solidFill>
+                  <a:prstClr val="black"/>
+                </a:solidFill>
+                <a:latin typeface="Arial"/>
+                <a:ea typeface="华文新魏" panose="02010800040101010101" pitchFamily="2" charset="-122"/>
+              </a:rPr>
+              <a:t>the meeting is now charmed</a:t>
+            </a:r>
+            <a:r>
+              <a:rPr lang="zh-CN" altLang="en-US" dirty="0" smtClean="0">
+                <a:solidFill>
+                  <a:prstClr val="black"/>
+                </a:solidFill>
+                <a:latin typeface="Arial"/>
+                <a:ea typeface="华文新魏" panose="02010800040101010101" pitchFamily="2" charset="-122"/>
+              </a:rPr>
+              <a:t>”</a:t>
+            </a:r>
+            <a:endParaRPr lang="zh-CN" altLang="en-US" dirty="0">
+              <a:solidFill>
+                <a:prstClr val="black"/>
+              </a:solidFill>
+              <a:latin typeface="Arial"/>
+              <a:ea typeface="华文新魏" panose="02010800040101010101" pitchFamily="2" charset="-122"/>
+            </a:endParaRPr>
+          </a:p>
+        </p:txBody>
+      </p:sp>
+      <p:sp>
+        <p:nvSpPr>
+          <p:cNvPr id="3" name="文本框 2"/>
+          <p:cNvSpPr txBox="1"/>
+          <p:nvPr/>
+        </p:nvSpPr>
+        <p:spPr>
+          <a:xfrm>
+            <a:off x="1021393" y="2064236"/>
+            <a:ext cx="3896870" cy="576000"/>
+          </a:xfrm>
+          <a:prstGeom prst="rect">
+            <a:avLst/>
+          </a:prstGeom>
+          <a:noFill/>
+          <a:ln w="38100">
+            <a:solidFill>
+              <a:schemeClr val="accent1">
+                <a:lumMod val="75000"/>
+              </a:schemeClr>
+            </a:solidFill>
+          </a:ln>
+        </p:spPr>
+        <p:txBody>
+          <a:bodyPr wrap="square" rtlCol="0">
+            <a:spAutoFit/>
+          </a:bodyPr>
+          <a:lstStyle/>
+          <a:p>
+            <a:pPr algn="ctr"/>
+            <a:r>
+              <a:rPr lang="en-US" altLang="zh-CN" sz="2800" b="1" dirty="0" smtClean="0"/>
+              <a:t>Target A</a:t>
+            </a:r>
+            <a:endParaRPr lang="zh-CN" altLang="en-US" sz="2800" b="1" dirty="0"/>
+          </a:p>
+        </p:txBody>
+      </p:sp>
+      <p:sp>
+        <p:nvSpPr>
+          <p:cNvPr id="8" name="文本框 7"/>
+          <p:cNvSpPr txBox="1"/>
+          <p:nvPr/>
+        </p:nvSpPr>
+        <p:spPr>
+          <a:xfrm>
+            <a:off x="7193593" y="2064236"/>
+            <a:ext cx="3896870" cy="523220"/>
+          </a:xfrm>
+          <a:prstGeom prst="rect">
+            <a:avLst/>
+          </a:prstGeom>
+          <a:noFill/>
+          <a:ln w="38100">
+            <a:solidFill>
+              <a:schemeClr val="accent1">
+                <a:lumMod val="75000"/>
+              </a:schemeClr>
+            </a:solidFill>
+          </a:ln>
+        </p:spPr>
+        <p:txBody>
+          <a:bodyPr wrap="square" rtlCol="0">
+            <a:spAutoFit/>
+          </a:bodyPr>
+          <a:lstStyle/>
+          <a:p>
+            <a:pPr algn="ctr"/>
+            <a:r>
+              <a:rPr lang="en-US" altLang="zh-CN" sz="2800" b="1" dirty="0" smtClean="0"/>
+              <a:t>Target B</a:t>
+            </a:r>
+            <a:endParaRPr lang="zh-CN" altLang="en-US" sz="2800" b="1" dirty="0"/>
+          </a:p>
+        </p:txBody>
+      </p:sp>
+      <p:sp>
+        <p:nvSpPr>
+          <p:cNvPr id="9" name="矩形 8">
+            <a:extLst>
+              <a:ext uri="{FF2B5EF4-FFF2-40B4-BE49-F238E27FC236}">
+                <a16:creationId xmlns="" xmlns:a16="http://schemas.microsoft.com/office/drawing/2014/main" id="{2A55BA5B-CE30-435B-95FB-B00B8161E590}"/>
+              </a:ext>
+            </a:extLst>
+          </p:cNvPr>
+          <p:cNvSpPr/>
+          <p:nvPr/>
+        </p:nvSpPr>
+        <p:spPr>
+          <a:xfrm>
+            <a:off x="7540737" y="2640236"/>
+            <a:ext cx="3202581" cy="369332"/>
+          </a:xfrm>
+          <a:prstGeom prst="rect">
+            <a:avLst/>
+          </a:prstGeom>
+        </p:spPr>
+        <p:txBody>
+          <a:bodyPr wrap="square">
+            <a:spAutoFit/>
+          </a:bodyPr>
+          <a:lstStyle/>
+          <a:p>
+            <a:pPr algn="ctr"/>
+            <a:r>
+              <a:rPr lang="zh-CN" altLang="en-US" dirty="0" smtClean="0">
+                <a:solidFill>
+                  <a:prstClr val="black"/>
+                </a:solidFill>
+                <a:latin typeface="Arial"/>
+                <a:ea typeface="华文新魏" panose="02010800040101010101" pitchFamily="2" charset="-122"/>
+              </a:rPr>
+              <a:t>“</a:t>
+            </a:r>
+            <a:r>
+              <a:rPr lang="en-US" altLang="zh-CN" dirty="0" smtClean="0">
+                <a:solidFill>
+                  <a:prstClr val="black"/>
+                </a:solidFill>
+                <a:latin typeface="Arial"/>
+                <a:ea typeface="华文新魏" panose="02010800040101010101" pitchFamily="2" charset="-122"/>
+              </a:rPr>
+              <a:t>I’m eating a sandwich arms</a:t>
+            </a:r>
+            <a:r>
+              <a:rPr lang="zh-CN" altLang="en-US" dirty="0" smtClean="0">
+                <a:solidFill>
+                  <a:prstClr val="black"/>
+                </a:solidFill>
+                <a:latin typeface="Arial"/>
+                <a:ea typeface="华文新魏" panose="02010800040101010101" pitchFamily="2" charset="-122"/>
+              </a:rPr>
+              <a:t>”</a:t>
+            </a:r>
+            <a:endParaRPr lang="zh-CN" altLang="en-US" dirty="0">
+              <a:solidFill>
+                <a:prstClr val="black"/>
+              </a:solidFill>
+              <a:latin typeface="Arial"/>
+              <a:ea typeface="华文新魏" panose="02010800040101010101" pitchFamily="2" charset="-122"/>
+            </a:endParaRPr>
+          </a:p>
+        </p:txBody>
+      </p:sp>
+      <p:sp>
+        <p:nvSpPr>
+          <p:cNvPr id="7" name="右箭头 6"/>
+          <p:cNvSpPr/>
+          <p:nvPr/>
+        </p:nvSpPr>
+        <p:spPr>
+          <a:xfrm>
+            <a:off x="5129496" y="2234626"/>
+            <a:ext cx="1852863" cy="235220"/>
+          </a:xfrm>
+          <a:prstGeom prst="rightArrow">
+            <a:avLst/>
+          </a:prstGeom>
+        </p:spPr>
+        <p:style>
+          <a:lnRef idx="2">
+            <a:schemeClr val="accent1">
+              <a:shade val="50000"/>
+            </a:schemeClr>
+          </a:lnRef>
+          <a:fillRef idx="1">
+            <a:schemeClr val="accent1"/>
+          </a:fillRef>
+          <a:effectRef idx="0">
+            <a:schemeClr val="accent1"/>
+          </a:effectRef>
+          <a:fontRef idx="minor">
+            <a:schemeClr val="lt1"/>
+          </a:fontRef>
+        </p:style>
+        <p:txBody>
+          <a:bodyPr rtlCol="0" anchor="ctr"/>
+          <a:lstStyle/>
+          <a:p>
+            <a:pPr algn="ctr"/>
+            <a:endParaRPr lang="zh-CN" altLang="en-US"/>
+          </a:p>
+        </p:txBody>
+      </p:sp>
+      <p:sp>
+        <p:nvSpPr>
+          <p:cNvPr id="10" name="下箭头 9"/>
+          <p:cNvSpPr/>
+          <p:nvPr/>
+        </p:nvSpPr>
+        <p:spPr>
+          <a:xfrm>
+            <a:off x="2848526" y="3009568"/>
+            <a:ext cx="242604" cy="648032"/>
+          </a:xfrm>
+          <a:prstGeom prst="downArrow">
+            <a:avLst/>
+          </a:prstGeom>
+        </p:spPr>
+        <p:style>
+          <a:lnRef idx="2">
+            <a:schemeClr val="accent1">
+              <a:shade val="50000"/>
+            </a:schemeClr>
+          </a:lnRef>
+          <a:fillRef idx="1">
+            <a:schemeClr val="accent1"/>
+          </a:fillRef>
+          <a:effectRef idx="0">
+            <a:schemeClr val="accent1"/>
+          </a:effectRef>
+          <a:fontRef idx="minor">
+            <a:schemeClr val="lt1"/>
+          </a:fontRef>
+        </p:style>
+        <p:txBody>
+          <a:bodyPr rtlCol="0" anchor="ctr"/>
+          <a:lstStyle/>
+          <a:p>
+            <a:pPr algn="ctr"/>
+            <a:endParaRPr lang="zh-CN" altLang="en-US"/>
+          </a:p>
+        </p:txBody>
+      </p:sp>
+      <p:sp>
+        <p:nvSpPr>
+          <p:cNvPr id="11" name="文本框 10"/>
+          <p:cNvSpPr txBox="1"/>
+          <p:nvPr/>
+        </p:nvSpPr>
+        <p:spPr>
+          <a:xfrm>
+            <a:off x="3389639" y="3148918"/>
+            <a:ext cx="3057247" cy="369332"/>
+          </a:xfrm>
+          <a:prstGeom prst="rect">
+            <a:avLst/>
+          </a:prstGeom>
+          <a:noFill/>
+        </p:spPr>
+        <p:txBody>
+          <a:bodyPr wrap="none" rtlCol="0">
+            <a:spAutoFit/>
+          </a:bodyPr>
+          <a:lstStyle/>
+          <a:p>
+            <a:r>
+              <a:rPr lang="en-US" altLang="zh-CN" dirty="0" smtClean="0">
+                <a:latin typeface="Arial Unicode MS" panose="020B0604020202020204" pitchFamily="34" charset="-122"/>
+                <a:ea typeface="Arial Unicode MS" panose="020B0604020202020204" pitchFamily="34" charset="-122"/>
+                <a:cs typeface="Arial Unicode MS" panose="020B0604020202020204" pitchFamily="34" charset="-122"/>
+              </a:rPr>
+              <a:t>Step1: </a:t>
+            </a:r>
+            <a:r>
+              <a:rPr lang="en-US" altLang="zh-CN" dirty="0" smtClean="0">
+                <a:latin typeface="Arial Unicode MS" panose="020B0604020202020204" pitchFamily="34" charset="-122"/>
+                <a:ea typeface="Arial Unicode MS" panose="020B0604020202020204" pitchFamily="34" charset="-122"/>
+                <a:cs typeface="Arial Unicode MS" panose="020B0604020202020204" pitchFamily="34" charset="-122"/>
+              </a:rPr>
+              <a:t>Phoneme</a:t>
+            </a:r>
+            <a:r>
+              <a:rPr lang="en-US" altLang="zh-CN" dirty="0" smtClean="0">
+                <a:latin typeface="Arial Unicode MS" panose="020B0604020202020204" pitchFamily="34" charset="-122"/>
+                <a:ea typeface="Arial Unicode MS" panose="020B0604020202020204" pitchFamily="34" charset="-122"/>
+                <a:cs typeface="Arial Unicode MS" panose="020B0604020202020204" pitchFamily="34" charset="-122"/>
+              </a:rPr>
+              <a:t>/Word</a:t>
+            </a:r>
+            <a:r>
+              <a:rPr lang="en-US" altLang="zh-CN" dirty="0" smtClean="0">
+                <a:latin typeface="Arial Unicode MS" panose="020B0604020202020204" pitchFamily="34" charset="-122"/>
+                <a:ea typeface="Arial Unicode MS" panose="020B0604020202020204" pitchFamily="34" charset="-122"/>
+                <a:cs typeface="Arial Unicode MS" panose="020B0604020202020204" pitchFamily="34" charset="-122"/>
+              </a:rPr>
+              <a:t> split</a:t>
+            </a:r>
+            <a:endParaRPr lang="en-US" altLang="zh-CN" dirty="0" smtClean="0">
+              <a:latin typeface="Arial Unicode MS" panose="020B0604020202020204" pitchFamily="34" charset="-122"/>
+              <a:ea typeface="Arial Unicode MS" panose="020B0604020202020204" pitchFamily="34" charset="-122"/>
+              <a:cs typeface="Arial Unicode MS" panose="020B0604020202020204" pitchFamily="34" charset="-122"/>
+            </a:endParaRPr>
+          </a:p>
+        </p:txBody>
+      </p:sp>
+      <p:sp>
+        <p:nvSpPr>
+          <p:cNvPr id="2" name="矩形 1"/>
+          <p:cNvSpPr/>
+          <p:nvPr/>
+        </p:nvSpPr>
+        <p:spPr>
+          <a:xfrm>
+            <a:off x="792793" y="3768605"/>
+            <a:ext cx="6096000" cy="646331"/>
+          </a:xfrm>
+          <a:prstGeom prst="rect">
+            <a:avLst/>
+          </a:prstGeom>
+        </p:spPr>
+        <p:txBody>
+          <a:bodyPr>
+            <a:spAutoFit/>
+          </a:bodyPr>
+          <a:lstStyle/>
+          <a:p>
+            <a:r>
+              <a:rPr lang="zh-CN" altLang="en-US" dirty="0">
+                <a:latin typeface="Arial Unicode MS" panose="020B0604020202020204" pitchFamily="34" charset="-122"/>
+                <a:ea typeface="Arial Unicode MS" panose="020B0604020202020204" pitchFamily="34" charset="-122"/>
+                <a:cs typeface="Arial Unicode MS" panose="020B0604020202020204" pitchFamily="34" charset="-122"/>
+              </a:rPr>
+              <a:t>[[['OW2', 'K', 'EY1']], [['G', 'UW1', 'G', 'AH0', 'L']], [['T', 'EY1', 'K']], [['AH0'], ['EY1']], [['P', 'IH1', 'K', 'CH', 'ER0']]]</a:t>
+            </a:r>
+          </a:p>
+        </p:txBody>
+      </p:sp>
+      <p:sp>
+        <p:nvSpPr>
+          <p:cNvPr id="14" name="下箭头 13"/>
+          <p:cNvSpPr/>
+          <p:nvPr/>
+        </p:nvSpPr>
+        <p:spPr>
+          <a:xfrm>
+            <a:off x="2859572" y="4525941"/>
+            <a:ext cx="242604" cy="648032"/>
+          </a:xfrm>
+          <a:prstGeom prst="downArrow">
+            <a:avLst/>
+          </a:prstGeom>
+        </p:spPr>
+        <p:style>
+          <a:lnRef idx="2">
+            <a:schemeClr val="accent1">
+              <a:shade val="50000"/>
+            </a:schemeClr>
+          </a:lnRef>
+          <a:fillRef idx="1">
+            <a:schemeClr val="accent1"/>
+          </a:fillRef>
+          <a:effectRef idx="0">
+            <a:schemeClr val="accent1"/>
+          </a:effectRef>
+          <a:fontRef idx="minor">
+            <a:schemeClr val="lt1"/>
+          </a:fontRef>
+        </p:style>
+        <p:txBody>
+          <a:bodyPr rtlCol="0" anchor="ctr"/>
+          <a:lstStyle/>
+          <a:p>
+            <a:pPr algn="ctr"/>
+            <a:endParaRPr lang="zh-CN" altLang="en-US"/>
+          </a:p>
+        </p:txBody>
+      </p:sp>
+      <p:sp>
+        <p:nvSpPr>
+          <p:cNvPr id="15" name="文本框 14"/>
+          <p:cNvSpPr txBox="1"/>
+          <p:nvPr/>
+        </p:nvSpPr>
+        <p:spPr>
+          <a:xfrm>
+            <a:off x="3389639" y="4665291"/>
+            <a:ext cx="1890261" cy="369332"/>
+          </a:xfrm>
+          <a:prstGeom prst="rect">
+            <a:avLst/>
+          </a:prstGeom>
+          <a:noFill/>
+        </p:spPr>
+        <p:txBody>
+          <a:bodyPr wrap="none" rtlCol="0">
+            <a:spAutoFit/>
+          </a:bodyPr>
+          <a:lstStyle/>
+          <a:p>
+            <a:r>
+              <a:rPr lang="en-US" altLang="zh-CN" dirty="0" smtClean="0">
+                <a:latin typeface="Arial Unicode MS" panose="020B0604020202020204" pitchFamily="34" charset="-122"/>
+                <a:ea typeface="Arial Unicode MS" panose="020B0604020202020204" pitchFamily="34" charset="-122"/>
+                <a:cs typeface="Arial Unicode MS" panose="020B0604020202020204" pitchFamily="34" charset="-122"/>
+              </a:rPr>
+              <a:t>Step2: Part TSM</a:t>
+            </a:r>
+            <a:endParaRPr lang="en-US" altLang="zh-CN" dirty="0" smtClean="0">
+              <a:latin typeface="Arial Unicode MS" panose="020B0604020202020204" pitchFamily="34" charset="-122"/>
+              <a:ea typeface="Arial Unicode MS" panose="020B0604020202020204" pitchFamily="34" charset="-122"/>
+              <a:cs typeface="Arial Unicode MS" panose="020B0604020202020204" pitchFamily="34" charset="-122"/>
+            </a:endParaRPr>
+          </a:p>
+        </p:txBody>
+      </p:sp>
+      <p:sp>
+        <p:nvSpPr>
+          <p:cNvPr id="16" name="矩形 15"/>
+          <p:cNvSpPr/>
+          <p:nvPr/>
+        </p:nvSpPr>
+        <p:spPr>
+          <a:xfrm>
+            <a:off x="792793" y="5299730"/>
+            <a:ext cx="6096000" cy="646331"/>
+          </a:xfrm>
+          <a:prstGeom prst="rect">
+            <a:avLst/>
+          </a:prstGeom>
+        </p:spPr>
+        <p:txBody>
+          <a:bodyPr>
+            <a:spAutoFit/>
+          </a:bodyPr>
+          <a:lstStyle/>
+          <a:p>
+            <a:r>
+              <a:rPr lang="zh-CN" altLang="en-US" dirty="0">
+                <a:latin typeface="Arial Unicode MS" panose="020B0604020202020204" pitchFamily="34" charset="-122"/>
+                <a:ea typeface="Arial Unicode MS" panose="020B0604020202020204" pitchFamily="34" charset="-122"/>
+                <a:cs typeface="Arial Unicode MS" panose="020B0604020202020204" pitchFamily="34" charset="-122"/>
+              </a:rPr>
+              <a:t>[[['OW2', 'K', '</a:t>
+            </a:r>
+            <a:r>
+              <a:rPr lang="zh-CN" altLang="en-US" b="1" dirty="0">
+                <a:solidFill>
+                  <a:srgbClr val="C00000"/>
+                </a:solidFill>
+                <a:latin typeface="Arial Unicode MS" panose="020B0604020202020204" pitchFamily="34" charset="-122"/>
+                <a:ea typeface="Arial Unicode MS" panose="020B0604020202020204" pitchFamily="34" charset="-122"/>
+                <a:cs typeface="Arial Unicode MS" panose="020B0604020202020204" pitchFamily="34" charset="-122"/>
+              </a:rPr>
+              <a:t>EY1</a:t>
+            </a:r>
+            <a:r>
+              <a:rPr lang="zh-CN" altLang="en-US" dirty="0">
+                <a:latin typeface="Arial Unicode MS" panose="020B0604020202020204" pitchFamily="34" charset="-122"/>
+                <a:ea typeface="Arial Unicode MS" panose="020B0604020202020204" pitchFamily="34" charset="-122"/>
+                <a:cs typeface="Arial Unicode MS" panose="020B0604020202020204" pitchFamily="34" charset="-122"/>
+              </a:rPr>
+              <a:t>']], [['G', 'UW1', 'G', 'AH0', 'L']], [['T', 'EY1', 'K']], [['AH0'], ['EY1']], [['P', 'IH1', 'K', 'CH', 'ER0']]]</a:t>
+            </a:r>
+          </a:p>
+        </p:txBody>
+      </p:sp>
+      <p:sp>
+        <p:nvSpPr>
+          <p:cNvPr id="17" name="下箭头 16"/>
+          <p:cNvSpPr/>
+          <p:nvPr/>
+        </p:nvSpPr>
+        <p:spPr>
+          <a:xfrm rot="16200000">
+            <a:off x="7072291" y="5391178"/>
+            <a:ext cx="242604" cy="648032"/>
+          </a:xfrm>
+          <a:prstGeom prst="downArrow">
+            <a:avLst/>
+          </a:prstGeom>
+        </p:spPr>
+        <p:style>
+          <a:lnRef idx="2">
+            <a:schemeClr val="accent1">
+              <a:shade val="50000"/>
+            </a:schemeClr>
+          </a:lnRef>
+          <a:fillRef idx="1">
+            <a:schemeClr val="accent1"/>
+          </a:fillRef>
+          <a:effectRef idx="0">
+            <a:schemeClr val="accent1"/>
+          </a:effectRef>
+          <a:fontRef idx="minor">
+            <a:schemeClr val="lt1"/>
+          </a:fontRef>
+        </p:style>
+        <p:txBody>
+          <a:bodyPr rtlCol="0" anchor="ctr"/>
+          <a:lstStyle/>
+          <a:p>
+            <a:pPr algn="ctr"/>
+            <a:endParaRPr lang="zh-CN" altLang="en-US"/>
+          </a:p>
+        </p:txBody>
+      </p:sp>
+      <p:sp>
+        <p:nvSpPr>
+          <p:cNvPr id="19" name="文本框 18"/>
+          <p:cNvSpPr txBox="1"/>
+          <p:nvPr/>
+        </p:nvSpPr>
+        <p:spPr>
+          <a:xfrm>
+            <a:off x="7670846" y="5422841"/>
+            <a:ext cx="3896870" cy="523220"/>
+          </a:xfrm>
+          <a:prstGeom prst="rect">
+            <a:avLst/>
+          </a:prstGeom>
+          <a:noFill/>
+          <a:ln w="38100">
+            <a:solidFill>
+              <a:schemeClr val="accent1">
+                <a:lumMod val="75000"/>
+              </a:schemeClr>
+            </a:solidFill>
+          </a:ln>
+        </p:spPr>
+        <p:txBody>
+          <a:bodyPr wrap="square" rtlCol="0">
+            <a:spAutoFit/>
+          </a:bodyPr>
+          <a:lstStyle/>
+          <a:p>
+            <a:pPr algn="ctr"/>
+            <a:r>
+              <a:rPr lang="en-US" altLang="zh-CN" sz="2800" b="1" dirty="0" smtClean="0"/>
+              <a:t>Feasibility</a:t>
+            </a:r>
+            <a:endParaRPr lang="zh-CN" altLang="en-US" sz="2800" b="1" dirty="0"/>
+          </a:p>
+        </p:txBody>
+      </p:sp>
+    </p:spTree>
+    <p:extLst>
+      <p:ext uri="{BB962C8B-B14F-4D97-AF65-F5344CB8AC3E}">
+        <p14:creationId xmlns:p14="http://schemas.microsoft.com/office/powerpoint/2010/main" val="483645388"/>
+      </p:ext>
+    </p:extLst>
+  </p:cSld>
+  <p:clrMapOvr>
+    <a:masterClrMapping/>
+  </p:clrMapOvr>
+  <p:timing>
+    <p:tnLst>
+      <p:par>
+        <p:cTn id="1" dur="indefinite" restart="never" nodeType="tmRoot"/>
+      </p:par>
+    </p:tnLst>
+  </p:timing>
+</p:sld>
+</file>
+
+<file path=ppt/slides/slide79.xml><?xml version="1.0" encoding="utf-8"?>
+<p:sld xmlns:a="http://schemas.openxmlformats.org/drawingml/2006/main" xmlns:r="http://schemas.openxmlformats.org/officeDocument/2006/relationships" xmlns:p="http://schemas.openxmlformats.org/presentationml/2006/main">
+  <p:cSld>
+    <p:spTree>
+      <p:nvGrpSpPr>
+        <p:cNvPr id="1" name=""/>
+        <p:cNvGrpSpPr/>
+        <p:nvPr/>
+      </p:nvGrpSpPr>
+      <p:grpSpPr>
+        <a:xfrm>
+          <a:off x="0" y="0"/>
+          <a:ext cx="0" cy="0"/>
+          <a:chOff x="0" y="0"/>
+          <a:chExt cx="0" cy="0"/>
+        </a:xfrm>
+      </p:grpSpPr>
+      <p:sp>
+        <p:nvSpPr>
+          <p:cNvPr id="12" name="矩形 11">
+            <a:extLst>
+              <a:ext uri="{FF2B5EF4-FFF2-40B4-BE49-F238E27FC236}">
+                <a16:creationId xmlns="" xmlns:a16="http://schemas.microsoft.com/office/drawing/2014/main" id="{0FDAD747-108F-4A6D-9220-5EA05067FF1E}"/>
+              </a:ext>
+            </a:extLst>
+          </p:cNvPr>
+          <p:cNvSpPr/>
+          <p:nvPr/>
+        </p:nvSpPr>
+        <p:spPr>
+          <a:xfrm>
+            <a:off x="843572" y="1120596"/>
+            <a:ext cx="2343911" cy="584775"/>
+          </a:xfrm>
+          <a:prstGeom prst="rect">
+            <a:avLst/>
+          </a:prstGeom>
+        </p:spPr>
+        <p:txBody>
+          <a:bodyPr wrap="none">
+            <a:spAutoFit/>
+          </a:bodyPr>
+          <a:lstStyle/>
+          <a:p>
+            <a:r>
+              <a:rPr lang="en-US" altLang="zh-CN" sz="3200" b="1" dirty="0" smtClean="0">
+                <a:solidFill>
+                  <a:prstClr val="black"/>
+                </a:solidFill>
+                <a:latin typeface="微软雅黑" panose="020B0503020204020204" pitchFamily="34" charset="-122"/>
+                <a:ea typeface="微软雅黑" panose="020B0503020204020204" pitchFamily="34" charset="-122"/>
+              </a:rPr>
+              <a:t>Challenge </a:t>
+            </a:r>
+            <a:endParaRPr lang="zh-CN" altLang="en-US" sz="3200" b="1" dirty="0">
+              <a:solidFill>
+                <a:prstClr val="black"/>
+              </a:solidFill>
+              <a:latin typeface="微软雅黑" panose="020B0503020204020204" pitchFamily="34" charset="-122"/>
+              <a:ea typeface="微软雅黑" panose="020B0503020204020204" pitchFamily="34" charset="-122"/>
+            </a:endParaRPr>
+          </a:p>
+        </p:txBody>
+      </p:sp>
+      <p:sp>
+        <p:nvSpPr>
+          <p:cNvPr id="4" name="矩形 3">
+            <a:extLst>
+              <a:ext uri="{FF2B5EF4-FFF2-40B4-BE49-F238E27FC236}">
+                <a16:creationId xmlns="" xmlns:a16="http://schemas.microsoft.com/office/drawing/2014/main" id="{0FDAD747-108F-4A6D-9220-5EA05067FF1E}"/>
+              </a:ext>
+            </a:extLst>
+          </p:cNvPr>
+          <p:cNvSpPr/>
+          <p:nvPr/>
+        </p:nvSpPr>
+        <p:spPr>
+          <a:xfrm>
+            <a:off x="843573" y="1705371"/>
+            <a:ext cx="10730590" cy="1569660"/>
+          </a:xfrm>
+          <a:prstGeom prst="rect">
+            <a:avLst/>
+          </a:prstGeom>
+        </p:spPr>
+        <p:txBody>
+          <a:bodyPr wrap="square">
+            <a:spAutoFit/>
+          </a:bodyPr>
+          <a:lstStyle/>
+          <a:p>
+            <a:pPr marL="285750" indent="-285750">
+              <a:lnSpc>
+                <a:spcPct val="200000"/>
+              </a:lnSpc>
+              <a:buFont typeface="Wingdings" panose="05000000000000000000" pitchFamily="2" charset="2"/>
+              <a:buChar char="p"/>
+            </a:pPr>
+            <a:r>
+              <a:rPr lang="en-US" altLang="zh-CN" sz="1600" dirty="0" smtClean="0">
+                <a:solidFill>
+                  <a:prstClr val="black"/>
+                </a:solidFill>
+                <a:latin typeface="微软雅黑" panose="020B0503020204020204" pitchFamily="34" charset="-122"/>
+                <a:ea typeface="微软雅黑" panose="020B0503020204020204" pitchFamily="34" charset="-122"/>
+                <a:cs typeface="Arial Unicode MS" panose="020B0604020202020204" pitchFamily="34" charset="-122"/>
+              </a:rPr>
+              <a:t>Audio </a:t>
+            </a:r>
+            <a:r>
+              <a:rPr lang="en-US" altLang="zh-CN" sz="1600" dirty="0">
+                <a:latin typeface="微软雅黑" panose="020B0503020204020204" pitchFamily="34" charset="-122"/>
+                <a:ea typeface="微软雅黑" panose="020B0503020204020204" pitchFamily="34" charset="-122"/>
+                <a:cs typeface="Arial Unicode MS" panose="020B0604020202020204" pitchFamily="34" charset="-122"/>
+              </a:rPr>
+              <a:t>p</a:t>
+            </a:r>
+            <a:r>
+              <a:rPr lang="en-US" altLang="zh-CN" sz="1600" dirty="0" smtClean="0">
+                <a:latin typeface="微软雅黑" panose="020B0503020204020204" pitchFamily="34" charset="-122"/>
+                <a:ea typeface="微软雅黑" panose="020B0503020204020204" pitchFamily="34" charset="-122"/>
+                <a:cs typeface="Arial Unicode MS" panose="020B0604020202020204" pitchFamily="34" charset="-122"/>
+              </a:rPr>
+              <a:t>honeme split (</a:t>
+            </a:r>
+            <a:r>
+              <a:rPr lang="en-US" altLang="zh-CN" sz="1600" dirty="0" err="1" smtClean="0">
+                <a:latin typeface="微软雅黑" panose="020B0503020204020204" pitchFamily="34" charset="-122"/>
+                <a:ea typeface="微软雅黑" panose="020B0503020204020204" pitchFamily="34" charset="-122"/>
+                <a:cs typeface="Arial Unicode MS" panose="020B0604020202020204" pitchFamily="34" charset="-122"/>
+              </a:rPr>
+              <a:t>Chaohao</a:t>
+            </a:r>
+            <a:r>
+              <a:rPr lang="en-US" altLang="zh-CN" sz="1600" dirty="0" smtClean="0">
+                <a:latin typeface="微软雅黑" panose="020B0503020204020204" pitchFamily="34" charset="-122"/>
+                <a:ea typeface="微软雅黑" panose="020B0503020204020204" pitchFamily="34" charset="-122"/>
+                <a:cs typeface="Arial Unicode MS" panose="020B0604020202020204" pitchFamily="34" charset="-122"/>
+              </a:rPr>
+              <a:t>)</a:t>
+            </a:r>
+            <a:endParaRPr lang="en-US" altLang="zh-CN" sz="1600" dirty="0">
+              <a:latin typeface="微软雅黑" panose="020B0503020204020204" pitchFamily="34" charset="-122"/>
+              <a:ea typeface="微软雅黑" panose="020B0503020204020204" pitchFamily="34" charset="-122"/>
+              <a:cs typeface="Arial Unicode MS" panose="020B0604020202020204" pitchFamily="34" charset="-122"/>
+            </a:endParaRPr>
+          </a:p>
+          <a:p>
+            <a:pPr marL="285750" indent="-285750">
+              <a:lnSpc>
+                <a:spcPct val="200000"/>
+              </a:lnSpc>
+              <a:buFont typeface="Wingdings" panose="05000000000000000000" pitchFamily="2" charset="2"/>
+              <a:buChar char="p"/>
+            </a:pPr>
+            <a:r>
+              <a:rPr lang="en-US" altLang="zh-CN" sz="1600" dirty="0" smtClean="0">
+                <a:solidFill>
+                  <a:prstClr val="black"/>
+                </a:solidFill>
+                <a:latin typeface="微软雅黑" panose="020B0503020204020204" pitchFamily="34" charset="-122"/>
+                <a:ea typeface="微软雅黑" panose="020B0503020204020204" pitchFamily="34" charset="-122"/>
+                <a:cs typeface="Arial Unicode MS" panose="020B0604020202020204" pitchFamily="34" charset="-122"/>
+              </a:rPr>
+              <a:t>Transferability </a:t>
+            </a:r>
+            <a:r>
+              <a:rPr lang="en-US" altLang="zh-CN" sz="1600" dirty="0" err="1" smtClean="0">
+                <a:solidFill>
+                  <a:prstClr val="black"/>
+                </a:solidFill>
+                <a:latin typeface="微软雅黑" panose="020B0503020204020204" pitchFamily="34" charset="-122"/>
+                <a:ea typeface="微软雅黑" panose="020B0503020204020204" pitchFamily="34" charset="-122"/>
+                <a:cs typeface="Arial Unicode MS" panose="020B0604020202020204" pitchFamily="34" charset="-122"/>
+              </a:rPr>
+              <a:t>matrics</a:t>
+            </a:r>
+            <a:r>
+              <a:rPr lang="en-US" altLang="zh-CN" sz="1600" dirty="0" smtClean="0">
+                <a:solidFill>
+                  <a:prstClr val="black"/>
+                </a:solidFill>
+                <a:latin typeface="微软雅黑" panose="020B0503020204020204" pitchFamily="34" charset="-122"/>
+                <a:ea typeface="微软雅黑" panose="020B0503020204020204" pitchFamily="34" charset="-122"/>
+                <a:cs typeface="Arial Unicode MS" panose="020B0604020202020204" pitchFamily="34" charset="-122"/>
+              </a:rPr>
+              <a:t> (</a:t>
+            </a:r>
+            <a:r>
+              <a:rPr lang="en-US" altLang="zh-CN" sz="1600" dirty="0" err="1" smtClean="0">
+                <a:solidFill>
+                  <a:prstClr val="black"/>
+                </a:solidFill>
+                <a:latin typeface="微软雅黑" panose="020B0503020204020204" pitchFamily="34" charset="-122"/>
+                <a:ea typeface="微软雅黑" panose="020B0503020204020204" pitchFamily="34" charset="-122"/>
+                <a:cs typeface="Arial Unicode MS" panose="020B0604020202020204" pitchFamily="34" charset="-122"/>
+              </a:rPr>
+              <a:t>Chaohao</a:t>
+            </a:r>
+            <a:r>
+              <a:rPr lang="en-US" altLang="zh-CN" sz="1600" dirty="0" smtClean="0">
+                <a:solidFill>
+                  <a:prstClr val="black"/>
+                </a:solidFill>
+                <a:latin typeface="微软雅黑" panose="020B0503020204020204" pitchFamily="34" charset="-122"/>
+                <a:ea typeface="微软雅黑" panose="020B0503020204020204" pitchFamily="34" charset="-122"/>
+                <a:cs typeface="Arial Unicode MS" panose="020B0604020202020204" pitchFamily="34" charset="-122"/>
+              </a:rPr>
+              <a:t>)</a:t>
+            </a:r>
+          </a:p>
+          <a:p>
+            <a:pPr marL="285750" indent="-285750">
+              <a:lnSpc>
+                <a:spcPct val="200000"/>
+              </a:lnSpc>
+              <a:buFont typeface="Wingdings" panose="05000000000000000000" pitchFamily="2" charset="2"/>
+              <a:buChar char="p"/>
+            </a:pPr>
+            <a:r>
+              <a:rPr lang="en-US" altLang="zh-CN" sz="1600" dirty="0" smtClean="0">
+                <a:solidFill>
+                  <a:prstClr val="black"/>
+                </a:solidFill>
+                <a:latin typeface="微软雅黑" panose="020B0503020204020204" pitchFamily="34" charset="-122"/>
+                <a:ea typeface="微软雅黑" panose="020B0503020204020204" pitchFamily="34" charset="-122"/>
+                <a:cs typeface="Arial Unicode MS" panose="020B0604020202020204" pitchFamily="34" charset="-122"/>
+              </a:rPr>
+              <a:t>Model</a:t>
+            </a:r>
+            <a:r>
+              <a:rPr lang="zh-CN" altLang="en-US" sz="1600" dirty="0" smtClean="0">
+                <a:solidFill>
+                  <a:prstClr val="black"/>
+                </a:solidFill>
+                <a:latin typeface="微软雅黑" panose="020B0503020204020204" pitchFamily="34" charset="-122"/>
+                <a:ea typeface="微软雅黑" panose="020B0503020204020204" pitchFamily="34" charset="-122"/>
+                <a:cs typeface="Arial Unicode MS" panose="020B0604020202020204" pitchFamily="34" charset="-122"/>
+              </a:rPr>
+              <a:t>与</a:t>
+            </a:r>
+            <a:r>
+              <a:rPr lang="en-US" altLang="zh-CN" sz="1600" dirty="0" smtClean="0">
+                <a:solidFill>
+                  <a:prstClr val="black"/>
+                </a:solidFill>
+                <a:latin typeface="微软雅黑" panose="020B0503020204020204" pitchFamily="34" charset="-122"/>
+                <a:ea typeface="微软雅黑" panose="020B0503020204020204" pitchFamily="34" charset="-122"/>
+                <a:cs typeface="Arial Unicode MS" panose="020B0604020202020204" pitchFamily="34" charset="-122"/>
+              </a:rPr>
+              <a:t>black box</a:t>
+            </a:r>
+            <a:r>
+              <a:rPr lang="zh-CN" altLang="en-US" sz="1600" dirty="0" smtClean="0">
+                <a:solidFill>
+                  <a:prstClr val="black"/>
+                </a:solidFill>
+                <a:latin typeface="微软雅黑" panose="020B0503020204020204" pitchFamily="34" charset="-122"/>
+                <a:ea typeface="微软雅黑" panose="020B0503020204020204" pitchFamily="34" charset="-122"/>
+                <a:cs typeface="Arial Unicode MS" panose="020B0604020202020204" pitchFamily="34" charset="-122"/>
+              </a:rPr>
+              <a:t>的区别性（子集）</a:t>
+            </a:r>
+            <a:endParaRPr lang="en-US" altLang="zh-CN" sz="1600" dirty="0" smtClean="0">
+              <a:solidFill>
+                <a:prstClr val="black"/>
+              </a:solidFill>
+              <a:latin typeface="微软雅黑" panose="020B0503020204020204" pitchFamily="34" charset="-122"/>
+              <a:ea typeface="微软雅黑" panose="020B0503020204020204" pitchFamily="34" charset="-122"/>
+              <a:cs typeface="Arial Unicode MS" panose="020B0604020202020204" pitchFamily="34" charset="-122"/>
+            </a:endParaRPr>
+          </a:p>
+        </p:txBody>
+      </p:sp>
+    </p:spTree>
+    <p:extLst>
+      <p:ext uri="{BB962C8B-B14F-4D97-AF65-F5344CB8AC3E}">
+        <p14:creationId xmlns:p14="http://schemas.microsoft.com/office/powerpoint/2010/main" val="2399582820"/>
+      </p:ext>
+    </p:extLst>
+  </p:cSld>
+  <p:clrMapOvr>
+    <a:masterClrMapping/>
+  </p:clrMapOvr>
+  <p:timing>
+    <p:tnLst>
+      <p:par>
+        <p:cTn id="1" dur="indefinite" restart="never" nodeType="tmRoot"/>
+      </p:par>
+    </p:tnLst>
+  </p:timing>
+</p:sld>
+</file>
+
 <file path=ppt/slides/slide8.xml><?xml version="1.0" encoding="utf-8"?>
 <p:sld xmlns:a="http://schemas.openxmlformats.org/drawingml/2006/main" xmlns:r="http://schemas.openxmlformats.org/officeDocument/2006/relationships" xmlns:p="http://schemas.openxmlformats.org/presentationml/2006/main">
   <p:cSld>
@@ -43431,6 +44895,196 @@
   <p:clrMapOvr>
     <a:masterClrMapping/>
   </p:clrMapOvr>
+</p:sld>
+</file>
+
+<file path=ppt/slides/slide80.xml><?xml version="1.0" encoding="utf-8"?>
+<p:sld xmlns:a="http://schemas.openxmlformats.org/drawingml/2006/main" xmlns:r="http://schemas.openxmlformats.org/officeDocument/2006/relationships" xmlns:p="http://schemas.openxmlformats.org/presentationml/2006/main">
+  <p:cSld>
+    <p:spTree>
+      <p:nvGrpSpPr>
+        <p:cNvPr id="1" name=""/>
+        <p:cNvGrpSpPr/>
+        <p:nvPr/>
+      </p:nvGrpSpPr>
+      <p:grpSpPr>
+        <a:xfrm>
+          <a:off x="0" y="0"/>
+          <a:ext cx="0" cy="0"/>
+          <a:chOff x="0" y="0"/>
+          <a:chExt cx="0" cy="0"/>
+        </a:xfrm>
+      </p:grpSpPr>
+      <p:sp>
+        <p:nvSpPr>
+          <p:cNvPr id="12" name="矩形 11">
+            <a:extLst>
+              <a:ext uri="{FF2B5EF4-FFF2-40B4-BE49-F238E27FC236}">
+                <a16:creationId xmlns="" xmlns:a16="http://schemas.microsoft.com/office/drawing/2014/main" id="{0FDAD747-108F-4A6D-9220-5EA05067FF1E}"/>
+              </a:ext>
+            </a:extLst>
+          </p:cNvPr>
+          <p:cNvSpPr/>
+          <p:nvPr/>
+        </p:nvSpPr>
+        <p:spPr>
+          <a:xfrm>
+            <a:off x="843572" y="1120596"/>
+            <a:ext cx="2952860" cy="584775"/>
+          </a:xfrm>
+          <a:prstGeom prst="rect">
+            <a:avLst/>
+          </a:prstGeom>
+        </p:spPr>
+        <p:txBody>
+          <a:bodyPr wrap="none">
+            <a:spAutoFit/>
+          </a:bodyPr>
+          <a:lstStyle/>
+          <a:p>
+            <a:r>
+              <a:rPr lang="en-US" altLang="zh-CN" sz="3200" b="1" dirty="0" smtClean="0">
+                <a:solidFill>
+                  <a:prstClr val="black"/>
+                </a:solidFill>
+                <a:latin typeface="微软雅黑" panose="020B0503020204020204" pitchFamily="34" charset="-122"/>
+                <a:ea typeface="微软雅黑" panose="020B0503020204020204" pitchFamily="34" charset="-122"/>
+              </a:rPr>
+              <a:t>Contribution </a:t>
+            </a:r>
+            <a:endParaRPr lang="zh-CN" altLang="en-US" sz="3200" b="1" dirty="0">
+              <a:solidFill>
+                <a:prstClr val="black"/>
+              </a:solidFill>
+              <a:latin typeface="微软雅黑" panose="020B0503020204020204" pitchFamily="34" charset="-122"/>
+              <a:ea typeface="微软雅黑" panose="020B0503020204020204" pitchFamily="34" charset="-122"/>
+            </a:endParaRPr>
+          </a:p>
+        </p:txBody>
+      </p:sp>
+      <p:sp>
+        <p:nvSpPr>
+          <p:cNvPr id="4" name="矩形 3">
+            <a:extLst>
+              <a:ext uri="{FF2B5EF4-FFF2-40B4-BE49-F238E27FC236}">
+                <a16:creationId xmlns="" xmlns:a16="http://schemas.microsoft.com/office/drawing/2014/main" id="{0FDAD747-108F-4A6D-9220-5EA05067FF1E}"/>
+              </a:ext>
+            </a:extLst>
+          </p:cNvPr>
+          <p:cNvSpPr/>
+          <p:nvPr/>
+        </p:nvSpPr>
+        <p:spPr>
+          <a:xfrm>
+            <a:off x="843573" y="1705371"/>
+            <a:ext cx="10730590" cy="1077218"/>
+          </a:xfrm>
+          <a:prstGeom prst="rect">
+            <a:avLst/>
+          </a:prstGeom>
+        </p:spPr>
+        <p:txBody>
+          <a:bodyPr wrap="square">
+            <a:spAutoFit/>
+          </a:bodyPr>
+          <a:lstStyle/>
+          <a:p>
+            <a:pPr marL="285750" indent="-285750">
+              <a:lnSpc>
+                <a:spcPct val="200000"/>
+              </a:lnSpc>
+              <a:buFont typeface="Wingdings" panose="05000000000000000000" pitchFamily="2" charset="2"/>
+              <a:buChar char="p"/>
+            </a:pPr>
+            <a:r>
+              <a:rPr lang="en-US" altLang="zh-CN" sz="1600" dirty="0" smtClean="0">
+                <a:solidFill>
+                  <a:prstClr val="black"/>
+                </a:solidFill>
+                <a:latin typeface="微软雅黑" panose="020B0503020204020204" pitchFamily="34" charset="-122"/>
+                <a:ea typeface="微软雅黑" panose="020B0503020204020204" pitchFamily="34" charset="-122"/>
+                <a:cs typeface="Arial Unicode MS" panose="020B0604020202020204" pitchFamily="34" charset="-122"/>
+              </a:rPr>
+              <a:t>Correlation </a:t>
+            </a:r>
+            <a:r>
+              <a:rPr lang="en-US" altLang="zh-CN" sz="1600" dirty="0" smtClean="0">
+                <a:solidFill>
+                  <a:prstClr val="black"/>
+                </a:solidFill>
+                <a:latin typeface="微软雅黑" panose="020B0503020204020204" pitchFamily="34" charset="-122"/>
+                <a:ea typeface="微软雅黑" panose="020B0503020204020204" pitchFamily="34" charset="-122"/>
+                <a:cs typeface="Arial Unicode MS" panose="020B0604020202020204" pitchFamily="34" charset="-122"/>
+              </a:rPr>
+              <a:t>(WER and the structure of </a:t>
+            </a:r>
+            <a:r>
+              <a:rPr lang="en-US" altLang="zh-CN" sz="1600" dirty="0">
+                <a:latin typeface="微软雅黑" panose="020B0503020204020204" pitchFamily="34" charset="-122"/>
+                <a:ea typeface="微软雅黑" panose="020B0503020204020204" pitchFamily="34" charset="-122"/>
+                <a:cs typeface="Arial Unicode MS" panose="020B0604020202020204" pitchFamily="34" charset="-122"/>
+              </a:rPr>
+              <a:t>phoneme </a:t>
+            </a:r>
+            <a:r>
+              <a:rPr lang="en-US" altLang="zh-CN" sz="1600" dirty="0" smtClean="0">
+                <a:solidFill>
+                  <a:prstClr val="black"/>
+                </a:solidFill>
+                <a:latin typeface="微软雅黑" panose="020B0503020204020204" pitchFamily="34" charset="-122"/>
+                <a:ea typeface="微软雅黑" panose="020B0503020204020204" pitchFamily="34" charset="-122"/>
+                <a:cs typeface="Arial Unicode MS" panose="020B0604020202020204" pitchFamily="34" charset="-122"/>
+              </a:rPr>
+              <a:t>)</a:t>
+            </a:r>
+          </a:p>
+          <a:p>
+            <a:pPr marL="285750" indent="-285750">
+              <a:lnSpc>
+                <a:spcPct val="200000"/>
+              </a:lnSpc>
+              <a:buFont typeface="Wingdings" panose="05000000000000000000" pitchFamily="2" charset="2"/>
+              <a:buChar char="p"/>
+            </a:pPr>
+            <a:r>
+              <a:rPr lang="zh-CN" altLang="en-US" sz="1600" dirty="0" smtClean="0">
+                <a:solidFill>
+                  <a:prstClr val="black"/>
+                </a:solidFill>
+                <a:latin typeface="微软雅黑" panose="020B0503020204020204" pitchFamily="34" charset="-122"/>
+                <a:ea typeface="微软雅黑" panose="020B0503020204020204" pitchFamily="34" charset="-122"/>
+                <a:cs typeface="Arial Unicode MS" panose="020B0604020202020204" pitchFamily="34" charset="-122"/>
+              </a:rPr>
+              <a:t>部分音频识别出来无结果</a:t>
+            </a:r>
+            <a:endParaRPr lang="en-US" altLang="zh-CN" sz="1600" dirty="0" smtClean="0">
+              <a:solidFill>
+                <a:prstClr val="black"/>
+              </a:solidFill>
+              <a:latin typeface="微软雅黑" panose="020B0503020204020204" pitchFamily="34" charset="-122"/>
+              <a:ea typeface="微软雅黑" panose="020B0503020204020204" pitchFamily="34" charset="-122"/>
+              <a:cs typeface="Arial Unicode MS" panose="020B0604020202020204" pitchFamily="34" charset="-122"/>
+            </a:endParaRPr>
+          </a:p>
+        </p:txBody>
+      </p:sp>
+    </p:spTree>
+    <p:extLst>
+      <p:ext uri="{BB962C8B-B14F-4D97-AF65-F5344CB8AC3E}">
+        <p14:creationId xmlns:p14="http://schemas.microsoft.com/office/powerpoint/2010/main" val="2915600905"/>
+      </p:ext>
+    </p:extLst>
+  </p:cSld>
+  <p:clrMapOvr>
+    <a:masterClrMapping/>
+  </p:clrMapOvr>
+  <p:timing>
+    <p:tnLst>
+      <p:par>
+        <p:cTn id="1" dur="indefinite" restart="never" nodeType="tmRoot"/>
+      </p:par>
+    </p:tnLst>
+  </p:timing>
 </p:sld>
 </file>
 
